--- a/docs/assets/images/Promo.pptx
+++ b/docs/assets/images/Promo.pptx
@@ -1,25 +1,129 @@
 
 <file path=ppt/presentation.xml><?xml version="1.0" encoding="utf-8"?>
-<p:presentation xmlns:a="http://schemas.openxmlformats.org/drawingml/2006/main" xmlns:p="http://schemas.openxmlformats.org/presentationml/2006/main" xmlns:r="http://schemas.openxmlformats.org/officeDocument/2006/relationships" xmlns:p14="http://schemas.microsoft.com/office/powerpoint/2010/main" xmlns:p15="http://schemas.microsoft.com/office/powerpoint/2012/main" xmlns:mc="http://schemas.openxmlformats.org/markup-compatibility/2006">
+<p:presentation xmlns:a="http://schemas.openxmlformats.org/drawingml/2006/main" xmlns:r="http://schemas.openxmlformats.org/officeDocument/2006/relationships" xmlns:p="http://schemas.openxmlformats.org/presentationml/2006/main">
   <p:sldMasterIdLst>
-    <p:sldMasterId id="2147483648" r:id="rId2"/>
+    <p:sldMasterId id="2147483648" r:id="rId1"/>
   </p:sldMasterIdLst>
   <p:sldIdLst>
-    <p:sldId id="256" r:id="rId3"/>
+    <p:sldId id="256" r:id="rId2"/>
+    <p:sldId id="257" r:id="rId3"/>
+    <p:sldId id="258" r:id="rId4"/>
+    <p:sldId id="259" r:id="rId5"/>
   </p:sldIdLst>
   <p:sldSz cx="12192000" cy="6858000"/>
   <p:notesSz cx="7772400" cy="10058400"/>
+  <p:defaultTextStyle>
+    <a:defPPr>
+      <a:defRPr lang="en-US"/>
+    </a:defPPr>
+    <a:lvl1pPr marL="0" algn="l" defTabSz="914400" rtl="0" eaLnBrk="1" latinLnBrk="0" hangingPunct="1">
+      <a:defRPr sz="1800" kern="1200">
+        <a:solidFill>
+          <a:schemeClr val="tx1"/>
+        </a:solidFill>
+        <a:latin typeface="+mn-lt"/>
+        <a:ea typeface="+mn-ea"/>
+        <a:cs typeface="+mn-cs"/>
+      </a:defRPr>
+    </a:lvl1pPr>
+    <a:lvl2pPr marL="457200" algn="l" defTabSz="914400" rtl="0" eaLnBrk="1" latinLnBrk="0" hangingPunct="1">
+      <a:defRPr sz="1800" kern="1200">
+        <a:solidFill>
+          <a:schemeClr val="tx1"/>
+        </a:solidFill>
+        <a:latin typeface="+mn-lt"/>
+        <a:ea typeface="+mn-ea"/>
+        <a:cs typeface="+mn-cs"/>
+      </a:defRPr>
+    </a:lvl2pPr>
+    <a:lvl3pPr marL="914400" algn="l" defTabSz="914400" rtl="0" eaLnBrk="1" latinLnBrk="0" hangingPunct="1">
+      <a:defRPr sz="1800" kern="1200">
+        <a:solidFill>
+          <a:schemeClr val="tx1"/>
+        </a:solidFill>
+        <a:latin typeface="+mn-lt"/>
+        <a:ea typeface="+mn-ea"/>
+        <a:cs typeface="+mn-cs"/>
+      </a:defRPr>
+    </a:lvl3pPr>
+    <a:lvl4pPr marL="1371600" algn="l" defTabSz="914400" rtl="0" eaLnBrk="1" latinLnBrk="0" hangingPunct="1">
+      <a:defRPr sz="1800" kern="1200">
+        <a:solidFill>
+          <a:schemeClr val="tx1"/>
+        </a:solidFill>
+        <a:latin typeface="+mn-lt"/>
+        <a:ea typeface="+mn-ea"/>
+        <a:cs typeface="+mn-cs"/>
+      </a:defRPr>
+    </a:lvl4pPr>
+    <a:lvl5pPr marL="1828800" algn="l" defTabSz="914400" rtl="0" eaLnBrk="1" latinLnBrk="0" hangingPunct="1">
+      <a:defRPr sz="1800" kern="1200">
+        <a:solidFill>
+          <a:schemeClr val="tx1"/>
+        </a:solidFill>
+        <a:latin typeface="+mn-lt"/>
+        <a:ea typeface="+mn-ea"/>
+        <a:cs typeface="+mn-cs"/>
+      </a:defRPr>
+    </a:lvl5pPr>
+    <a:lvl6pPr marL="2286000" algn="l" defTabSz="914400" rtl="0" eaLnBrk="1" latinLnBrk="0" hangingPunct="1">
+      <a:defRPr sz="1800" kern="1200">
+        <a:solidFill>
+          <a:schemeClr val="tx1"/>
+        </a:solidFill>
+        <a:latin typeface="+mn-lt"/>
+        <a:ea typeface="+mn-ea"/>
+        <a:cs typeface="+mn-cs"/>
+      </a:defRPr>
+    </a:lvl6pPr>
+    <a:lvl7pPr marL="2743200" algn="l" defTabSz="914400" rtl="0" eaLnBrk="1" latinLnBrk="0" hangingPunct="1">
+      <a:defRPr sz="1800" kern="1200">
+        <a:solidFill>
+          <a:schemeClr val="tx1"/>
+        </a:solidFill>
+        <a:latin typeface="+mn-lt"/>
+        <a:ea typeface="+mn-ea"/>
+        <a:cs typeface="+mn-cs"/>
+      </a:defRPr>
+    </a:lvl7pPr>
+    <a:lvl8pPr marL="3200400" algn="l" defTabSz="914400" rtl="0" eaLnBrk="1" latinLnBrk="0" hangingPunct="1">
+      <a:defRPr sz="1800" kern="1200">
+        <a:solidFill>
+          <a:schemeClr val="tx1"/>
+        </a:solidFill>
+        <a:latin typeface="+mn-lt"/>
+        <a:ea typeface="+mn-ea"/>
+        <a:cs typeface="+mn-cs"/>
+      </a:defRPr>
+    </a:lvl8pPr>
+    <a:lvl9pPr marL="3657600" algn="l" defTabSz="914400" rtl="0" eaLnBrk="1" latinLnBrk="0" hangingPunct="1">
+      <a:defRPr sz="1800" kern="1200">
+        <a:solidFill>
+          <a:schemeClr val="tx1"/>
+        </a:solidFill>
+        <a:latin typeface="+mn-lt"/>
+        <a:ea typeface="+mn-ea"/>
+        <a:cs typeface="+mn-cs"/>
+      </a:defRPr>
+    </a:lvl9pPr>
+  </p:defaultTextStyle>
+  <p:extLst>
+    <p:ext uri="{EFAFB233-063F-42B5-8137-9DF3F51BA10A}">
+      <p15:sldGuideLst xmlns:p15="http://schemas.microsoft.com/office/powerpoint/2012/main"/>
+    </p:ext>
+  </p:extLst>
 </p:presentation>
 </file>
 
 <file path=ppt/slideLayouts/slideLayout1.xml><?xml version="1.0" encoding="utf-8"?>
-<p:sldLayout xmlns:a="http://schemas.openxmlformats.org/drawingml/2006/main" xmlns:p="http://schemas.openxmlformats.org/presentationml/2006/main" xmlns:r="http://schemas.openxmlformats.org/officeDocument/2006/relationships" xmlns:p14="http://schemas.microsoft.com/office/powerpoint/2010/main" xmlns:p15="http://schemas.microsoft.com/office/powerpoint/2012/main" xmlns:mc="http://schemas.openxmlformats.org/markup-compatibility/2006" type="blank" preserve="1">
+<p:sldLayout xmlns:a="http://schemas.openxmlformats.org/drawingml/2006/main" xmlns:r="http://schemas.openxmlformats.org/officeDocument/2006/relationships" xmlns:p="http://schemas.openxmlformats.org/presentationml/2006/main" type="blank" preserve="1">
   <p:cSld name="Blank">
     <p:bg>
       <p:bgPr>
         <a:solidFill>
-          <a:srgbClr val="ffffff"/>
+          <a:srgbClr val="FFFFFF"/>
         </a:solidFill>
+        <a:effectLst/>
       </p:bgPr>
     </p:bg>
     <p:spTree>
@@ -38,7 +142,7 @@
       </p:grpSpPr>
       <p:sp>
         <p:nvSpPr>
-          <p:cNvPr id="0" name="PlaceHolder 1"/>
+          <p:cNvPr id="3" name="PlaceHolder 1"/>
           <p:cNvSpPr>
             <a:spLocks noGrp="1"/>
           </p:cNvSpPr>
@@ -60,7 +164,7 @@
           </a:ln>
         </p:spPr>
         <p:txBody>
-          <a:bodyPr lIns="91440" rIns="91440" tIns="45720" bIns="45720" anchor="ctr">
+          <a:bodyPr lIns="91440" tIns="45720" rIns="91440" bIns="45720" anchor="ctr">
             <a:noAutofit/>
           </a:bodyPr>
           <a:lstStyle>
@@ -70,9 +174,9 @@
               </a:lnSpc>
               <a:buNone/>
               <a:tabLst>
-                <a:tab algn="l" pos="0"/>
+                <a:tab pos="0" algn="l"/>
               </a:tabLst>
-              <a:defRPr b="0" lang="en-US" sz="1200" strike="noStrike" u="none">
+              <a:defRPr lang="en-US" sz="1200" b="0" u="none" strike="noStrike">
                 <a:solidFill>
                   <a:schemeClr val="dk1">
                     <a:tint val="82000"/>
@@ -91,11 +195,11 @@
               </a:lnSpc>
               <a:buNone/>
               <a:tabLst>
-                <a:tab algn="l" pos="0"/>
+                <a:tab pos="0" algn="l"/>
               </a:tabLst>
             </a:pPr>
             <a:r>
-              <a:rPr b="0" lang="en-US" sz="1200" strike="noStrike" u="none">
+              <a:rPr lang="en-US" sz="1200" b="0" u="none" strike="noStrike">
                 <a:solidFill>
                   <a:schemeClr val="dk1">
                     <a:tint val="82000"/>
@@ -107,7 +211,7 @@
               </a:rPr>
               <a:t>&lt;date/time&gt;</a:t>
             </a:r>
-            <a:endParaRPr b="0" lang="en-US" sz="1200" strike="noStrike" u="none">
+            <a:endParaRPr lang="en-US" sz="1200" b="0" u="none" strike="noStrike">
               <a:solidFill>
                 <a:srgbClr val="000000"/>
               </a:solidFill>
@@ -120,7 +224,7 @@
       </p:sp>
       <p:sp>
         <p:nvSpPr>
-          <p:cNvPr id="1" name="PlaceHolder 2"/>
+          <p:cNvPr id="4" name="PlaceHolder 2"/>
           <p:cNvSpPr>
             <a:spLocks noGrp="1"/>
           </p:cNvSpPr>
@@ -142,7 +246,7 @@
           </a:ln>
         </p:spPr>
         <p:txBody>
-          <a:bodyPr lIns="91440" rIns="91440" tIns="45720" bIns="45720" anchor="ctr">
+          <a:bodyPr lIns="91440" tIns="45720" rIns="91440" bIns="45720" anchor="ctr">
             <a:noAutofit/>
           </a:bodyPr>
           <a:lstStyle>
@@ -152,9 +256,9 @@
               </a:lnSpc>
               <a:buNone/>
               <a:tabLst>
-                <a:tab algn="l" pos="0"/>
+                <a:tab pos="0" algn="l"/>
               </a:tabLst>
-              <a:defRPr b="0" lang="en-US" sz="1400" strike="noStrike" u="none">
+              <a:defRPr lang="en-US" sz="1400" b="0" u="none" strike="noStrike">
                 <a:solidFill>
                   <a:srgbClr val="000000"/>
                 </a:solidFill>
@@ -171,11 +275,11 @@
               </a:lnSpc>
               <a:buNone/>
               <a:tabLst>
-                <a:tab algn="l" pos="0"/>
+                <a:tab pos="0" algn="l"/>
               </a:tabLst>
             </a:pPr>
             <a:r>
-              <a:rPr b="0" lang="en-US" sz="1400" strike="noStrike" u="none">
+              <a:rPr lang="en-US" sz="1400" b="0" u="none" strike="noStrike">
                 <a:solidFill>
                   <a:srgbClr val="000000"/>
                 </a:solidFill>
@@ -185,14 +289,6 @@
               </a:rPr>
               <a:t>&lt;footer&gt;</a:t>
             </a:r>
-            <a:endParaRPr b="0" lang="en-US" sz="1400" strike="noStrike" u="none">
-              <a:solidFill>
-                <a:srgbClr val="000000"/>
-              </a:solidFill>
-              <a:effectLst/>
-              <a:uFillTx/>
-              <a:latin typeface="Times New Roman"/>
-            </a:endParaRPr>
           </a:p>
         </p:txBody>
       </p:sp>
@@ -220,7 +316,7 @@
           </a:ln>
         </p:spPr>
         <p:txBody>
-          <a:bodyPr lIns="91440" rIns="91440" tIns="45720" bIns="45720" anchor="ctr">
+          <a:bodyPr lIns="91440" tIns="45720" rIns="91440" bIns="45720" anchor="ctr">
             <a:noAutofit/>
           </a:bodyPr>
           <a:lstStyle>
@@ -230,9 +326,9 @@
               </a:lnSpc>
               <a:buNone/>
               <a:tabLst>
-                <a:tab algn="l" pos="0"/>
+                <a:tab pos="0" algn="l"/>
               </a:tabLst>
-              <a:defRPr b="0" lang="en-US" sz="1200" strike="noStrike" u="none">
+              <a:defRPr lang="en-US" sz="1200" b="0" u="none" strike="noStrike">
                 <a:solidFill>
                   <a:schemeClr val="dk1">
                     <a:tint val="82000"/>
@@ -251,11 +347,11 @@
               </a:lnSpc>
               <a:buNone/>
               <a:tabLst>
-                <a:tab algn="l" pos="0"/>
+                <a:tab pos="0" algn="l"/>
               </a:tabLst>
             </a:pPr>
             <a:fld id="{7CB207B0-4534-4379-A599-831890368C71}" type="slidenum">
-              <a:rPr b="0" lang="en-US" sz="1200" strike="noStrike" u="none">
+              <a:rPr lang="en-US" sz="1200" b="0" u="none" strike="noStrike">
                 <a:solidFill>
                   <a:schemeClr val="dk1">
                     <a:tint val="82000"/>
@@ -265,9 +361,9 @@
                 <a:uFillTx/>
                 <a:latin typeface="Aptos"/>
               </a:rPr>
-              <a:t>&lt;number&gt;</a:t>
+              <a:t>‹#›</a:t>
             </a:fld>
-            <a:endParaRPr b="0" lang="en-US" sz="1200" strike="noStrike" u="none">
+            <a:endParaRPr lang="en-US" sz="1200" b="0" u="none" strike="noStrike">
               <a:solidFill>
                 <a:srgbClr val="000000"/>
               </a:solidFill>
@@ -280,17 +376,21 @@
       </p:sp>
     </p:spTree>
   </p:cSld>
+  <p:clrMapOvr>
+    <a:masterClrMapping/>
+  </p:clrMapOvr>
 </p:sldLayout>
 </file>
 
 <file path=ppt/slideLayouts/slideLayout10.xml><?xml version="1.0" encoding="utf-8"?>
-<p:sldLayout xmlns:a="http://schemas.openxmlformats.org/drawingml/2006/main" xmlns:p="http://schemas.openxmlformats.org/presentationml/2006/main" xmlns:r="http://schemas.openxmlformats.org/officeDocument/2006/relationships" xmlns:p14="http://schemas.microsoft.com/office/powerpoint/2010/main" xmlns:p15="http://schemas.microsoft.com/office/powerpoint/2012/main" xmlns:mc="http://schemas.openxmlformats.org/markup-compatibility/2006" type="blank" preserve="1">
+<p:sldLayout xmlns:a="http://schemas.openxmlformats.org/drawingml/2006/main" xmlns:r="http://schemas.openxmlformats.org/officeDocument/2006/relationships" xmlns:p="http://schemas.openxmlformats.org/presentationml/2006/main" type="blank" preserve="1">
   <p:cSld name="Comparison">
     <p:bg>
       <p:bgPr>
         <a:solidFill>
-          <a:srgbClr val="ffffff"/>
+          <a:srgbClr val="FFFFFF"/>
         </a:solidFill>
+        <a:effectLst/>
       </p:bgPr>
     </p:bg>
     <p:spTree>
@@ -331,9 +431,10 @@
           </a:ln>
         </p:spPr>
         <p:txBody>
-          <a:bodyPr lIns="91440" rIns="91440" tIns="45720" bIns="45720" anchor="ctr">
+          <a:bodyPr lIns="91440" tIns="45720" rIns="91440" bIns="45720" anchor="ctr">
             <a:noAutofit/>
           </a:bodyPr>
+          <a:lstStyle/>
           <a:p>
             <a:pPr indent="0" defTabSz="914400">
               <a:lnSpc>
@@ -341,11 +442,11 @@
               </a:lnSpc>
               <a:buNone/>
               <a:tabLst>
-                <a:tab algn="l" pos="0"/>
+                <a:tab pos="0" algn="l"/>
               </a:tabLst>
             </a:pPr>
             <a:r>
-              <a:rPr b="0" lang="en-US" sz="4400" strike="noStrike" u="none">
+              <a:rPr lang="en-US" sz="4400" b="0" u="none" strike="noStrike">
                 <a:solidFill>
                   <a:schemeClr val="dk1"/>
                 </a:solidFill>
@@ -355,7 +456,7 @@
               </a:rPr>
               <a:t>Click to edit Master title style</a:t>
             </a:r>
-            <a:endParaRPr b="0" lang="en-US" sz="4400" strike="noStrike" u="none">
+            <a:endParaRPr lang="en-US" sz="4400" b="0" u="none" strike="noStrike">
               <a:solidFill>
                 <a:srgbClr val="000000"/>
               </a:solidFill>
@@ -390,9 +491,10 @@
           </a:ln>
         </p:spPr>
         <p:txBody>
-          <a:bodyPr lIns="91440" rIns="91440" tIns="45720" bIns="45720" anchor="b">
+          <a:bodyPr lIns="91440" tIns="45720" rIns="91440" bIns="45720" anchor="b">
             <a:noAutofit/>
           </a:bodyPr>
+          <a:lstStyle/>
           <a:p>
             <a:pPr indent="0" defTabSz="914400">
               <a:lnSpc>
@@ -403,11 +505,11 @@
               </a:spcBef>
               <a:buNone/>
               <a:tabLst>
-                <a:tab algn="l" pos="0"/>
+                <a:tab pos="0" algn="l"/>
               </a:tabLst>
             </a:pPr>
             <a:r>
-              <a:rPr b="1" lang="en-US" sz="2400" strike="noStrike" u="none">
+              <a:rPr lang="en-US" sz="2400" b="1" u="none" strike="noStrike">
                 <a:solidFill>
                   <a:schemeClr val="dk1"/>
                 </a:solidFill>
@@ -417,7 +519,7 @@
               </a:rPr>
               <a:t>Click to edit Master text styles</a:t>
             </a:r>
-            <a:endParaRPr b="0" lang="en-US" sz="2400" strike="noStrike" u="none">
+            <a:endParaRPr lang="en-US" sz="2400" b="0" u="none" strike="noStrike">
               <a:solidFill>
                 <a:srgbClr val="000000"/>
               </a:solidFill>
@@ -452,9 +554,10 @@
           </a:ln>
         </p:spPr>
         <p:txBody>
-          <a:bodyPr lIns="91440" rIns="91440" tIns="45720" bIns="45720" anchor="t">
+          <a:bodyPr lIns="91440" tIns="45720" rIns="91440" bIns="45720" anchor="t">
             <a:noAutofit/>
           </a:bodyPr>
+          <a:lstStyle/>
           <a:p>
             <a:pPr marL="228600" indent="-228600" defTabSz="914400">
               <a:lnSpc>
@@ -470,7 +573,7 @@
               <a:buChar char="•"/>
             </a:pPr>
             <a:r>
-              <a:rPr b="0" lang="en-US" sz="2800" strike="noStrike" u="none">
+              <a:rPr lang="en-US" sz="2800" b="0" u="none" strike="noStrike">
                 <a:solidFill>
                   <a:schemeClr val="dk1"/>
                 </a:solidFill>
@@ -480,7 +583,7 @@
               </a:rPr>
               <a:t>Click to edit Master text styles</a:t>
             </a:r>
-            <a:endParaRPr b="0" lang="en-US" sz="2800" strike="noStrike" u="none">
+            <a:endParaRPr lang="en-US" sz="2800" b="0" u="none" strike="noStrike">
               <a:solidFill>
                 <a:srgbClr val="000000"/>
               </a:solidFill>
@@ -490,7 +593,7 @@
             </a:endParaRPr>
           </a:p>
           <a:p>
-            <a:pPr lvl="1" marL="685800" indent="-228600" defTabSz="914400">
+            <a:pPr marL="685800" lvl="1" indent="-228600" defTabSz="914400">
               <a:lnSpc>
                 <a:spcPct val="90000"/>
               </a:lnSpc>
@@ -504,7 +607,7 @@
               <a:buChar char="•"/>
             </a:pPr>
             <a:r>
-              <a:rPr b="0" lang="en-US" sz="2400" strike="noStrike" u="none">
+              <a:rPr lang="en-US" sz="2400" b="0" u="none" strike="noStrike">
                 <a:solidFill>
                   <a:schemeClr val="dk1"/>
                 </a:solidFill>
@@ -514,7 +617,7 @@
               </a:rPr>
               <a:t>Second level</a:t>
             </a:r>
-            <a:endParaRPr b="0" lang="en-US" sz="2400" strike="noStrike" u="none">
+            <a:endParaRPr lang="en-US" sz="2400" b="0" u="none" strike="noStrike">
               <a:solidFill>
                 <a:srgbClr val="000000"/>
               </a:solidFill>
@@ -524,7 +627,7 @@
             </a:endParaRPr>
           </a:p>
           <a:p>
-            <a:pPr lvl="2" marL="1143000" indent="-228600" defTabSz="914400">
+            <a:pPr marL="1143000" lvl="2" indent="-228600" defTabSz="914400">
               <a:lnSpc>
                 <a:spcPct val="90000"/>
               </a:lnSpc>
@@ -538,7 +641,7 @@
               <a:buChar char="•"/>
             </a:pPr>
             <a:r>
-              <a:rPr b="0" lang="en-US" sz="2000" strike="noStrike" u="none">
+              <a:rPr lang="en-US" sz="2000" b="0" u="none" strike="noStrike">
                 <a:solidFill>
                   <a:schemeClr val="dk1"/>
                 </a:solidFill>
@@ -548,7 +651,7 @@
               </a:rPr>
               <a:t>Third level</a:t>
             </a:r>
-            <a:endParaRPr b="0" lang="en-US" sz="2000" strike="noStrike" u="none">
+            <a:endParaRPr lang="en-US" sz="2000" b="0" u="none" strike="noStrike">
               <a:solidFill>
                 <a:srgbClr val="000000"/>
               </a:solidFill>
@@ -558,7 +661,7 @@
             </a:endParaRPr>
           </a:p>
           <a:p>
-            <a:pPr lvl="3" marL="1600200" indent="-228600" defTabSz="914400">
+            <a:pPr marL="1600200" lvl="3" indent="-228600" defTabSz="914400">
               <a:lnSpc>
                 <a:spcPct val="90000"/>
               </a:lnSpc>
@@ -572,7 +675,7 @@
               <a:buChar char="•"/>
             </a:pPr>
             <a:r>
-              <a:rPr b="0" lang="en-US" sz="1800" strike="noStrike" u="none">
+              <a:rPr lang="en-US" sz="1800" b="0" u="none" strike="noStrike">
                 <a:solidFill>
                   <a:schemeClr val="dk1"/>
                 </a:solidFill>
@@ -582,7 +685,7 @@
               </a:rPr>
               <a:t>Fourth level</a:t>
             </a:r>
-            <a:endParaRPr b="0" lang="en-US" sz="1800" strike="noStrike" u="none">
+            <a:endParaRPr lang="en-US" sz="1800" b="0" u="none" strike="noStrike">
               <a:solidFill>
                 <a:srgbClr val="000000"/>
               </a:solidFill>
@@ -592,7 +695,7 @@
             </a:endParaRPr>
           </a:p>
           <a:p>
-            <a:pPr lvl="4" marL="2057400" indent="-228600" defTabSz="914400">
+            <a:pPr marL="2057400" lvl="4" indent="-228600" defTabSz="914400">
               <a:lnSpc>
                 <a:spcPct val="90000"/>
               </a:lnSpc>
@@ -606,7 +709,7 @@
               <a:buChar char="•"/>
             </a:pPr>
             <a:r>
-              <a:rPr b="0" lang="en-US" sz="1800" strike="noStrike" u="none">
+              <a:rPr lang="en-US" sz="1800" b="0" u="none" strike="noStrike">
                 <a:solidFill>
                   <a:schemeClr val="dk1"/>
                 </a:solidFill>
@@ -616,7 +719,7 @@
               </a:rPr>
               <a:t>Fifth level</a:t>
             </a:r>
-            <a:endParaRPr b="0" lang="en-US" sz="1800" strike="noStrike" u="none">
+            <a:endParaRPr lang="en-US" sz="1800" b="0" u="none" strike="noStrike">
               <a:solidFill>
                 <a:srgbClr val="000000"/>
               </a:solidFill>
@@ -651,9 +754,10 @@
           </a:ln>
         </p:spPr>
         <p:txBody>
-          <a:bodyPr lIns="91440" rIns="91440" tIns="45720" bIns="45720" anchor="b">
+          <a:bodyPr lIns="91440" tIns="45720" rIns="91440" bIns="45720" anchor="b">
             <a:noAutofit/>
           </a:bodyPr>
+          <a:lstStyle/>
           <a:p>
             <a:pPr indent="0" defTabSz="914400">
               <a:lnSpc>
@@ -664,11 +768,11 @@
               </a:spcBef>
               <a:buNone/>
               <a:tabLst>
-                <a:tab algn="l" pos="0"/>
+                <a:tab pos="0" algn="l"/>
               </a:tabLst>
             </a:pPr>
             <a:r>
-              <a:rPr b="1" lang="en-US" sz="2400" strike="noStrike" u="none">
+              <a:rPr lang="en-US" sz="2400" b="1" u="none" strike="noStrike">
                 <a:solidFill>
                   <a:schemeClr val="dk1"/>
                 </a:solidFill>
@@ -678,7 +782,7 @@
               </a:rPr>
               <a:t>Click to edit Master text styles</a:t>
             </a:r>
-            <a:endParaRPr b="0" lang="en-US" sz="2400" strike="noStrike" u="none">
+            <a:endParaRPr lang="en-US" sz="2400" b="0" u="none" strike="noStrike">
               <a:solidFill>
                 <a:srgbClr val="000000"/>
               </a:solidFill>
@@ -713,9 +817,10 @@
           </a:ln>
         </p:spPr>
         <p:txBody>
-          <a:bodyPr lIns="91440" rIns="91440" tIns="45720" bIns="45720" anchor="t">
+          <a:bodyPr lIns="91440" tIns="45720" rIns="91440" bIns="45720" anchor="t">
             <a:noAutofit/>
           </a:bodyPr>
+          <a:lstStyle/>
           <a:p>
             <a:pPr marL="228600" indent="-228600" defTabSz="914400">
               <a:lnSpc>
@@ -731,7 +836,7 @@
               <a:buChar char="•"/>
             </a:pPr>
             <a:r>
-              <a:rPr b="0" lang="en-US" sz="2800" strike="noStrike" u="none">
+              <a:rPr lang="en-US" sz="2800" b="0" u="none" strike="noStrike">
                 <a:solidFill>
                   <a:schemeClr val="dk1"/>
                 </a:solidFill>
@@ -741,7 +846,7 @@
               </a:rPr>
               <a:t>Click to edit Master text styles</a:t>
             </a:r>
-            <a:endParaRPr b="0" lang="en-US" sz="2800" strike="noStrike" u="none">
+            <a:endParaRPr lang="en-US" sz="2800" b="0" u="none" strike="noStrike">
               <a:solidFill>
                 <a:srgbClr val="000000"/>
               </a:solidFill>
@@ -751,7 +856,7 @@
             </a:endParaRPr>
           </a:p>
           <a:p>
-            <a:pPr lvl="1" marL="685800" indent="-228600" defTabSz="914400">
+            <a:pPr marL="685800" lvl="1" indent="-228600" defTabSz="914400">
               <a:lnSpc>
                 <a:spcPct val="90000"/>
               </a:lnSpc>
@@ -765,7 +870,7 @@
               <a:buChar char="•"/>
             </a:pPr>
             <a:r>
-              <a:rPr b="0" lang="en-US" sz="2400" strike="noStrike" u="none">
+              <a:rPr lang="en-US" sz="2400" b="0" u="none" strike="noStrike">
                 <a:solidFill>
                   <a:schemeClr val="dk1"/>
                 </a:solidFill>
@@ -775,7 +880,7 @@
               </a:rPr>
               <a:t>Second level</a:t>
             </a:r>
-            <a:endParaRPr b="0" lang="en-US" sz="2400" strike="noStrike" u="none">
+            <a:endParaRPr lang="en-US" sz="2400" b="0" u="none" strike="noStrike">
               <a:solidFill>
                 <a:srgbClr val="000000"/>
               </a:solidFill>
@@ -785,7 +890,7 @@
             </a:endParaRPr>
           </a:p>
           <a:p>
-            <a:pPr lvl="2" marL="1143000" indent="-228600" defTabSz="914400">
+            <a:pPr marL="1143000" lvl="2" indent="-228600" defTabSz="914400">
               <a:lnSpc>
                 <a:spcPct val="90000"/>
               </a:lnSpc>
@@ -799,7 +904,7 @@
               <a:buChar char="•"/>
             </a:pPr>
             <a:r>
-              <a:rPr b="0" lang="en-US" sz="2000" strike="noStrike" u="none">
+              <a:rPr lang="en-US" sz="2000" b="0" u="none" strike="noStrike">
                 <a:solidFill>
                   <a:schemeClr val="dk1"/>
                 </a:solidFill>
@@ -809,7 +914,7 @@
               </a:rPr>
               <a:t>Third level</a:t>
             </a:r>
-            <a:endParaRPr b="0" lang="en-US" sz="2000" strike="noStrike" u="none">
+            <a:endParaRPr lang="en-US" sz="2000" b="0" u="none" strike="noStrike">
               <a:solidFill>
                 <a:srgbClr val="000000"/>
               </a:solidFill>
@@ -819,7 +924,7 @@
             </a:endParaRPr>
           </a:p>
           <a:p>
-            <a:pPr lvl="3" marL="1600200" indent="-228600" defTabSz="914400">
+            <a:pPr marL="1600200" lvl="3" indent="-228600" defTabSz="914400">
               <a:lnSpc>
                 <a:spcPct val="90000"/>
               </a:lnSpc>
@@ -833,7 +938,7 @@
               <a:buChar char="•"/>
             </a:pPr>
             <a:r>
-              <a:rPr b="0" lang="en-US" sz="1800" strike="noStrike" u="none">
+              <a:rPr lang="en-US" sz="1800" b="0" u="none" strike="noStrike">
                 <a:solidFill>
                   <a:schemeClr val="dk1"/>
                 </a:solidFill>
@@ -843,7 +948,7 @@
               </a:rPr>
               <a:t>Fourth level</a:t>
             </a:r>
-            <a:endParaRPr b="0" lang="en-US" sz="1800" strike="noStrike" u="none">
+            <a:endParaRPr lang="en-US" sz="1800" b="0" u="none" strike="noStrike">
               <a:solidFill>
                 <a:srgbClr val="000000"/>
               </a:solidFill>
@@ -853,7 +958,7 @@
             </a:endParaRPr>
           </a:p>
           <a:p>
-            <a:pPr lvl="4" marL="2057400" indent="-228600" defTabSz="914400">
+            <a:pPr marL="2057400" lvl="4" indent="-228600" defTabSz="914400">
               <a:lnSpc>
                 <a:spcPct val="90000"/>
               </a:lnSpc>
@@ -867,7 +972,7 @@
               <a:buChar char="•"/>
             </a:pPr>
             <a:r>
-              <a:rPr b="0" lang="en-US" sz="1800" strike="noStrike" u="none">
+              <a:rPr lang="en-US" sz="1800" b="0" u="none" strike="noStrike">
                 <a:solidFill>
                   <a:schemeClr val="dk1"/>
                 </a:solidFill>
@@ -877,7 +982,7 @@
               </a:rPr>
               <a:t>Fifth level</a:t>
             </a:r>
-            <a:endParaRPr b="0" lang="en-US" sz="1800" strike="noStrike" u="none">
+            <a:endParaRPr lang="en-US" sz="1800" b="0" u="none" strike="noStrike">
               <a:solidFill>
                 <a:srgbClr val="000000"/>
               </a:solidFill>
@@ -912,7 +1017,7 @@
           </a:ln>
         </p:spPr>
         <p:txBody>
-          <a:bodyPr lIns="91440" rIns="91440" tIns="45720" bIns="45720" anchor="ctr">
+          <a:bodyPr lIns="91440" tIns="45720" rIns="91440" bIns="45720" anchor="ctr">
             <a:noAutofit/>
           </a:bodyPr>
           <a:lstStyle>
@@ -922,9 +1027,9 @@
               </a:lnSpc>
               <a:buNone/>
               <a:tabLst>
-                <a:tab algn="l" pos="0"/>
+                <a:tab pos="0" algn="l"/>
               </a:tabLst>
-              <a:defRPr b="0" lang="en-US" sz="1200" strike="noStrike" u="none">
+              <a:defRPr lang="en-US" sz="1200" b="0" u="none" strike="noStrike">
                 <a:solidFill>
                   <a:schemeClr val="dk1">
                     <a:tint val="82000"/>
@@ -943,11 +1048,11 @@
               </a:lnSpc>
               <a:buNone/>
               <a:tabLst>
-                <a:tab algn="l" pos="0"/>
+                <a:tab pos="0" algn="l"/>
               </a:tabLst>
             </a:pPr>
             <a:r>
-              <a:rPr b="0" lang="en-US" sz="1200" strike="noStrike" u="none">
+              <a:rPr lang="en-US" sz="1200" b="0" u="none" strike="noStrike">
                 <a:solidFill>
                   <a:schemeClr val="dk1">
                     <a:tint val="82000"/>
@@ -959,7 +1064,7 @@
               </a:rPr>
               <a:t>&lt;date/time&gt;</a:t>
             </a:r>
-            <a:endParaRPr b="0" lang="en-US" sz="1200" strike="noStrike" u="none">
+            <a:endParaRPr lang="en-US" sz="1200" b="0" u="none" strike="noStrike">
               <a:solidFill>
                 <a:srgbClr val="000000"/>
               </a:solidFill>
@@ -994,7 +1099,7 @@
           </a:ln>
         </p:spPr>
         <p:txBody>
-          <a:bodyPr lIns="91440" rIns="91440" tIns="45720" bIns="45720" anchor="ctr">
+          <a:bodyPr lIns="91440" tIns="45720" rIns="91440" bIns="45720" anchor="ctr">
             <a:noAutofit/>
           </a:bodyPr>
           <a:lstStyle>
@@ -1004,9 +1109,9 @@
               </a:lnSpc>
               <a:buNone/>
               <a:tabLst>
-                <a:tab algn="l" pos="0"/>
+                <a:tab pos="0" algn="l"/>
               </a:tabLst>
-              <a:defRPr b="0" lang="en-US" sz="1400" strike="noStrike" u="none">
+              <a:defRPr lang="en-US" sz="1400" b="0" u="none" strike="noStrike">
                 <a:solidFill>
                   <a:srgbClr val="000000"/>
                 </a:solidFill>
@@ -1023,11 +1128,11 @@
               </a:lnSpc>
               <a:buNone/>
               <a:tabLst>
-                <a:tab algn="l" pos="0"/>
+                <a:tab pos="0" algn="l"/>
               </a:tabLst>
             </a:pPr>
             <a:r>
-              <a:rPr b="0" lang="en-US" sz="1400" strike="noStrike" u="none">
+              <a:rPr lang="en-US" sz="1400" b="0" u="none" strike="noStrike">
                 <a:solidFill>
                   <a:srgbClr val="000000"/>
                 </a:solidFill>
@@ -1037,14 +1142,6 @@
               </a:rPr>
               <a:t>&lt;footer&gt;</a:t>
             </a:r>
-            <a:endParaRPr b="0" lang="en-US" sz="1400" strike="noStrike" u="none">
-              <a:solidFill>
-                <a:srgbClr val="000000"/>
-              </a:solidFill>
-              <a:effectLst/>
-              <a:uFillTx/>
-              <a:latin typeface="Times New Roman"/>
-            </a:endParaRPr>
           </a:p>
         </p:txBody>
       </p:sp>
@@ -1072,7 +1169,7 @@
           </a:ln>
         </p:spPr>
         <p:txBody>
-          <a:bodyPr lIns="91440" rIns="91440" tIns="45720" bIns="45720" anchor="ctr">
+          <a:bodyPr lIns="91440" tIns="45720" rIns="91440" bIns="45720" anchor="ctr">
             <a:noAutofit/>
           </a:bodyPr>
           <a:lstStyle>
@@ -1082,9 +1179,9 @@
               </a:lnSpc>
               <a:buNone/>
               <a:tabLst>
-                <a:tab algn="l" pos="0"/>
+                <a:tab pos="0" algn="l"/>
               </a:tabLst>
-              <a:defRPr b="0" lang="en-US" sz="1200" strike="noStrike" u="none">
+              <a:defRPr lang="en-US" sz="1200" b="0" u="none" strike="noStrike">
                 <a:solidFill>
                   <a:schemeClr val="dk1">
                     <a:tint val="82000"/>
@@ -1103,11 +1200,11 @@
               </a:lnSpc>
               <a:buNone/>
               <a:tabLst>
-                <a:tab algn="l" pos="0"/>
+                <a:tab pos="0" algn="l"/>
               </a:tabLst>
             </a:pPr>
             <a:fld id="{10E9561B-735F-4771-BE06-0757B0389163}" type="slidenum">
-              <a:rPr b="0" lang="en-US" sz="1200" strike="noStrike" u="none">
+              <a:rPr lang="en-US" sz="1200" b="0" u="none" strike="noStrike">
                 <a:solidFill>
                   <a:schemeClr val="dk1">
                     <a:tint val="82000"/>
@@ -1117,9 +1214,9 @@
                 <a:uFillTx/>
                 <a:latin typeface="Aptos"/>
               </a:rPr>
-              <a:t>&lt;number&gt;</a:t>
+              <a:t>‹#›</a:t>
             </a:fld>
-            <a:endParaRPr b="0" lang="en-US" sz="1200" strike="noStrike" u="none">
+            <a:endParaRPr lang="en-US" sz="1200" b="0" u="none" strike="noStrike">
               <a:solidFill>
                 <a:srgbClr val="000000"/>
               </a:solidFill>
@@ -1132,17 +1229,21 @@
       </p:sp>
     </p:spTree>
   </p:cSld>
+  <p:clrMapOvr>
+    <a:masterClrMapping/>
+  </p:clrMapOvr>
 </p:sldLayout>
 </file>
 
 <file path=ppt/slideLayouts/slideLayout11.xml><?xml version="1.0" encoding="utf-8"?>
-<p:sldLayout xmlns:a="http://schemas.openxmlformats.org/drawingml/2006/main" xmlns:p="http://schemas.openxmlformats.org/presentationml/2006/main" xmlns:r="http://schemas.openxmlformats.org/officeDocument/2006/relationships" xmlns:p14="http://schemas.microsoft.com/office/powerpoint/2010/main" xmlns:p15="http://schemas.microsoft.com/office/powerpoint/2012/main" xmlns:mc="http://schemas.openxmlformats.org/markup-compatibility/2006" type="titleOnly" preserve="1">
+<p:sldLayout xmlns:a="http://schemas.openxmlformats.org/drawingml/2006/main" xmlns:r="http://schemas.openxmlformats.org/officeDocument/2006/relationships" xmlns:p="http://schemas.openxmlformats.org/presentationml/2006/main" type="titleOnly" preserve="1">
   <p:cSld name="Title Only">
     <p:bg>
       <p:bgPr>
         <a:solidFill>
-          <a:srgbClr val="ffffff"/>
+          <a:srgbClr val="FFFFFF"/>
         </a:solidFill>
+        <a:effectLst/>
       </p:bgPr>
     </p:bg>
     <p:spTree>
@@ -1183,9 +1284,10 @@
           </a:ln>
         </p:spPr>
         <p:txBody>
-          <a:bodyPr lIns="91440" rIns="91440" tIns="45720" bIns="45720" anchor="ctr">
+          <a:bodyPr lIns="91440" tIns="45720" rIns="91440" bIns="45720" anchor="ctr">
             <a:noAutofit/>
           </a:bodyPr>
+          <a:lstStyle/>
           <a:p>
             <a:pPr indent="0" defTabSz="914400">
               <a:lnSpc>
@@ -1193,11 +1295,11 @@
               </a:lnSpc>
               <a:buNone/>
               <a:tabLst>
-                <a:tab algn="l" pos="0"/>
+                <a:tab pos="0" algn="l"/>
               </a:tabLst>
             </a:pPr>
             <a:r>
-              <a:rPr b="0" lang="en-US" sz="4400" strike="noStrike" u="none">
+              <a:rPr lang="en-US" sz="4400" b="0" u="none" strike="noStrike">
                 <a:solidFill>
                   <a:schemeClr val="dk1"/>
                 </a:solidFill>
@@ -1207,7 +1309,7 @@
               </a:rPr>
               <a:t>Click to edit Master title style</a:t>
             </a:r>
-            <a:endParaRPr b="0" lang="en-US" sz="4400" strike="noStrike" u="none">
+            <a:endParaRPr lang="en-US" sz="4400" b="0" u="none" strike="noStrike">
               <a:solidFill>
                 <a:srgbClr val="000000"/>
               </a:solidFill>
@@ -1242,7 +1344,7 @@
           </a:ln>
         </p:spPr>
         <p:txBody>
-          <a:bodyPr lIns="91440" rIns="91440" tIns="45720" bIns="45720" anchor="ctr">
+          <a:bodyPr lIns="91440" tIns="45720" rIns="91440" bIns="45720" anchor="ctr">
             <a:noAutofit/>
           </a:bodyPr>
           <a:lstStyle>
@@ -1252,9 +1354,9 @@
               </a:lnSpc>
               <a:buNone/>
               <a:tabLst>
-                <a:tab algn="l" pos="0"/>
+                <a:tab pos="0" algn="l"/>
               </a:tabLst>
-              <a:defRPr b="0" lang="en-US" sz="1200" strike="noStrike" u="none">
+              <a:defRPr lang="en-US" sz="1200" b="0" u="none" strike="noStrike">
                 <a:solidFill>
                   <a:schemeClr val="dk1">
                     <a:tint val="82000"/>
@@ -1273,11 +1375,11 @@
               </a:lnSpc>
               <a:buNone/>
               <a:tabLst>
-                <a:tab algn="l" pos="0"/>
+                <a:tab pos="0" algn="l"/>
               </a:tabLst>
             </a:pPr>
             <a:r>
-              <a:rPr b="0" lang="en-US" sz="1200" strike="noStrike" u="none">
+              <a:rPr lang="en-US" sz="1200" b="0" u="none" strike="noStrike">
                 <a:solidFill>
                   <a:schemeClr val="dk1">
                     <a:tint val="82000"/>
@@ -1289,7 +1391,7 @@
               </a:rPr>
               <a:t>&lt;date/time&gt;</a:t>
             </a:r>
-            <a:endParaRPr b="0" lang="en-US" sz="1200" strike="noStrike" u="none">
+            <a:endParaRPr lang="en-US" sz="1200" b="0" u="none" strike="noStrike">
               <a:solidFill>
                 <a:srgbClr val="000000"/>
               </a:solidFill>
@@ -1324,7 +1426,7 @@
           </a:ln>
         </p:spPr>
         <p:txBody>
-          <a:bodyPr lIns="91440" rIns="91440" tIns="45720" bIns="45720" anchor="ctr">
+          <a:bodyPr lIns="91440" tIns="45720" rIns="91440" bIns="45720" anchor="ctr">
             <a:noAutofit/>
           </a:bodyPr>
           <a:lstStyle>
@@ -1334,9 +1436,9 @@
               </a:lnSpc>
               <a:buNone/>
               <a:tabLst>
-                <a:tab algn="l" pos="0"/>
+                <a:tab pos="0" algn="l"/>
               </a:tabLst>
-              <a:defRPr b="0" lang="en-US" sz="1400" strike="noStrike" u="none">
+              <a:defRPr lang="en-US" sz="1400" b="0" u="none" strike="noStrike">
                 <a:solidFill>
                   <a:srgbClr val="000000"/>
                 </a:solidFill>
@@ -1353,11 +1455,11 @@
               </a:lnSpc>
               <a:buNone/>
               <a:tabLst>
-                <a:tab algn="l" pos="0"/>
+                <a:tab pos="0" algn="l"/>
               </a:tabLst>
             </a:pPr>
             <a:r>
-              <a:rPr b="0" lang="en-US" sz="1400" strike="noStrike" u="none">
+              <a:rPr lang="en-US" sz="1400" b="0" u="none" strike="noStrike">
                 <a:solidFill>
                   <a:srgbClr val="000000"/>
                 </a:solidFill>
@@ -1367,14 +1469,6 @@
               </a:rPr>
               <a:t>&lt;footer&gt;</a:t>
             </a:r>
-            <a:endParaRPr b="0" lang="en-US" sz="1400" strike="noStrike" u="none">
-              <a:solidFill>
-                <a:srgbClr val="000000"/>
-              </a:solidFill>
-              <a:effectLst/>
-              <a:uFillTx/>
-              <a:latin typeface="Times New Roman"/>
-            </a:endParaRPr>
           </a:p>
         </p:txBody>
       </p:sp>
@@ -1402,7 +1496,7 @@
           </a:ln>
         </p:spPr>
         <p:txBody>
-          <a:bodyPr lIns="91440" rIns="91440" tIns="45720" bIns="45720" anchor="ctr">
+          <a:bodyPr lIns="91440" tIns="45720" rIns="91440" bIns="45720" anchor="ctr">
             <a:noAutofit/>
           </a:bodyPr>
           <a:lstStyle>
@@ -1412,9 +1506,9 @@
               </a:lnSpc>
               <a:buNone/>
               <a:tabLst>
-                <a:tab algn="l" pos="0"/>
+                <a:tab pos="0" algn="l"/>
               </a:tabLst>
-              <a:defRPr b="0" lang="en-US" sz="1200" strike="noStrike" u="none">
+              <a:defRPr lang="en-US" sz="1200" b="0" u="none" strike="noStrike">
                 <a:solidFill>
                   <a:schemeClr val="dk1">
                     <a:tint val="82000"/>
@@ -1433,11 +1527,11 @@
               </a:lnSpc>
               <a:buNone/>
               <a:tabLst>
-                <a:tab algn="l" pos="0"/>
+                <a:tab pos="0" algn="l"/>
               </a:tabLst>
             </a:pPr>
             <a:fld id="{7AE4FC0D-3CD4-48EB-AEA0-005A4E798363}" type="slidenum">
-              <a:rPr b="0" lang="en-US" sz="1200" strike="noStrike" u="none">
+              <a:rPr lang="en-US" sz="1200" b="0" u="none" strike="noStrike">
                 <a:solidFill>
                   <a:schemeClr val="dk1">
                     <a:tint val="82000"/>
@@ -1447,9 +1541,9 @@
                 <a:uFillTx/>
                 <a:latin typeface="Aptos"/>
               </a:rPr>
-              <a:t>&lt;number&gt;</a:t>
+              <a:t>‹#›</a:t>
             </a:fld>
-            <a:endParaRPr b="0" lang="en-US" sz="1200" strike="noStrike" u="none">
+            <a:endParaRPr lang="en-US" sz="1200" b="0" u="none" strike="noStrike">
               <a:solidFill>
                 <a:srgbClr val="000000"/>
               </a:solidFill>
@@ -1462,17 +1556,21 @@
       </p:sp>
     </p:spTree>
   </p:cSld>
+  <p:clrMapOvr>
+    <a:masterClrMapping/>
+  </p:clrMapOvr>
 </p:sldLayout>
 </file>
 
 <file path=ppt/slideLayouts/slideLayout2.xml><?xml version="1.0" encoding="utf-8"?>
-<p:sldLayout xmlns:a="http://schemas.openxmlformats.org/drawingml/2006/main" xmlns:p="http://schemas.openxmlformats.org/presentationml/2006/main" xmlns:r="http://schemas.openxmlformats.org/officeDocument/2006/relationships" xmlns:p14="http://schemas.microsoft.com/office/powerpoint/2010/main" xmlns:p15="http://schemas.microsoft.com/office/powerpoint/2012/main" xmlns:mc="http://schemas.openxmlformats.org/markup-compatibility/2006" type="blank" preserve="1">
+<p:sldLayout xmlns:a="http://schemas.openxmlformats.org/drawingml/2006/main" xmlns:r="http://schemas.openxmlformats.org/officeDocument/2006/relationships" xmlns:p="http://schemas.openxmlformats.org/presentationml/2006/main" type="blank" preserve="1">
   <p:cSld name="Content with Caption">
     <p:bg>
       <p:bgPr>
         <a:solidFill>
-          <a:srgbClr val="ffffff"/>
+          <a:srgbClr val="FFFFFF"/>
         </a:solidFill>
+        <a:effectLst/>
       </p:bgPr>
     </p:bg>
     <p:spTree>
@@ -1513,9 +1611,10 @@
           </a:ln>
         </p:spPr>
         <p:txBody>
-          <a:bodyPr lIns="91440" rIns="91440" tIns="45720" bIns="45720" anchor="b">
+          <a:bodyPr lIns="91440" tIns="45720" rIns="91440" bIns="45720" anchor="b">
             <a:noAutofit/>
           </a:bodyPr>
+          <a:lstStyle/>
           <a:p>
             <a:pPr indent="0" defTabSz="914400">
               <a:lnSpc>
@@ -1523,11 +1622,11 @@
               </a:lnSpc>
               <a:buNone/>
               <a:tabLst>
-                <a:tab algn="l" pos="0"/>
+                <a:tab pos="0" algn="l"/>
               </a:tabLst>
             </a:pPr>
             <a:r>
-              <a:rPr b="0" lang="en-US" sz="3200" strike="noStrike" u="none">
+              <a:rPr lang="en-US" sz="3200" b="0" u="none" strike="noStrike">
                 <a:solidFill>
                   <a:schemeClr val="dk1"/>
                 </a:solidFill>
@@ -1537,7 +1636,7 @@
               </a:rPr>
               <a:t>Click to edit Master title style</a:t>
             </a:r>
-            <a:endParaRPr b="0" lang="en-US" sz="3200" strike="noStrike" u="none">
+            <a:endParaRPr lang="en-US" sz="3200" b="0" u="none" strike="noStrike">
               <a:solidFill>
                 <a:srgbClr val="000000"/>
               </a:solidFill>
@@ -1572,9 +1671,10 @@
           </a:ln>
         </p:spPr>
         <p:txBody>
-          <a:bodyPr lIns="91440" rIns="91440" tIns="45720" bIns="45720" anchor="t">
+          <a:bodyPr lIns="91440" tIns="45720" rIns="91440" bIns="45720" anchor="t">
             <a:noAutofit/>
           </a:bodyPr>
+          <a:lstStyle/>
           <a:p>
             <a:pPr marL="228600" indent="-228600" defTabSz="914400">
               <a:lnSpc>
@@ -1590,7 +1690,7 @@
               <a:buChar char="•"/>
             </a:pPr>
             <a:r>
-              <a:rPr b="0" lang="en-US" sz="3200" strike="noStrike" u="none">
+              <a:rPr lang="en-US" sz="3200" b="0" u="none" strike="noStrike">
                 <a:solidFill>
                   <a:schemeClr val="dk1"/>
                 </a:solidFill>
@@ -1600,7 +1700,7 @@
               </a:rPr>
               <a:t>Click to edit Master text styles</a:t>
             </a:r>
-            <a:endParaRPr b="0" lang="en-US" sz="3200" strike="noStrike" u="none">
+            <a:endParaRPr lang="en-US" sz="3200" b="0" u="none" strike="noStrike">
               <a:solidFill>
                 <a:srgbClr val="000000"/>
               </a:solidFill>
@@ -1610,7 +1710,7 @@
             </a:endParaRPr>
           </a:p>
           <a:p>
-            <a:pPr lvl="1" marL="685800" indent="-228600" defTabSz="914400">
+            <a:pPr marL="685800" lvl="1" indent="-228600" defTabSz="914400">
               <a:lnSpc>
                 <a:spcPct val="90000"/>
               </a:lnSpc>
@@ -1624,7 +1724,7 @@
               <a:buChar char="•"/>
             </a:pPr>
             <a:r>
-              <a:rPr b="0" lang="en-US" sz="2800" strike="noStrike" u="none">
+              <a:rPr lang="en-US" sz="2800" b="0" u="none" strike="noStrike">
                 <a:solidFill>
                   <a:schemeClr val="dk1"/>
                 </a:solidFill>
@@ -1634,7 +1734,7 @@
               </a:rPr>
               <a:t>Second level</a:t>
             </a:r>
-            <a:endParaRPr b="0" lang="en-US" sz="2800" strike="noStrike" u="none">
+            <a:endParaRPr lang="en-US" sz="2800" b="0" u="none" strike="noStrike">
               <a:solidFill>
                 <a:srgbClr val="000000"/>
               </a:solidFill>
@@ -1644,7 +1744,7 @@
             </a:endParaRPr>
           </a:p>
           <a:p>
-            <a:pPr lvl="2" marL="1143000" indent="-228600" defTabSz="914400">
+            <a:pPr marL="1143000" lvl="2" indent="-228600" defTabSz="914400">
               <a:lnSpc>
                 <a:spcPct val="90000"/>
               </a:lnSpc>
@@ -1658,7 +1758,7 @@
               <a:buChar char="•"/>
             </a:pPr>
             <a:r>
-              <a:rPr b="0" lang="en-US" sz="2400" strike="noStrike" u="none">
+              <a:rPr lang="en-US" sz="2400" b="0" u="none" strike="noStrike">
                 <a:solidFill>
                   <a:schemeClr val="dk1"/>
                 </a:solidFill>
@@ -1668,7 +1768,7 @@
               </a:rPr>
               <a:t>Third level</a:t>
             </a:r>
-            <a:endParaRPr b="0" lang="en-US" sz="2400" strike="noStrike" u="none">
+            <a:endParaRPr lang="en-US" sz="2400" b="0" u="none" strike="noStrike">
               <a:solidFill>
                 <a:srgbClr val="000000"/>
               </a:solidFill>
@@ -1678,7 +1778,7 @@
             </a:endParaRPr>
           </a:p>
           <a:p>
-            <a:pPr lvl="3" marL="1600200" indent="-228600" defTabSz="914400">
+            <a:pPr marL="1600200" lvl="3" indent="-228600" defTabSz="914400">
               <a:lnSpc>
                 <a:spcPct val="90000"/>
               </a:lnSpc>
@@ -1692,7 +1792,7 @@
               <a:buChar char="•"/>
             </a:pPr>
             <a:r>
-              <a:rPr b="0" lang="en-US" sz="2000" strike="noStrike" u="none">
+              <a:rPr lang="en-US" sz="2000" b="0" u="none" strike="noStrike">
                 <a:solidFill>
                   <a:schemeClr val="dk1"/>
                 </a:solidFill>
@@ -1702,7 +1802,7 @@
               </a:rPr>
               <a:t>Fourth level</a:t>
             </a:r>
-            <a:endParaRPr b="0" lang="en-US" sz="2000" strike="noStrike" u="none">
+            <a:endParaRPr lang="en-US" sz="2000" b="0" u="none" strike="noStrike">
               <a:solidFill>
                 <a:srgbClr val="000000"/>
               </a:solidFill>
@@ -1712,7 +1812,7 @@
             </a:endParaRPr>
           </a:p>
           <a:p>
-            <a:pPr lvl="4" marL="2057400" indent="-228600" defTabSz="914400">
+            <a:pPr marL="2057400" lvl="4" indent="-228600" defTabSz="914400">
               <a:lnSpc>
                 <a:spcPct val="90000"/>
               </a:lnSpc>
@@ -1726,7 +1826,7 @@
               <a:buChar char="•"/>
             </a:pPr>
             <a:r>
-              <a:rPr b="0" lang="en-US" sz="2000" strike="noStrike" u="none">
+              <a:rPr lang="en-US" sz="2000" b="0" u="none" strike="noStrike">
                 <a:solidFill>
                   <a:schemeClr val="dk1"/>
                 </a:solidFill>
@@ -1736,7 +1836,7 @@
               </a:rPr>
               <a:t>Fifth level</a:t>
             </a:r>
-            <a:endParaRPr b="0" lang="en-US" sz="2000" strike="noStrike" u="none">
+            <a:endParaRPr lang="en-US" sz="2000" b="0" u="none" strike="noStrike">
               <a:solidFill>
                 <a:srgbClr val="000000"/>
               </a:solidFill>
@@ -1771,9 +1871,10 @@
           </a:ln>
         </p:spPr>
         <p:txBody>
-          <a:bodyPr lIns="91440" rIns="91440" tIns="45720" bIns="45720" anchor="t">
+          <a:bodyPr lIns="91440" tIns="45720" rIns="91440" bIns="45720" anchor="t">
             <a:noAutofit/>
           </a:bodyPr>
+          <a:lstStyle/>
           <a:p>
             <a:pPr indent="0" defTabSz="914400">
               <a:lnSpc>
@@ -1784,11 +1885,11 @@
               </a:spcBef>
               <a:buNone/>
               <a:tabLst>
-                <a:tab algn="l" pos="0"/>
+                <a:tab pos="0" algn="l"/>
               </a:tabLst>
             </a:pPr>
             <a:r>
-              <a:rPr b="0" lang="en-US" sz="1600" strike="noStrike" u="none">
+              <a:rPr lang="en-US" sz="1600" b="0" u="none" strike="noStrike">
                 <a:solidFill>
                   <a:schemeClr val="dk1"/>
                 </a:solidFill>
@@ -1798,7 +1899,7 @@
               </a:rPr>
               <a:t>Click to edit Master text styles</a:t>
             </a:r>
-            <a:endParaRPr b="0" lang="en-US" sz="1600" strike="noStrike" u="none">
+            <a:endParaRPr lang="en-US" sz="1600" b="0" u="none" strike="noStrike">
               <a:solidFill>
                 <a:srgbClr val="000000"/>
               </a:solidFill>
@@ -1833,7 +1934,7 @@
           </a:ln>
         </p:spPr>
         <p:txBody>
-          <a:bodyPr lIns="91440" rIns="91440" tIns="45720" bIns="45720" anchor="ctr">
+          <a:bodyPr lIns="91440" tIns="45720" rIns="91440" bIns="45720" anchor="ctr">
             <a:noAutofit/>
           </a:bodyPr>
           <a:lstStyle>
@@ -1843,9 +1944,9 @@
               </a:lnSpc>
               <a:buNone/>
               <a:tabLst>
-                <a:tab algn="l" pos="0"/>
+                <a:tab pos="0" algn="l"/>
               </a:tabLst>
-              <a:defRPr b="0" lang="en-US" sz="1200" strike="noStrike" u="none">
+              <a:defRPr lang="en-US" sz="1200" b="0" u="none" strike="noStrike">
                 <a:solidFill>
                   <a:schemeClr val="dk1">
                     <a:tint val="82000"/>
@@ -1864,11 +1965,11 @@
               </a:lnSpc>
               <a:buNone/>
               <a:tabLst>
-                <a:tab algn="l" pos="0"/>
+                <a:tab pos="0" algn="l"/>
               </a:tabLst>
             </a:pPr>
             <a:r>
-              <a:rPr b="0" lang="en-US" sz="1200" strike="noStrike" u="none">
+              <a:rPr lang="en-US" sz="1200" b="0" u="none" strike="noStrike">
                 <a:solidFill>
                   <a:schemeClr val="dk1">
                     <a:tint val="82000"/>
@@ -1880,7 +1981,7 @@
               </a:rPr>
               <a:t>&lt;date/time&gt;</a:t>
             </a:r>
-            <a:endParaRPr b="0" lang="en-US" sz="1200" strike="noStrike" u="none">
+            <a:endParaRPr lang="en-US" sz="1200" b="0" u="none" strike="noStrike">
               <a:solidFill>
                 <a:srgbClr val="000000"/>
               </a:solidFill>
@@ -1915,7 +2016,7 @@
           </a:ln>
         </p:spPr>
         <p:txBody>
-          <a:bodyPr lIns="91440" rIns="91440" tIns="45720" bIns="45720" anchor="ctr">
+          <a:bodyPr lIns="91440" tIns="45720" rIns="91440" bIns="45720" anchor="ctr">
             <a:noAutofit/>
           </a:bodyPr>
           <a:lstStyle>
@@ -1925,9 +2026,9 @@
               </a:lnSpc>
               <a:buNone/>
               <a:tabLst>
-                <a:tab algn="l" pos="0"/>
+                <a:tab pos="0" algn="l"/>
               </a:tabLst>
-              <a:defRPr b="0" lang="en-US" sz="1400" strike="noStrike" u="none">
+              <a:defRPr lang="en-US" sz="1400" b="0" u="none" strike="noStrike">
                 <a:solidFill>
                   <a:srgbClr val="000000"/>
                 </a:solidFill>
@@ -1944,11 +2045,11 @@
               </a:lnSpc>
               <a:buNone/>
               <a:tabLst>
-                <a:tab algn="l" pos="0"/>
+                <a:tab pos="0" algn="l"/>
               </a:tabLst>
             </a:pPr>
             <a:r>
-              <a:rPr b="0" lang="en-US" sz="1400" strike="noStrike" u="none">
+              <a:rPr lang="en-US" sz="1400" b="0" u="none" strike="noStrike">
                 <a:solidFill>
                   <a:srgbClr val="000000"/>
                 </a:solidFill>
@@ -1958,14 +2059,6 @@
               </a:rPr>
               <a:t>&lt;footer&gt;</a:t>
             </a:r>
-            <a:endParaRPr b="0" lang="en-US" sz="1400" strike="noStrike" u="none">
-              <a:solidFill>
-                <a:srgbClr val="000000"/>
-              </a:solidFill>
-              <a:effectLst/>
-              <a:uFillTx/>
-              <a:latin typeface="Times New Roman"/>
-            </a:endParaRPr>
           </a:p>
         </p:txBody>
       </p:sp>
@@ -1993,7 +2086,7 @@
           </a:ln>
         </p:spPr>
         <p:txBody>
-          <a:bodyPr lIns="91440" rIns="91440" tIns="45720" bIns="45720" anchor="ctr">
+          <a:bodyPr lIns="91440" tIns="45720" rIns="91440" bIns="45720" anchor="ctr">
             <a:noAutofit/>
           </a:bodyPr>
           <a:lstStyle>
@@ -2003,9 +2096,9 @@
               </a:lnSpc>
               <a:buNone/>
               <a:tabLst>
-                <a:tab algn="l" pos="0"/>
+                <a:tab pos="0" algn="l"/>
               </a:tabLst>
-              <a:defRPr b="0" lang="en-US" sz="1200" strike="noStrike" u="none">
+              <a:defRPr lang="en-US" sz="1200" b="0" u="none" strike="noStrike">
                 <a:solidFill>
                   <a:schemeClr val="dk1">
                     <a:tint val="82000"/>
@@ -2024,11 +2117,11 @@
               </a:lnSpc>
               <a:buNone/>
               <a:tabLst>
-                <a:tab algn="l" pos="0"/>
+                <a:tab pos="0" algn="l"/>
               </a:tabLst>
             </a:pPr>
             <a:fld id="{14552D73-714B-4299-8716-A80C24D6F43E}" type="slidenum">
-              <a:rPr b="0" lang="en-US" sz="1200" strike="noStrike" u="none">
+              <a:rPr lang="en-US" sz="1200" b="0" u="none" strike="noStrike">
                 <a:solidFill>
                   <a:schemeClr val="dk1">
                     <a:tint val="82000"/>
@@ -2038,9 +2131,9 @@
                 <a:uFillTx/>
                 <a:latin typeface="Aptos"/>
               </a:rPr>
-              <a:t>&lt;number&gt;</a:t>
+              <a:t>‹#›</a:t>
             </a:fld>
-            <a:endParaRPr b="0" lang="en-US" sz="1200" strike="noStrike" u="none">
+            <a:endParaRPr lang="en-US" sz="1200" b="0" u="none" strike="noStrike">
               <a:solidFill>
                 <a:srgbClr val="000000"/>
               </a:solidFill>
@@ -2053,17 +2146,21 @@
       </p:sp>
     </p:spTree>
   </p:cSld>
+  <p:clrMapOvr>
+    <a:masterClrMapping/>
+  </p:clrMapOvr>
 </p:sldLayout>
 </file>
 
 <file path=ppt/slideLayouts/slideLayout3.xml><?xml version="1.0" encoding="utf-8"?>
-<p:sldLayout xmlns:a="http://schemas.openxmlformats.org/drawingml/2006/main" xmlns:p="http://schemas.openxmlformats.org/presentationml/2006/main" xmlns:r="http://schemas.openxmlformats.org/officeDocument/2006/relationships" xmlns:p14="http://schemas.microsoft.com/office/powerpoint/2010/main" xmlns:p15="http://schemas.microsoft.com/office/powerpoint/2012/main" xmlns:mc="http://schemas.openxmlformats.org/markup-compatibility/2006" type="blank" preserve="1">
+<p:sldLayout xmlns:a="http://schemas.openxmlformats.org/drawingml/2006/main" xmlns:r="http://schemas.openxmlformats.org/officeDocument/2006/relationships" xmlns:p="http://schemas.openxmlformats.org/presentationml/2006/main" type="blank" preserve="1">
   <p:cSld name="Picture with Caption">
     <p:bg>
       <p:bgPr>
         <a:solidFill>
-          <a:srgbClr val="ffffff"/>
+          <a:srgbClr val="FFFFFF"/>
         </a:solidFill>
+        <a:effectLst/>
       </p:bgPr>
     </p:bg>
     <p:spTree>
@@ -2104,9 +2201,10 @@
           </a:ln>
         </p:spPr>
         <p:txBody>
-          <a:bodyPr lIns="91440" rIns="91440" tIns="45720" bIns="45720" anchor="b">
+          <a:bodyPr lIns="91440" tIns="45720" rIns="91440" bIns="45720" anchor="b">
             <a:noAutofit/>
           </a:bodyPr>
+          <a:lstStyle/>
           <a:p>
             <a:pPr indent="0" defTabSz="914400">
               <a:lnSpc>
@@ -2114,11 +2212,11 @@
               </a:lnSpc>
               <a:buNone/>
               <a:tabLst>
-                <a:tab algn="l" pos="0"/>
+                <a:tab pos="0" algn="l"/>
               </a:tabLst>
             </a:pPr>
             <a:r>
-              <a:rPr b="0" lang="en-US" sz="3200" strike="noStrike" u="none">
+              <a:rPr lang="en-US" sz="3200" b="0" u="none" strike="noStrike">
                 <a:solidFill>
                   <a:schemeClr val="dk1"/>
                 </a:solidFill>
@@ -2128,7 +2226,7 @@
               </a:rPr>
               <a:t>Click to edit Master title style</a:t>
             </a:r>
-            <a:endParaRPr b="0" lang="en-US" sz="3200" strike="noStrike" u="none">
+            <a:endParaRPr lang="en-US" sz="3200" b="0" u="none" strike="noStrike">
               <a:solidFill>
                 <a:srgbClr val="000000"/>
               </a:solidFill>
@@ -2163,9 +2261,10 @@
           </a:ln>
         </p:spPr>
         <p:txBody>
-          <a:bodyPr lIns="90000" rIns="90000" tIns="45000" bIns="45000" anchor="t">
+          <a:bodyPr lIns="90000" tIns="45000" rIns="90000" bIns="45000" anchor="t">
             <a:noAutofit/>
           </a:bodyPr>
+          <a:lstStyle/>
           <a:p>
             <a:pPr marL="432000" indent="-324000">
               <a:lnSpc>
@@ -2182,7 +2281,7 @@
               <a:buChar char=""/>
             </a:pPr>
             <a:r>
-              <a:rPr b="0" lang="en-US" sz="3200" strike="noStrike" u="none">
+              <a:rPr lang="en-US" sz="3200" b="0" u="none" strike="noStrike">
                 <a:solidFill>
                   <a:schemeClr val="dk1"/>
                 </a:solidFill>
@@ -2192,7 +2291,7 @@
               </a:rPr>
               <a:t>Click to edit the outline text format</a:t>
             </a:r>
-            <a:endParaRPr b="0" lang="en-US" sz="3200" strike="noStrike" u="none">
+            <a:endParaRPr lang="en-US" sz="3200" b="0" u="none" strike="noStrike">
               <a:solidFill>
                 <a:srgbClr val="000000"/>
               </a:solidFill>
@@ -2202,7 +2301,7 @@
             </a:endParaRPr>
           </a:p>
           <a:p>
-            <a:pPr lvl="1" marL="864000" indent="-324000">
+            <a:pPr marL="864000" lvl="1" indent="-324000">
               <a:lnSpc>
                 <a:spcPct val="90000"/>
               </a:lnSpc>
@@ -2217,7 +2316,7 @@
               <a:buChar char=""/>
             </a:pPr>
             <a:r>
-              <a:rPr b="0" lang="en-US" sz="3200" strike="noStrike" u="none">
+              <a:rPr lang="en-US" sz="3200" b="0" u="none" strike="noStrike">
                 <a:solidFill>
                   <a:schemeClr val="dk1"/>
                 </a:solidFill>
@@ -2227,7 +2326,7 @@
               </a:rPr>
               <a:t>Second Outline Level</a:t>
             </a:r>
-            <a:endParaRPr b="0" lang="en-US" sz="3200" strike="noStrike" u="none">
+            <a:endParaRPr lang="en-US" sz="3200" b="0" u="none" strike="noStrike">
               <a:solidFill>
                 <a:srgbClr val="000000"/>
               </a:solidFill>
@@ -2237,7 +2336,7 @@
             </a:endParaRPr>
           </a:p>
           <a:p>
-            <a:pPr lvl="2" marL="1296000" indent="-288000">
+            <a:pPr marL="1296000" lvl="2" indent="-288000">
               <a:lnSpc>
                 <a:spcPct val="90000"/>
               </a:lnSpc>
@@ -2252,7 +2351,7 @@
               <a:buChar char=""/>
             </a:pPr>
             <a:r>
-              <a:rPr b="0" lang="en-US" sz="3200" strike="noStrike" u="none">
+              <a:rPr lang="en-US" sz="3200" b="0" u="none" strike="noStrike">
                 <a:solidFill>
                   <a:schemeClr val="dk1"/>
                 </a:solidFill>
@@ -2262,7 +2361,7 @@
               </a:rPr>
               <a:t>Third Outline Level</a:t>
             </a:r>
-            <a:endParaRPr b="0" lang="en-US" sz="3200" strike="noStrike" u="none">
+            <a:endParaRPr lang="en-US" sz="3200" b="0" u="none" strike="noStrike">
               <a:solidFill>
                 <a:srgbClr val="000000"/>
               </a:solidFill>
@@ -2272,7 +2371,7 @@
             </a:endParaRPr>
           </a:p>
           <a:p>
-            <a:pPr lvl="3" marL="1728000" indent="-216000">
+            <a:pPr marL="1728000" lvl="3" indent="-216000">
               <a:lnSpc>
                 <a:spcPct val="90000"/>
               </a:lnSpc>
@@ -2287,7 +2386,7 @@
               <a:buChar char=""/>
             </a:pPr>
             <a:r>
-              <a:rPr b="0" lang="en-US" sz="3200" strike="noStrike" u="none">
+              <a:rPr lang="en-US" sz="3200" b="0" u="none" strike="noStrike">
                 <a:solidFill>
                   <a:schemeClr val="dk1"/>
                 </a:solidFill>
@@ -2297,7 +2396,7 @@
               </a:rPr>
               <a:t>Fourth Outline Level</a:t>
             </a:r>
-            <a:endParaRPr b="0" lang="en-US" sz="3200" strike="noStrike" u="none">
+            <a:endParaRPr lang="en-US" sz="3200" b="0" u="none" strike="noStrike">
               <a:solidFill>
                 <a:srgbClr val="000000"/>
               </a:solidFill>
@@ -2307,7 +2406,7 @@
             </a:endParaRPr>
           </a:p>
           <a:p>
-            <a:pPr lvl="4" marL="2160000" indent="-216000">
+            <a:pPr marL="2160000" lvl="4" indent="-216000">
               <a:lnSpc>
                 <a:spcPct val="90000"/>
               </a:lnSpc>
@@ -2322,7 +2421,7 @@
               <a:buChar char=""/>
             </a:pPr>
             <a:r>
-              <a:rPr b="0" lang="en-US" sz="3200" strike="noStrike" u="none">
+              <a:rPr lang="en-US" sz="3200" b="0" u="none" strike="noStrike">
                 <a:solidFill>
                   <a:schemeClr val="dk1"/>
                 </a:solidFill>
@@ -2332,7 +2431,7 @@
               </a:rPr>
               <a:t>Fifth Outline Level</a:t>
             </a:r>
-            <a:endParaRPr b="0" lang="en-US" sz="3200" strike="noStrike" u="none">
+            <a:endParaRPr lang="en-US" sz="3200" b="0" u="none" strike="noStrike">
               <a:solidFill>
                 <a:srgbClr val="000000"/>
               </a:solidFill>
@@ -2342,7 +2441,7 @@
             </a:endParaRPr>
           </a:p>
           <a:p>
-            <a:pPr lvl="5" marL="2592000" indent="-216000">
+            <a:pPr marL="2592000" lvl="5" indent="-216000">
               <a:lnSpc>
                 <a:spcPct val="90000"/>
               </a:lnSpc>
@@ -2357,7 +2456,7 @@
               <a:buChar char=""/>
             </a:pPr>
             <a:r>
-              <a:rPr b="0" lang="en-US" sz="3200" strike="noStrike" u="none">
+              <a:rPr lang="en-US" sz="3200" b="0" u="none" strike="noStrike">
                 <a:solidFill>
                   <a:schemeClr val="dk1"/>
                 </a:solidFill>
@@ -2367,7 +2466,7 @@
               </a:rPr>
               <a:t>Sixth Outline Level</a:t>
             </a:r>
-            <a:endParaRPr b="0" lang="en-US" sz="3200" strike="noStrike" u="none">
+            <a:endParaRPr lang="en-US" sz="3200" b="0" u="none" strike="noStrike">
               <a:solidFill>
                 <a:srgbClr val="000000"/>
               </a:solidFill>
@@ -2377,7 +2476,7 @@
             </a:endParaRPr>
           </a:p>
           <a:p>
-            <a:pPr lvl="6" marL="3024000" indent="-216000">
+            <a:pPr marL="3024000" lvl="6" indent="-216000">
               <a:lnSpc>
                 <a:spcPct val="90000"/>
               </a:lnSpc>
@@ -2392,7 +2491,7 @@
               <a:buChar char=""/>
             </a:pPr>
             <a:r>
-              <a:rPr b="0" lang="en-US" sz="3200" strike="noStrike" u="none">
+              <a:rPr lang="en-US" sz="3200" b="0" u="none" strike="noStrike">
                 <a:solidFill>
                   <a:schemeClr val="dk1"/>
                 </a:solidFill>
@@ -2402,7 +2501,7 @@
               </a:rPr>
               <a:t>Seventh Outline Level</a:t>
             </a:r>
-            <a:endParaRPr b="0" lang="en-US" sz="3200" strike="noStrike" u="none">
+            <a:endParaRPr lang="en-US" sz="3200" b="0" u="none" strike="noStrike">
               <a:solidFill>
                 <a:srgbClr val="000000"/>
               </a:solidFill>
@@ -2437,9 +2536,10 @@
           </a:ln>
         </p:spPr>
         <p:txBody>
-          <a:bodyPr lIns="91440" rIns="91440" tIns="45720" bIns="45720" anchor="t">
+          <a:bodyPr lIns="91440" tIns="45720" rIns="91440" bIns="45720" anchor="t">
             <a:noAutofit/>
           </a:bodyPr>
+          <a:lstStyle/>
           <a:p>
             <a:pPr indent="0" defTabSz="914400">
               <a:lnSpc>
@@ -2450,11 +2550,11 @@
               </a:spcBef>
               <a:buNone/>
               <a:tabLst>
-                <a:tab algn="l" pos="0"/>
+                <a:tab pos="0" algn="l"/>
               </a:tabLst>
             </a:pPr>
             <a:r>
-              <a:rPr b="0" lang="en-US" sz="1600" strike="noStrike" u="none">
+              <a:rPr lang="en-US" sz="1600" b="0" u="none" strike="noStrike">
                 <a:solidFill>
                   <a:schemeClr val="dk1"/>
                 </a:solidFill>
@@ -2464,7 +2564,7 @@
               </a:rPr>
               <a:t>Click to edit Master text styles</a:t>
             </a:r>
-            <a:endParaRPr b="0" lang="en-US" sz="1600" strike="noStrike" u="none">
+            <a:endParaRPr lang="en-US" sz="1600" b="0" u="none" strike="noStrike">
               <a:solidFill>
                 <a:srgbClr val="000000"/>
               </a:solidFill>
@@ -2499,7 +2599,7 @@
           </a:ln>
         </p:spPr>
         <p:txBody>
-          <a:bodyPr lIns="91440" rIns="91440" tIns="45720" bIns="45720" anchor="ctr">
+          <a:bodyPr lIns="91440" tIns="45720" rIns="91440" bIns="45720" anchor="ctr">
             <a:noAutofit/>
           </a:bodyPr>
           <a:lstStyle>
@@ -2509,9 +2609,9 @@
               </a:lnSpc>
               <a:buNone/>
               <a:tabLst>
-                <a:tab algn="l" pos="0"/>
+                <a:tab pos="0" algn="l"/>
               </a:tabLst>
-              <a:defRPr b="0" lang="en-US" sz="1200" strike="noStrike" u="none">
+              <a:defRPr lang="en-US" sz="1200" b="0" u="none" strike="noStrike">
                 <a:solidFill>
                   <a:schemeClr val="dk1">
                     <a:tint val="82000"/>
@@ -2530,11 +2630,11 @@
               </a:lnSpc>
               <a:buNone/>
               <a:tabLst>
-                <a:tab algn="l" pos="0"/>
+                <a:tab pos="0" algn="l"/>
               </a:tabLst>
             </a:pPr>
             <a:r>
-              <a:rPr b="0" lang="en-US" sz="1200" strike="noStrike" u="none">
+              <a:rPr lang="en-US" sz="1200" b="0" u="none" strike="noStrike">
                 <a:solidFill>
                   <a:schemeClr val="dk1">
                     <a:tint val="82000"/>
@@ -2546,7 +2646,7 @@
               </a:rPr>
               <a:t>&lt;date/time&gt;</a:t>
             </a:r>
-            <a:endParaRPr b="0" lang="en-US" sz="1200" strike="noStrike" u="none">
+            <a:endParaRPr lang="en-US" sz="1200" b="0" u="none" strike="noStrike">
               <a:solidFill>
                 <a:srgbClr val="000000"/>
               </a:solidFill>
@@ -2581,7 +2681,7 @@
           </a:ln>
         </p:spPr>
         <p:txBody>
-          <a:bodyPr lIns="91440" rIns="91440" tIns="45720" bIns="45720" anchor="ctr">
+          <a:bodyPr lIns="91440" tIns="45720" rIns="91440" bIns="45720" anchor="ctr">
             <a:noAutofit/>
           </a:bodyPr>
           <a:lstStyle>
@@ -2591,9 +2691,9 @@
               </a:lnSpc>
               <a:buNone/>
               <a:tabLst>
-                <a:tab algn="l" pos="0"/>
+                <a:tab pos="0" algn="l"/>
               </a:tabLst>
-              <a:defRPr b="0" lang="en-US" sz="1400" strike="noStrike" u="none">
+              <a:defRPr lang="en-US" sz="1400" b="0" u="none" strike="noStrike">
                 <a:solidFill>
                   <a:srgbClr val="000000"/>
                 </a:solidFill>
@@ -2610,11 +2710,11 @@
               </a:lnSpc>
               <a:buNone/>
               <a:tabLst>
-                <a:tab algn="l" pos="0"/>
+                <a:tab pos="0" algn="l"/>
               </a:tabLst>
             </a:pPr>
             <a:r>
-              <a:rPr b="0" lang="en-US" sz="1400" strike="noStrike" u="none">
+              <a:rPr lang="en-US" sz="1400" b="0" u="none" strike="noStrike">
                 <a:solidFill>
                   <a:srgbClr val="000000"/>
                 </a:solidFill>
@@ -2624,14 +2724,6 @@
               </a:rPr>
               <a:t>&lt;footer&gt;</a:t>
             </a:r>
-            <a:endParaRPr b="0" lang="en-US" sz="1400" strike="noStrike" u="none">
-              <a:solidFill>
-                <a:srgbClr val="000000"/>
-              </a:solidFill>
-              <a:effectLst/>
-              <a:uFillTx/>
-              <a:latin typeface="Times New Roman"/>
-            </a:endParaRPr>
           </a:p>
         </p:txBody>
       </p:sp>
@@ -2659,7 +2751,7 @@
           </a:ln>
         </p:spPr>
         <p:txBody>
-          <a:bodyPr lIns="91440" rIns="91440" tIns="45720" bIns="45720" anchor="ctr">
+          <a:bodyPr lIns="91440" tIns="45720" rIns="91440" bIns="45720" anchor="ctr">
             <a:noAutofit/>
           </a:bodyPr>
           <a:lstStyle>
@@ -2669,9 +2761,9 @@
               </a:lnSpc>
               <a:buNone/>
               <a:tabLst>
-                <a:tab algn="l" pos="0"/>
+                <a:tab pos="0" algn="l"/>
               </a:tabLst>
-              <a:defRPr b="0" lang="en-US" sz="1200" strike="noStrike" u="none">
+              <a:defRPr lang="en-US" sz="1200" b="0" u="none" strike="noStrike">
                 <a:solidFill>
                   <a:schemeClr val="dk1">
                     <a:tint val="82000"/>
@@ -2690,11 +2782,11 @@
               </a:lnSpc>
               <a:buNone/>
               <a:tabLst>
-                <a:tab algn="l" pos="0"/>
+                <a:tab pos="0" algn="l"/>
               </a:tabLst>
             </a:pPr>
             <a:fld id="{6DCEE588-3AA7-42A8-AC24-500DAA132AD4}" type="slidenum">
-              <a:rPr b="0" lang="en-US" sz="1200" strike="noStrike" u="none">
+              <a:rPr lang="en-US" sz="1200" b="0" u="none" strike="noStrike">
                 <a:solidFill>
                   <a:schemeClr val="dk1">
                     <a:tint val="82000"/>
@@ -2704,9 +2796,9 @@
                 <a:uFillTx/>
                 <a:latin typeface="Aptos"/>
               </a:rPr>
-              <a:t>&lt;number&gt;</a:t>
+              <a:t>‹#›</a:t>
             </a:fld>
-            <a:endParaRPr b="0" lang="en-US" sz="1200" strike="noStrike" u="none">
+            <a:endParaRPr lang="en-US" sz="1200" b="0" u="none" strike="noStrike">
               <a:solidFill>
                 <a:srgbClr val="000000"/>
               </a:solidFill>
@@ -2719,17 +2811,21 @@
       </p:sp>
     </p:spTree>
   </p:cSld>
+  <p:clrMapOvr>
+    <a:masterClrMapping/>
+  </p:clrMapOvr>
 </p:sldLayout>
 </file>
 
 <file path=ppt/slideLayouts/slideLayout4.xml><?xml version="1.0" encoding="utf-8"?>
-<p:sldLayout xmlns:a="http://schemas.openxmlformats.org/drawingml/2006/main" xmlns:p="http://schemas.openxmlformats.org/presentationml/2006/main" xmlns:r="http://schemas.openxmlformats.org/officeDocument/2006/relationships" xmlns:p14="http://schemas.microsoft.com/office/powerpoint/2010/main" xmlns:p15="http://schemas.microsoft.com/office/powerpoint/2012/main" xmlns:mc="http://schemas.openxmlformats.org/markup-compatibility/2006" type="title" preserve="1">
+<p:sldLayout xmlns:a="http://schemas.openxmlformats.org/drawingml/2006/main" xmlns:r="http://schemas.openxmlformats.org/officeDocument/2006/relationships" xmlns:p="http://schemas.openxmlformats.org/presentationml/2006/main" type="title" preserve="1">
   <p:cSld name="Title Slide">
     <p:bg>
       <p:bgPr>
         <a:solidFill>
-          <a:srgbClr val="ffffff"/>
+          <a:srgbClr val="FFFFFF"/>
         </a:solidFill>
+        <a:effectLst/>
       </p:bgPr>
     </p:bg>
     <p:spTree>
@@ -2770,9 +2866,10 @@
           </a:ln>
         </p:spPr>
         <p:txBody>
-          <a:bodyPr lIns="91440" rIns="91440" tIns="45720" bIns="45720" anchor="b">
+          <a:bodyPr lIns="91440" tIns="45720" rIns="91440" bIns="45720" anchor="b">
             <a:noAutofit/>
           </a:bodyPr>
+          <a:lstStyle/>
           <a:p>
             <a:pPr indent="0" algn="ctr" defTabSz="914400">
               <a:lnSpc>
@@ -2780,11 +2877,11 @@
               </a:lnSpc>
               <a:buNone/>
               <a:tabLst>
-                <a:tab algn="l" pos="0"/>
+                <a:tab pos="0" algn="l"/>
               </a:tabLst>
             </a:pPr>
             <a:r>
-              <a:rPr b="0" lang="en-US" sz="6000" strike="noStrike" u="none">
+              <a:rPr lang="en-US" sz="6000" b="0" u="none" strike="noStrike">
                 <a:solidFill>
                   <a:schemeClr val="dk1"/>
                 </a:solidFill>
@@ -2794,7 +2891,7 @@
               </a:rPr>
               <a:t>Click to edit Master title style</a:t>
             </a:r>
-            <a:endParaRPr b="0" lang="en-US" sz="6000" strike="noStrike" u="none">
+            <a:endParaRPr lang="en-US" sz="6000" b="0" u="none" strike="noStrike">
               <a:solidFill>
                 <a:srgbClr val="000000"/>
               </a:solidFill>
@@ -2829,7 +2926,7 @@
           </a:ln>
         </p:spPr>
         <p:txBody>
-          <a:bodyPr lIns="91440" rIns="91440" tIns="45720" bIns="45720" anchor="ctr">
+          <a:bodyPr lIns="91440" tIns="45720" rIns="91440" bIns="45720" anchor="ctr">
             <a:noAutofit/>
           </a:bodyPr>
           <a:lstStyle>
@@ -2839,9 +2936,9 @@
               </a:lnSpc>
               <a:buNone/>
               <a:tabLst>
-                <a:tab algn="l" pos="0"/>
+                <a:tab pos="0" algn="l"/>
               </a:tabLst>
-              <a:defRPr b="0" lang="en-US" sz="1200" strike="noStrike" u="none">
+              <a:defRPr lang="en-US" sz="1200" b="0" u="none" strike="noStrike">
                 <a:solidFill>
                   <a:schemeClr val="dk1">
                     <a:tint val="82000"/>
@@ -2860,11 +2957,11 @@
               </a:lnSpc>
               <a:buNone/>
               <a:tabLst>
-                <a:tab algn="l" pos="0"/>
+                <a:tab pos="0" algn="l"/>
               </a:tabLst>
             </a:pPr>
             <a:r>
-              <a:rPr b="0" lang="en-US" sz="1200" strike="noStrike" u="none">
+              <a:rPr lang="en-US" sz="1200" b="0" u="none" strike="noStrike">
                 <a:solidFill>
                   <a:schemeClr val="dk1">
                     <a:tint val="82000"/>
@@ -2876,7 +2973,7 @@
               </a:rPr>
               <a:t>&lt;date/time&gt;</a:t>
             </a:r>
-            <a:endParaRPr b="0" lang="en-US" sz="1200" strike="noStrike" u="none">
+            <a:endParaRPr lang="en-US" sz="1200" b="0" u="none" strike="noStrike">
               <a:solidFill>
                 <a:srgbClr val="000000"/>
               </a:solidFill>
@@ -2911,7 +3008,7 @@
           </a:ln>
         </p:spPr>
         <p:txBody>
-          <a:bodyPr lIns="91440" rIns="91440" tIns="45720" bIns="45720" anchor="ctr">
+          <a:bodyPr lIns="91440" tIns="45720" rIns="91440" bIns="45720" anchor="ctr">
             <a:noAutofit/>
           </a:bodyPr>
           <a:lstStyle>
@@ -2921,9 +3018,9 @@
               </a:lnSpc>
               <a:buNone/>
               <a:tabLst>
-                <a:tab algn="l" pos="0"/>
+                <a:tab pos="0" algn="l"/>
               </a:tabLst>
-              <a:defRPr b="0" lang="en-US" sz="1400" strike="noStrike" u="none">
+              <a:defRPr lang="en-US" sz="1400" b="0" u="none" strike="noStrike">
                 <a:solidFill>
                   <a:srgbClr val="000000"/>
                 </a:solidFill>
@@ -2940,11 +3037,11 @@
               </a:lnSpc>
               <a:buNone/>
               <a:tabLst>
-                <a:tab algn="l" pos="0"/>
+                <a:tab pos="0" algn="l"/>
               </a:tabLst>
             </a:pPr>
             <a:r>
-              <a:rPr b="0" lang="en-US" sz="1400" strike="noStrike" u="none">
+              <a:rPr lang="en-US" sz="1400" b="0" u="none" strike="noStrike">
                 <a:solidFill>
                   <a:srgbClr val="000000"/>
                 </a:solidFill>
@@ -2954,14 +3051,6 @@
               </a:rPr>
               <a:t>&lt;footer&gt;</a:t>
             </a:r>
-            <a:endParaRPr b="0" lang="en-US" sz="1400" strike="noStrike" u="none">
-              <a:solidFill>
-                <a:srgbClr val="000000"/>
-              </a:solidFill>
-              <a:effectLst/>
-              <a:uFillTx/>
-              <a:latin typeface="Times New Roman"/>
-            </a:endParaRPr>
           </a:p>
         </p:txBody>
       </p:sp>
@@ -2989,7 +3078,7 @@
           </a:ln>
         </p:spPr>
         <p:txBody>
-          <a:bodyPr lIns="91440" rIns="91440" tIns="45720" bIns="45720" anchor="ctr">
+          <a:bodyPr lIns="91440" tIns="45720" rIns="91440" bIns="45720" anchor="ctr">
             <a:noAutofit/>
           </a:bodyPr>
           <a:lstStyle>
@@ -2999,9 +3088,9 @@
               </a:lnSpc>
               <a:buNone/>
               <a:tabLst>
-                <a:tab algn="l" pos="0"/>
+                <a:tab pos="0" algn="l"/>
               </a:tabLst>
-              <a:defRPr b="0" lang="en-US" sz="1200" strike="noStrike" u="none">
+              <a:defRPr lang="en-US" sz="1200" b="0" u="none" strike="noStrike">
                 <a:solidFill>
                   <a:schemeClr val="dk1">
                     <a:tint val="82000"/>
@@ -3020,11 +3109,11 @@
               </a:lnSpc>
               <a:buNone/>
               <a:tabLst>
-                <a:tab algn="l" pos="0"/>
+                <a:tab pos="0" algn="l"/>
               </a:tabLst>
             </a:pPr>
             <a:fld id="{226B6458-9678-4DB6-B64E-1B2C8562A330}" type="slidenum">
-              <a:rPr b="0" lang="en-US" sz="1200" strike="noStrike" u="none">
+              <a:rPr lang="en-US" sz="1200" b="0" u="none" strike="noStrike">
                 <a:solidFill>
                   <a:schemeClr val="dk1">
                     <a:tint val="82000"/>
@@ -3034,9 +3123,9 @@
                 <a:uFillTx/>
                 <a:latin typeface="Aptos"/>
               </a:rPr>
-              <a:t>&lt;number&gt;</a:t>
+              <a:t>‹#›</a:t>
             </a:fld>
-            <a:endParaRPr b="0" lang="en-US" sz="1200" strike="noStrike" u="none">
+            <a:endParaRPr lang="en-US" sz="1200" b="0" u="none" strike="noStrike">
               <a:solidFill>
                 <a:srgbClr val="000000"/>
               </a:solidFill>
@@ -3049,17 +3138,21 @@
       </p:sp>
     </p:spTree>
   </p:cSld>
+  <p:clrMapOvr>
+    <a:masterClrMapping/>
+  </p:clrMapOvr>
 </p:sldLayout>
 </file>
 
 <file path=ppt/slideLayouts/slideLayout5.xml><?xml version="1.0" encoding="utf-8"?>
-<p:sldLayout xmlns:a="http://schemas.openxmlformats.org/drawingml/2006/main" xmlns:p="http://schemas.openxmlformats.org/presentationml/2006/main" xmlns:r="http://schemas.openxmlformats.org/officeDocument/2006/relationships" xmlns:p14="http://schemas.microsoft.com/office/powerpoint/2010/main" xmlns:p15="http://schemas.microsoft.com/office/powerpoint/2012/main" xmlns:mc="http://schemas.openxmlformats.org/markup-compatibility/2006" type="vertTx" preserve="1">
+<p:sldLayout xmlns:a="http://schemas.openxmlformats.org/drawingml/2006/main" xmlns:r="http://schemas.openxmlformats.org/officeDocument/2006/relationships" xmlns:p="http://schemas.openxmlformats.org/presentationml/2006/main" type="vertTx" preserve="1">
   <p:cSld name="Title and Vertical Text">
     <p:bg>
       <p:bgPr>
         <a:solidFill>
-          <a:srgbClr val="ffffff"/>
+          <a:srgbClr val="FFFFFF"/>
         </a:solidFill>
+        <a:effectLst/>
       </p:bgPr>
     </p:bg>
     <p:spTree>
@@ -3100,9 +3193,10 @@
           </a:ln>
         </p:spPr>
         <p:txBody>
-          <a:bodyPr lIns="91440" rIns="91440" tIns="45720" bIns="45720" anchor="ctr">
+          <a:bodyPr lIns="91440" tIns="45720" rIns="91440" bIns="45720" anchor="ctr">
             <a:noAutofit/>
           </a:bodyPr>
+          <a:lstStyle/>
           <a:p>
             <a:pPr indent="0" defTabSz="914400">
               <a:lnSpc>
@@ -3110,11 +3204,11 @@
               </a:lnSpc>
               <a:buNone/>
               <a:tabLst>
-                <a:tab algn="l" pos="0"/>
+                <a:tab pos="0" algn="l"/>
               </a:tabLst>
             </a:pPr>
             <a:r>
-              <a:rPr b="0" lang="en-US" sz="4400" strike="noStrike" u="none">
+              <a:rPr lang="en-US" sz="4400" b="0" u="none" strike="noStrike">
                 <a:solidFill>
                   <a:schemeClr val="dk1"/>
                 </a:solidFill>
@@ -3124,7 +3218,7 @@
               </a:rPr>
               <a:t>Click to edit Master title style</a:t>
             </a:r>
-            <a:endParaRPr b="0" lang="en-US" sz="4400" strike="noStrike" u="none">
+            <a:endParaRPr lang="en-US" sz="4400" b="0" u="none" strike="noStrike">
               <a:solidFill>
                 <a:srgbClr val="000000"/>
               </a:solidFill>
@@ -3159,9 +3253,10 @@
           </a:ln>
         </p:spPr>
         <p:txBody>
-          <a:bodyPr lIns="91440" rIns="91440" tIns="45720" bIns="45720" anchor="t" vert="eaVert">
+          <a:bodyPr vert="eaVert" lIns="91440" tIns="45720" rIns="91440" bIns="45720" anchor="t">
             <a:noAutofit/>
           </a:bodyPr>
+          <a:lstStyle/>
           <a:p>
             <a:pPr marL="228600" indent="-228600" defTabSz="914400">
               <a:lnSpc>
@@ -3177,7 +3272,7 @@
               <a:buChar char="•"/>
             </a:pPr>
             <a:r>
-              <a:rPr b="0" lang="en-US" sz="2800" strike="noStrike" u="none">
+              <a:rPr lang="en-US" sz="2800" b="0" u="none" strike="noStrike">
                 <a:solidFill>
                   <a:schemeClr val="dk1"/>
                 </a:solidFill>
@@ -3187,7 +3282,7 @@
               </a:rPr>
               <a:t>Click to edit Master text styles</a:t>
             </a:r>
-            <a:endParaRPr b="0" lang="en-US" sz="2800" strike="noStrike" u="none">
+            <a:endParaRPr lang="en-US" sz="2800" b="0" u="none" strike="noStrike">
               <a:solidFill>
                 <a:srgbClr val="000000"/>
               </a:solidFill>
@@ -3197,7 +3292,7 @@
             </a:endParaRPr>
           </a:p>
           <a:p>
-            <a:pPr lvl="1" marL="685800" indent="-228600" defTabSz="914400">
+            <a:pPr marL="685800" lvl="1" indent="-228600" defTabSz="914400">
               <a:lnSpc>
                 <a:spcPct val="90000"/>
               </a:lnSpc>
@@ -3211,7 +3306,7 @@
               <a:buChar char="•"/>
             </a:pPr>
             <a:r>
-              <a:rPr b="0" lang="en-US" sz="2400" strike="noStrike" u="none">
+              <a:rPr lang="en-US" sz="2400" b="0" u="none" strike="noStrike">
                 <a:solidFill>
                   <a:schemeClr val="dk1"/>
                 </a:solidFill>
@@ -3221,7 +3316,7 @@
               </a:rPr>
               <a:t>Second level</a:t>
             </a:r>
-            <a:endParaRPr b="0" lang="en-US" sz="2400" strike="noStrike" u="none">
+            <a:endParaRPr lang="en-US" sz="2400" b="0" u="none" strike="noStrike">
               <a:solidFill>
                 <a:srgbClr val="000000"/>
               </a:solidFill>
@@ -3231,7 +3326,7 @@
             </a:endParaRPr>
           </a:p>
           <a:p>
-            <a:pPr lvl="2" marL="1143000" indent="-228600" defTabSz="914400">
+            <a:pPr marL="1143000" lvl="2" indent="-228600" defTabSz="914400">
               <a:lnSpc>
                 <a:spcPct val="90000"/>
               </a:lnSpc>
@@ -3245,7 +3340,7 @@
               <a:buChar char="•"/>
             </a:pPr>
             <a:r>
-              <a:rPr b="0" lang="en-US" sz="2000" strike="noStrike" u="none">
+              <a:rPr lang="en-US" sz="2000" b="0" u="none" strike="noStrike">
                 <a:solidFill>
                   <a:schemeClr val="dk1"/>
                 </a:solidFill>
@@ -3255,7 +3350,7 @@
               </a:rPr>
               <a:t>Third level</a:t>
             </a:r>
-            <a:endParaRPr b="0" lang="en-US" sz="2000" strike="noStrike" u="none">
+            <a:endParaRPr lang="en-US" sz="2000" b="0" u="none" strike="noStrike">
               <a:solidFill>
                 <a:srgbClr val="000000"/>
               </a:solidFill>
@@ -3265,7 +3360,7 @@
             </a:endParaRPr>
           </a:p>
           <a:p>
-            <a:pPr lvl="3" marL="1600200" indent="-228600" defTabSz="914400">
+            <a:pPr marL="1600200" lvl="3" indent="-228600" defTabSz="914400">
               <a:lnSpc>
                 <a:spcPct val="90000"/>
               </a:lnSpc>
@@ -3279,7 +3374,7 @@
               <a:buChar char="•"/>
             </a:pPr>
             <a:r>
-              <a:rPr b="0" lang="en-US" sz="1800" strike="noStrike" u="none">
+              <a:rPr lang="en-US" sz="1800" b="0" u="none" strike="noStrike">
                 <a:solidFill>
                   <a:schemeClr val="dk1"/>
                 </a:solidFill>
@@ -3289,7 +3384,7 @@
               </a:rPr>
               <a:t>Fourth level</a:t>
             </a:r>
-            <a:endParaRPr b="0" lang="en-US" sz="1800" strike="noStrike" u="none">
+            <a:endParaRPr lang="en-US" sz="1800" b="0" u="none" strike="noStrike">
               <a:solidFill>
                 <a:srgbClr val="000000"/>
               </a:solidFill>
@@ -3299,7 +3394,7 @@
             </a:endParaRPr>
           </a:p>
           <a:p>
-            <a:pPr lvl="4" marL="2057400" indent="-228600" defTabSz="914400">
+            <a:pPr marL="2057400" lvl="4" indent="-228600" defTabSz="914400">
               <a:lnSpc>
                 <a:spcPct val="90000"/>
               </a:lnSpc>
@@ -3313,7 +3408,7 @@
               <a:buChar char="•"/>
             </a:pPr>
             <a:r>
-              <a:rPr b="0" lang="en-US" sz="1800" strike="noStrike" u="none">
+              <a:rPr lang="en-US" sz="1800" b="0" u="none" strike="noStrike">
                 <a:solidFill>
                   <a:schemeClr val="dk1"/>
                 </a:solidFill>
@@ -3323,7 +3418,7 @@
               </a:rPr>
               <a:t>Fifth level</a:t>
             </a:r>
-            <a:endParaRPr b="0" lang="en-US" sz="1800" strike="noStrike" u="none">
+            <a:endParaRPr lang="en-US" sz="1800" b="0" u="none" strike="noStrike">
               <a:solidFill>
                 <a:srgbClr val="000000"/>
               </a:solidFill>
@@ -3358,7 +3453,7 @@
           </a:ln>
         </p:spPr>
         <p:txBody>
-          <a:bodyPr lIns="91440" rIns="91440" tIns="45720" bIns="45720" anchor="ctr">
+          <a:bodyPr lIns="91440" tIns="45720" rIns="91440" bIns="45720" anchor="ctr">
             <a:noAutofit/>
           </a:bodyPr>
           <a:lstStyle>
@@ -3368,9 +3463,9 @@
               </a:lnSpc>
               <a:buNone/>
               <a:tabLst>
-                <a:tab algn="l" pos="0"/>
+                <a:tab pos="0" algn="l"/>
               </a:tabLst>
-              <a:defRPr b="0" lang="en-US" sz="1200" strike="noStrike" u="none">
+              <a:defRPr lang="en-US" sz="1200" b="0" u="none" strike="noStrike">
                 <a:solidFill>
                   <a:schemeClr val="dk1">
                     <a:tint val="82000"/>
@@ -3389,11 +3484,11 @@
               </a:lnSpc>
               <a:buNone/>
               <a:tabLst>
-                <a:tab algn="l" pos="0"/>
+                <a:tab pos="0" algn="l"/>
               </a:tabLst>
             </a:pPr>
             <a:r>
-              <a:rPr b="0" lang="en-US" sz="1200" strike="noStrike" u="none">
+              <a:rPr lang="en-US" sz="1200" b="0" u="none" strike="noStrike">
                 <a:solidFill>
                   <a:schemeClr val="dk1">
                     <a:tint val="82000"/>
@@ -3405,7 +3500,7 @@
               </a:rPr>
               <a:t>&lt;date/time&gt;</a:t>
             </a:r>
-            <a:endParaRPr b="0" lang="en-US" sz="1200" strike="noStrike" u="none">
+            <a:endParaRPr lang="en-US" sz="1200" b="0" u="none" strike="noStrike">
               <a:solidFill>
                 <a:srgbClr val="000000"/>
               </a:solidFill>
@@ -3440,7 +3535,7 @@
           </a:ln>
         </p:spPr>
         <p:txBody>
-          <a:bodyPr lIns="91440" rIns="91440" tIns="45720" bIns="45720" anchor="ctr">
+          <a:bodyPr lIns="91440" tIns="45720" rIns="91440" bIns="45720" anchor="ctr">
             <a:noAutofit/>
           </a:bodyPr>
           <a:lstStyle>
@@ -3450,9 +3545,9 @@
               </a:lnSpc>
               <a:buNone/>
               <a:tabLst>
-                <a:tab algn="l" pos="0"/>
+                <a:tab pos="0" algn="l"/>
               </a:tabLst>
-              <a:defRPr b="0" lang="en-US" sz="1400" strike="noStrike" u="none">
+              <a:defRPr lang="en-US" sz="1400" b="0" u="none" strike="noStrike">
                 <a:solidFill>
                   <a:srgbClr val="000000"/>
                 </a:solidFill>
@@ -3469,11 +3564,11 @@
               </a:lnSpc>
               <a:buNone/>
               <a:tabLst>
-                <a:tab algn="l" pos="0"/>
+                <a:tab pos="0" algn="l"/>
               </a:tabLst>
             </a:pPr>
             <a:r>
-              <a:rPr b="0" lang="en-US" sz="1400" strike="noStrike" u="none">
+              <a:rPr lang="en-US" sz="1400" b="0" u="none" strike="noStrike">
                 <a:solidFill>
                   <a:srgbClr val="000000"/>
                 </a:solidFill>
@@ -3483,14 +3578,6 @@
               </a:rPr>
               <a:t>&lt;footer&gt;</a:t>
             </a:r>
-            <a:endParaRPr b="0" lang="en-US" sz="1400" strike="noStrike" u="none">
-              <a:solidFill>
-                <a:srgbClr val="000000"/>
-              </a:solidFill>
-              <a:effectLst/>
-              <a:uFillTx/>
-              <a:latin typeface="Times New Roman"/>
-            </a:endParaRPr>
           </a:p>
         </p:txBody>
       </p:sp>
@@ -3518,7 +3605,7 @@
           </a:ln>
         </p:spPr>
         <p:txBody>
-          <a:bodyPr lIns="91440" rIns="91440" tIns="45720" bIns="45720" anchor="ctr">
+          <a:bodyPr lIns="91440" tIns="45720" rIns="91440" bIns="45720" anchor="ctr">
             <a:noAutofit/>
           </a:bodyPr>
           <a:lstStyle>
@@ -3528,9 +3615,9 @@
               </a:lnSpc>
               <a:buNone/>
               <a:tabLst>
-                <a:tab algn="l" pos="0"/>
+                <a:tab pos="0" algn="l"/>
               </a:tabLst>
-              <a:defRPr b="0" lang="en-US" sz="1200" strike="noStrike" u="none">
+              <a:defRPr lang="en-US" sz="1200" b="0" u="none" strike="noStrike">
                 <a:solidFill>
                   <a:schemeClr val="dk1">
                     <a:tint val="82000"/>
@@ -3549,11 +3636,11 @@
               </a:lnSpc>
               <a:buNone/>
               <a:tabLst>
-                <a:tab algn="l" pos="0"/>
+                <a:tab pos="0" algn="l"/>
               </a:tabLst>
             </a:pPr>
             <a:fld id="{4F51B204-6B25-46F9-90C3-953DD44EED7C}" type="slidenum">
-              <a:rPr b="0" lang="en-US" sz="1200" strike="noStrike" u="none">
+              <a:rPr lang="en-US" sz="1200" b="0" u="none" strike="noStrike">
                 <a:solidFill>
                   <a:schemeClr val="dk1">
                     <a:tint val="82000"/>
@@ -3563,9 +3650,9 @@
                 <a:uFillTx/>
                 <a:latin typeface="Aptos"/>
               </a:rPr>
-              <a:t>&lt;number&gt;</a:t>
+              <a:t>‹#›</a:t>
             </a:fld>
-            <a:endParaRPr b="0" lang="en-US" sz="1200" strike="noStrike" u="none">
+            <a:endParaRPr lang="en-US" sz="1200" b="0" u="none" strike="noStrike">
               <a:solidFill>
                 <a:srgbClr val="000000"/>
               </a:solidFill>
@@ -3578,17 +3665,21 @@
       </p:sp>
     </p:spTree>
   </p:cSld>
+  <p:clrMapOvr>
+    <a:masterClrMapping/>
+  </p:clrMapOvr>
 </p:sldLayout>
 </file>
 
 <file path=ppt/slideLayouts/slideLayout6.xml><?xml version="1.0" encoding="utf-8"?>
-<p:sldLayout xmlns:a="http://schemas.openxmlformats.org/drawingml/2006/main" xmlns:p="http://schemas.openxmlformats.org/presentationml/2006/main" xmlns:r="http://schemas.openxmlformats.org/officeDocument/2006/relationships" xmlns:p14="http://schemas.microsoft.com/office/powerpoint/2010/main" xmlns:p15="http://schemas.microsoft.com/office/powerpoint/2012/main" xmlns:mc="http://schemas.openxmlformats.org/markup-compatibility/2006" type="vertTitleAndTx" preserve="1">
+<p:sldLayout xmlns:a="http://schemas.openxmlformats.org/drawingml/2006/main" xmlns:r="http://schemas.openxmlformats.org/officeDocument/2006/relationships" xmlns:p="http://schemas.openxmlformats.org/presentationml/2006/main" type="vertTitleAndTx" preserve="1">
   <p:cSld name="Vertical Title and Text">
     <p:bg>
       <p:bgPr>
         <a:solidFill>
-          <a:srgbClr val="ffffff"/>
+          <a:srgbClr val="FFFFFF"/>
         </a:solidFill>
+        <a:effectLst/>
       </p:bgPr>
     </p:bg>
     <p:spTree>
@@ -3629,9 +3720,10 @@
           </a:ln>
         </p:spPr>
         <p:txBody>
-          <a:bodyPr lIns="91440" rIns="91440" tIns="45720" bIns="45720" anchor="ctr" vert="eaVert">
+          <a:bodyPr vert="eaVert" lIns="91440" tIns="45720" rIns="91440" bIns="45720" anchor="ctr">
             <a:noAutofit/>
           </a:bodyPr>
+          <a:lstStyle/>
           <a:p>
             <a:pPr indent="0" defTabSz="914400">
               <a:lnSpc>
@@ -3639,11 +3731,11 @@
               </a:lnSpc>
               <a:buNone/>
               <a:tabLst>
-                <a:tab algn="l" pos="0"/>
+                <a:tab pos="0" algn="l"/>
               </a:tabLst>
             </a:pPr>
             <a:r>
-              <a:rPr b="0" lang="en-US" sz="4400" strike="noStrike" u="none">
+              <a:rPr lang="en-US" sz="4400" b="0" u="none" strike="noStrike">
                 <a:solidFill>
                   <a:schemeClr val="dk1"/>
                 </a:solidFill>
@@ -3653,7 +3745,7 @@
               </a:rPr>
               <a:t>Click to edit Master title style</a:t>
             </a:r>
-            <a:endParaRPr b="0" lang="en-US" sz="4400" strike="noStrike" u="none">
+            <a:endParaRPr lang="en-US" sz="4400" b="0" u="none" strike="noStrike">
               <a:solidFill>
                 <a:srgbClr val="000000"/>
               </a:solidFill>
@@ -3688,9 +3780,10 @@
           </a:ln>
         </p:spPr>
         <p:txBody>
-          <a:bodyPr lIns="91440" rIns="91440" tIns="45720" bIns="45720" anchor="t" vert="eaVert">
+          <a:bodyPr vert="eaVert" lIns="91440" tIns="45720" rIns="91440" bIns="45720" anchor="t">
             <a:noAutofit/>
           </a:bodyPr>
+          <a:lstStyle/>
           <a:p>
             <a:pPr marL="228600" indent="-228600" defTabSz="914400">
               <a:lnSpc>
@@ -3706,7 +3799,7 @@
               <a:buChar char="•"/>
             </a:pPr>
             <a:r>
-              <a:rPr b="0" lang="en-US" sz="2800" strike="noStrike" u="none">
+              <a:rPr lang="en-US" sz="2800" b="0" u="none" strike="noStrike">
                 <a:solidFill>
                   <a:schemeClr val="dk1"/>
                 </a:solidFill>
@@ -3716,7 +3809,7 @@
               </a:rPr>
               <a:t>Click to edit Master text styles</a:t>
             </a:r>
-            <a:endParaRPr b="0" lang="en-US" sz="2800" strike="noStrike" u="none">
+            <a:endParaRPr lang="en-US" sz="2800" b="0" u="none" strike="noStrike">
               <a:solidFill>
                 <a:srgbClr val="000000"/>
               </a:solidFill>
@@ -3726,7 +3819,7 @@
             </a:endParaRPr>
           </a:p>
           <a:p>
-            <a:pPr lvl="1" marL="685800" indent="-228600" defTabSz="914400">
+            <a:pPr marL="685800" lvl="1" indent="-228600" defTabSz="914400">
               <a:lnSpc>
                 <a:spcPct val="90000"/>
               </a:lnSpc>
@@ -3740,7 +3833,7 @@
               <a:buChar char="•"/>
             </a:pPr>
             <a:r>
-              <a:rPr b="0" lang="en-US" sz="2400" strike="noStrike" u="none">
+              <a:rPr lang="en-US" sz="2400" b="0" u="none" strike="noStrike">
                 <a:solidFill>
                   <a:schemeClr val="dk1"/>
                 </a:solidFill>
@@ -3750,7 +3843,7 @@
               </a:rPr>
               <a:t>Second level</a:t>
             </a:r>
-            <a:endParaRPr b="0" lang="en-US" sz="2400" strike="noStrike" u="none">
+            <a:endParaRPr lang="en-US" sz="2400" b="0" u="none" strike="noStrike">
               <a:solidFill>
                 <a:srgbClr val="000000"/>
               </a:solidFill>
@@ -3760,7 +3853,7 @@
             </a:endParaRPr>
           </a:p>
           <a:p>
-            <a:pPr lvl="2" marL="1143000" indent="-228600" defTabSz="914400">
+            <a:pPr marL="1143000" lvl="2" indent="-228600" defTabSz="914400">
               <a:lnSpc>
                 <a:spcPct val="90000"/>
               </a:lnSpc>
@@ -3774,7 +3867,7 @@
               <a:buChar char="•"/>
             </a:pPr>
             <a:r>
-              <a:rPr b="0" lang="en-US" sz="2000" strike="noStrike" u="none">
+              <a:rPr lang="en-US" sz="2000" b="0" u="none" strike="noStrike">
                 <a:solidFill>
                   <a:schemeClr val="dk1"/>
                 </a:solidFill>
@@ -3784,7 +3877,7 @@
               </a:rPr>
               <a:t>Third level</a:t>
             </a:r>
-            <a:endParaRPr b="0" lang="en-US" sz="2000" strike="noStrike" u="none">
+            <a:endParaRPr lang="en-US" sz="2000" b="0" u="none" strike="noStrike">
               <a:solidFill>
                 <a:srgbClr val="000000"/>
               </a:solidFill>
@@ -3794,7 +3887,7 @@
             </a:endParaRPr>
           </a:p>
           <a:p>
-            <a:pPr lvl="3" marL="1600200" indent="-228600" defTabSz="914400">
+            <a:pPr marL="1600200" lvl="3" indent="-228600" defTabSz="914400">
               <a:lnSpc>
                 <a:spcPct val="90000"/>
               </a:lnSpc>
@@ -3808,7 +3901,7 @@
               <a:buChar char="•"/>
             </a:pPr>
             <a:r>
-              <a:rPr b="0" lang="en-US" sz="1800" strike="noStrike" u="none">
+              <a:rPr lang="en-US" sz="1800" b="0" u="none" strike="noStrike">
                 <a:solidFill>
                   <a:schemeClr val="dk1"/>
                 </a:solidFill>
@@ -3818,7 +3911,7 @@
               </a:rPr>
               <a:t>Fourth level</a:t>
             </a:r>
-            <a:endParaRPr b="0" lang="en-US" sz="1800" strike="noStrike" u="none">
+            <a:endParaRPr lang="en-US" sz="1800" b="0" u="none" strike="noStrike">
               <a:solidFill>
                 <a:srgbClr val="000000"/>
               </a:solidFill>
@@ -3828,7 +3921,7 @@
             </a:endParaRPr>
           </a:p>
           <a:p>
-            <a:pPr lvl="4" marL="2057400" indent="-228600" defTabSz="914400">
+            <a:pPr marL="2057400" lvl="4" indent="-228600" defTabSz="914400">
               <a:lnSpc>
                 <a:spcPct val="90000"/>
               </a:lnSpc>
@@ -3842,7 +3935,7 @@
               <a:buChar char="•"/>
             </a:pPr>
             <a:r>
-              <a:rPr b="0" lang="en-US" sz="1800" strike="noStrike" u="none">
+              <a:rPr lang="en-US" sz="1800" b="0" u="none" strike="noStrike">
                 <a:solidFill>
                   <a:schemeClr val="dk1"/>
                 </a:solidFill>
@@ -3852,7 +3945,7 @@
               </a:rPr>
               <a:t>Fifth level</a:t>
             </a:r>
-            <a:endParaRPr b="0" lang="en-US" sz="1800" strike="noStrike" u="none">
+            <a:endParaRPr lang="en-US" sz="1800" b="0" u="none" strike="noStrike">
               <a:solidFill>
                 <a:srgbClr val="000000"/>
               </a:solidFill>
@@ -3887,7 +3980,7 @@
           </a:ln>
         </p:spPr>
         <p:txBody>
-          <a:bodyPr lIns="91440" rIns="91440" tIns="45720" bIns="45720" anchor="ctr">
+          <a:bodyPr lIns="91440" tIns="45720" rIns="91440" bIns="45720" anchor="ctr">
             <a:noAutofit/>
           </a:bodyPr>
           <a:lstStyle>
@@ -3897,9 +3990,9 @@
               </a:lnSpc>
               <a:buNone/>
               <a:tabLst>
-                <a:tab algn="l" pos="0"/>
+                <a:tab pos="0" algn="l"/>
               </a:tabLst>
-              <a:defRPr b="0" lang="en-US" sz="1200" strike="noStrike" u="none">
+              <a:defRPr lang="en-US" sz="1200" b="0" u="none" strike="noStrike">
                 <a:solidFill>
                   <a:schemeClr val="dk1">
                     <a:tint val="82000"/>
@@ -3918,11 +4011,11 @@
               </a:lnSpc>
               <a:buNone/>
               <a:tabLst>
-                <a:tab algn="l" pos="0"/>
+                <a:tab pos="0" algn="l"/>
               </a:tabLst>
             </a:pPr>
             <a:r>
-              <a:rPr b="0" lang="en-US" sz="1200" strike="noStrike" u="none">
+              <a:rPr lang="en-US" sz="1200" b="0" u="none" strike="noStrike">
                 <a:solidFill>
                   <a:schemeClr val="dk1">
                     <a:tint val="82000"/>
@@ -3934,7 +4027,7 @@
               </a:rPr>
               <a:t>&lt;date/time&gt;</a:t>
             </a:r>
-            <a:endParaRPr b="0" lang="en-US" sz="1200" strike="noStrike" u="none">
+            <a:endParaRPr lang="en-US" sz="1200" b="0" u="none" strike="noStrike">
               <a:solidFill>
                 <a:srgbClr val="000000"/>
               </a:solidFill>
@@ -3969,7 +4062,7 @@
           </a:ln>
         </p:spPr>
         <p:txBody>
-          <a:bodyPr lIns="91440" rIns="91440" tIns="45720" bIns="45720" anchor="ctr">
+          <a:bodyPr lIns="91440" tIns="45720" rIns="91440" bIns="45720" anchor="ctr">
             <a:noAutofit/>
           </a:bodyPr>
           <a:lstStyle>
@@ -3979,9 +4072,9 @@
               </a:lnSpc>
               <a:buNone/>
               <a:tabLst>
-                <a:tab algn="l" pos="0"/>
+                <a:tab pos="0" algn="l"/>
               </a:tabLst>
-              <a:defRPr b="0" lang="en-US" sz="1400" strike="noStrike" u="none">
+              <a:defRPr lang="en-US" sz="1400" b="0" u="none" strike="noStrike">
                 <a:solidFill>
                   <a:srgbClr val="000000"/>
                 </a:solidFill>
@@ -3998,11 +4091,11 @@
               </a:lnSpc>
               <a:buNone/>
               <a:tabLst>
-                <a:tab algn="l" pos="0"/>
+                <a:tab pos="0" algn="l"/>
               </a:tabLst>
             </a:pPr>
             <a:r>
-              <a:rPr b="0" lang="en-US" sz="1400" strike="noStrike" u="none">
+              <a:rPr lang="en-US" sz="1400" b="0" u="none" strike="noStrike">
                 <a:solidFill>
                   <a:srgbClr val="000000"/>
                 </a:solidFill>
@@ -4012,14 +4105,6 @@
               </a:rPr>
               <a:t>&lt;footer&gt;</a:t>
             </a:r>
-            <a:endParaRPr b="0" lang="en-US" sz="1400" strike="noStrike" u="none">
-              <a:solidFill>
-                <a:srgbClr val="000000"/>
-              </a:solidFill>
-              <a:effectLst/>
-              <a:uFillTx/>
-              <a:latin typeface="Times New Roman"/>
-            </a:endParaRPr>
           </a:p>
         </p:txBody>
       </p:sp>
@@ -4047,7 +4132,7 @@
           </a:ln>
         </p:spPr>
         <p:txBody>
-          <a:bodyPr lIns="91440" rIns="91440" tIns="45720" bIns="45720" anchor="ctr">
+          <a:bodyPr lIns="91440" tIns="45720" rIns="91440" bIns="45720" anchor="ctr">
             <a:noAutofit/>
           </a:bodyPr>
           <a:lstStyle>
@@ -4057,9 +4142,9 @@
               </a:lnSpc>
               <a:buNone/>
               <a:tabLst>
-                <a:tab algn="l" pos="0"/>
+                <a:tab pos="0" algn="l"/>
               </a:tabLst>
-              <a:defRPr b="0" lang="en-US" sz="1200" strike="noStrike" u="none">
+              <a:defRPr lang="en-US" sz="1200" b="0" u="none" strike="noStrike">
                 <a:solidFill>
                   <a:schemeClr val="dk1">
                     <a:tint val="82000"/>
@@ -4078,11 +4163,11 @@
               </a:lnSpc>
               <a:buNone/>
               <a:tabLst>
-                <a:tab algn="l" pos="0"/>
+                <a:tab pos="0" algn="l"/>
               </a:tabLst>
             </a:pPr>
             <a:fld id="{ABFA368B-366E-4835-BBA3-E5508E1ED957}" type="slidenum">
-              <a:rPr b="0" lang="en-US" sz="1200" strike="noStrike" u="none">
+              <a:rPr lang="en-US" sz="1200" b="0" u="none" strike="noStrike">
                 <a:solidFill>
                   <a:schemeClr val="dk1">
                     <a:tint val="82000"/>
@@ -4092,9 +4177,9 @@
                 <a:uFillTx/>
                 <a:latin typeface="Aptos"/>
               </a:rPr>
-              <a:t>&lt;number&gt;</a:t>
+              <a:t>‹#›</a:t>
             </a:fld>
-            <a:endParaRPr b="0" lang="en-US" sz="1200" strike="noStrike" u="none">
+            <a:endParaRPr lang="en-US" sz="1200" b="0" u="none" strike="noStrike">
               <a:solidFill>
                 <a:srgbClr val="000000"/>
               </a:solidFill>
@@ -4107,17 +4192,21 @@
       </p:sp>
     </p:spTree>
   </p:cSld>
+  <p:clrMapOvr>
+    <a:masterClrMapping/>
+  </p:clrMapOvr>
 </p:sldLayout>
 </file>
 
 <file path=ppt/slideLayouts/slideLayout7.xml><?xml version="1.0" encoding="utf-8"?>
-<p:sldLayout xmlns:a="http://schemas.openxmlformats.org/drawingml/2006/main" xmlns:p="http://schemas.openxmlformats.org/presentationml/2006/main" xmlns:r="http://schemas.openxmlformats.org/officeDocument/2006/relationships" xmlns:p14="http://schemas.microsoft.com/office/powerpoint/2010/main" xmlns:p15="http://schemas.microsoft.com/office/powerpoint/2012/main" xmlns:mc="http://schemas.openxmlformats.org/markup-compatibility/2006" type="obj" preserve="1">
+<p:sldLayout xmlns:a="http://schemas.openxmlformats.org/drawingml/2006/main" xmlns:r="http://schemas.openxmlformats.org/officeDocument/2006/relationships" xmlns:p="http://schemas.openxmlformats.org/presentationml/2006/main" type="obj" preserve="1">
   <p:cSld name="Title and Content">
     <p:bg>
       <p:bgPr>
         <a:solidFill>
-          <a:srgbClr val="ffffff"/>
+          <a:srgbClr val="FFFFFF"/>
         </a:solidFill>
+        <a:effectLst/>
       </p:bgPr>
     </p:bg>
     <p:spTree>
@@ -4158,9 +4247,10 @@
           </a:ln>
         </p:spPr>
         <p:txBody>
-          <a:bodyPr lIns="91440" rIns="91440" tIns="45720" bIns="45720" anchor="ctr">
+          <a:bodyPr lIns="91440" tIns="45720" rIns="91440" bIns="45720" anchor="ctr">
             <a:noAutofit/>
           </a:bodyPr>
+          <a:lstStyle/>
           <a:p>
             <a:pPr indent="0" defTabSz="914400">
               <a:lnSpc>
@@ -4168,11 +4258,11 @@
               </a:lnSpc>
               <a:buNone/>
               <a:tabLst>
-                <a:tab algn="l" pos="0"/>
+                <a:tab pos="0" algn="l"/>
               </a:tabLst>
             </a:pPr>
             <a:r>
-              <a:rPr b="0" lang="en-US" sz="4400" strike="noStrike" u="none">
+              <a:rPr lang="en-US" sz="4400" b="0" u="none" strike="noStrike">
                 <a:solidFill>
                   <a:schemeClr val="dk1"/>
                 </a:solidFill>
@@ -4182,7 +4272,7 @@
               </a:rPr>
               <a:t>Click to edit Master title style</a:t>
             </a:r>
-            <a:endParaRPr b="0" lang="en-US" sz="4400" strike="noStrike" u="none">
+            <a:endParaRPr lang="en-US" sz="4400" b="0" u="none" strike="noStrike">
               <a:solidFill>
                 <a:srgbClr val="000000"/>
               </a:solidFill>
@@ -4217,9 +4307,10 @@
           </a:ln>
         </p:spPr>
         <p:txBody>
-          <a:bodyPr lIns="91440" rIns="91440" tIns="45720" bIns="45720" anchor="t">
+          <a:bodyPr lIns="91440" tIns="45720" rIns="91440" bIns="45720" anchor="t">
             <a:noAutofit/>
           </a:bodyPr>
+          <a:lstStyle/>
           <a:p>
             <a:pPr marL="228600" indent="-228600" defTabSz="914400">
               <a:lnSpc>
@@ -4235,7 +4326,7 @@
               <a:buChar char="•"/>
             </a:pPr>
             <a:r>
-              <a:rPr b="0" lang="en-US" sz="2800" strike="noStrike" u="none">
+              <a:rPr lang="en-US" sz="2800" b="0" u="none" strike="noStrike">
                 <a:solidFill>
                   <a:schemeClr val="dk1"/>
                 </a:solidFill>
@@ -4245,7 +4336,7 @@
               </a:rPr>
               <a:t>Click to edit Master text styles</a:t>
             </a:r>
-            <a:endParaRPr b="0" lang="en-US" sz="2800" strike="noStrike" u="none">
+            <a:endParaRPr lang="en-US" sz="2800" b="0" u="none" strike="noStrike">
               <a:solidFill>
                 <a:srgbClr val="000000"/>
               </a:solidFill>
@@ -4255,7 +4346,7 @@
             </a:endParaRPr>
           </a:p>
           <a:p>
-            <a:pPr lvl="1" marL="685800" indent="-228600" defTabSz="914400">
+            <a:pPr marL="685800" lvl="1" indent="-228600" defTabSz="914400">
               <a:lnSpc>
                 <a:spcPct val="90000"/>
               </a:lnSpc>
@@ -4269,7 +4360,7 @@
               <a:buChar char="•"/>
             </a:pPr>
             <a:r>
-              <a:rPr b="0" lang="en-US" sz="2400" strike="noStrike" u="none">
+              <a:rPr lang="en-US" sz="2400" b="0" u="none" strike="noStrike">
                 <a:solidFill>
                   <a:schemeClr val="dk1"/>
                 </a:solidFill>
@@ -4279,7 +4370,7 @@
               </a:rPr>
               <a:t>Second level</a:t>
             </a:r>
-            <a:endParaRPr b="0" lang="en-US" sz="2400" strike="noStrike" u="none">
+            <a:endParaRPr lang="en-US" sz="2400" b="0" u="none" strike="noStrike">
               <a:solidFill>
                 <a:srgbClr val="000000"/>
               </a:solidFill>
@@ -4289,7 +4380,7 @@
             </a:endParaRPr>
           </a:p>
           <a:p>
-            <a:pPr lvl="2" marL="1143000" indent="-228600" defTabSz="914400">
+            <a:pPr marL="1143000" lvl="2" indent="-228600" defTabSz="914400">
               <a:lnSpc>
                 <a:spcPct val="90000"/>
               </a:lnSpc>
@@ -4303,7 +4394,7 @@
               <a:buChar char="•"/>
             </a:pPr>
             <a:r>
-              <a:rPr b="0" lang="en-US" sz="2000" strike="noStrike" u="none">
+              <a:rPr lang="en-US" sz="2000" b="0" u="none" strike="noStrike">
                 <a:solidFill>
                   <a:schemeClr val="dk1"/>
                 </a:solidFill>
@@ -4313,7 +4404,7 @@
               </a:rPr>
               <a:t>Third level</a:t>
             </a:r>
-            <a:endParaRPr b="0" lang="en-US" sz="2000" strike="noStrike" u="none">
+            <a:endParaRPr lang="en-US" sz="2000" b="0" u="none" strike="noStrike">
               <a:solidFill>
                 <a:srgbClr val="000000"/>
               </a:solidFill>
@@ -4323,7 +4414,7 @@
             </a:endParaRPr>
           </a:p>
           <a:p>
-            <a:pPr lvl="3" marL="1600200" indent="-228600" defTabSz="914400">
+            <a:pPr marL="1600200" lvl="3" indent="-228600" defTabSz="914400">
               <a:lnSpc>
                 <a:spcPct val="90000"/>
               </a:lnSpc>
@@ -4337,7 +4428,7 @@
               <a:buChar char="•"/>
             </a:pPr>
             <a:r>
-              <a:rPr b="0" lang="en-US" sz="1800" strike="noStrike" u="none">
+              <a:rPr lang="en-US" sz="1800" b="0" u="none" strike="noStrike">
                 <a:solidFill>
                   <a:schemeClr val="dk1"/>
                 </a:solidFill>
@@ -4347,7 +4438,7 @@
               </a:rPr>
               <a:t>Fourth level</a:t>
             </a:r>
-            <a:endParaRPr b="0" lang="en-US" sz="1800" strike="noStrike" u="none">
+            <a:endParaRPr lang="en-US" sz="1800" b="0" u="none" strike="noStrike">
               <a:solidFill>
                 <a:srgbClr val="000000"/>
               </a:solidFill>
@@ -4357,7 +4448,7 @@
             </a:endParaRPr>
           </a:p>
           <a:p>
-            <a:pPr lvl="4" marL="2057400" indent="-228600" defTabSz="914400">
+            <a:pPr marL="2057400" lvl="4" indent="-228600" defTabSz="914400">
               <a:lnSpc>
                 <a:spcPct val="90000"/>
               </a:lnSpc>
@@ -4371,7 +4462,7 @@
               <a:buChar char="•"/>
             </a:pPr>
             <a:r>
-              <a:rPr b="0" lang="en-US" sz="1800" strike="noStrike" u="none">
+              <a:rPr lang="en-US" sz="1800" b="0" u="none" strike="noStrike">
                 <a:solidFill>
                   <a:schemeClr val="dk1"/>
                 </a:solidFill>
@@ -4381,7 +4472,7 @@
               </a:rPr>
               <a:t>Fifth level</a:t>
             </a:r>
-            <a:endParaRPr b="0" lang="en-US" sz="1800" strike="noStrike" u="none">
+            <a:endParaRPr lang="en-US" sz="1800" b="0" u="none" strike="noStrike">
               <a:solidFill>
                 <a:srgbClr val="000000"/>
               </a:solidFill>
@@ -4416,7 +4507,7 @@
           </a:ln>
         </p:spPr>
         <p:txBody>
-          <a:bodyPr lIns="91440" rIns="91440" tIns="45720" bIns="45720" anchor="ctr">
+          <a:bodyPr lIns="91440" tIns="45720" rIns="91440" bIns="45720" anchor="ctr">
             <a:noAutofit/>
           </a:bodyPr>
           <a:lstStyle>
@@ -4426,9 +4517,9 @@
               </a:lnSpc>
               <a:buNone/>
               <a:tabLst>
-                <a:tab algn="l" pos="0"/>
+                <a:tab pos="0" algn="l"/>
               </a:tabLst>
-              <a:defRPr b="0" lang="en-US" sz="1200" strike="noStrike" u="none">
+              <a:defRPr lang="en-US" sz="1200" b="0" u="none" strike="noStrike">
                 <a:solidFill>
                   <a:schemeClr val="dk1">
                     <a:tint val="82000"/>
@@ -4447,11 +4538,11 @@
               </a:lnSpc>
               <a:buNone/>
               <a:tabLst>
-                <a:tab algn="l" pos="0"/>
+                <a:tab pos="0" algn="l"/>
               </a:tabLst>
             </a:pPr>
             <a:r>
-              <a:rPr b="0" lang="en-US" sz="1200" strike="noStrike" u="none">
+              <a:rPr lang="en-US" sz="1200" b="0" u="none" strike="noStrike">
                 <a:solidFill>
                   <a:schemeClr val="dk1">
                     <a:tint val="82000"/>
@@ -4463,7 +4554,7 @@
               </a:rPr>
               <a:t>&lt;date/time&gt;</a:t>
             </a:r>
-            <a:endParaRPr b="0" lang="en-US" sz="1200" strike="noStrike" u="none">
+            <a:endParaRPr lang="en-US" sz="1200" b="0" u="none" strike="noStrike">
               <a:solidFill>
                 <a:srgbClr val="000000"/>
               </a:solidFill>
@@ -4498,7 +4589,7 @@
           </a:ln>
         </p:spPr>
         <p:txBody>
-          <a:bodyPr lIns="91440" rIns="91440" tIns="45720" bIns="45720" anchor="ctr">
+          <a:bodyPr lIns="91440" tIns="45720" rIns="91440" bIns="45720" anchor="ctr">
             <a:noAutofit/>
           </a:bodyPr>
           <a:lstStyle>
@@ -4508,9 +4599,9 @@
               </a:lnSpc>
               <a:buNone/>
               <a:tabLst>
-                <a:tab algn="l" pos="0"/>
+                <a:tab pos="0" algn="l"/>
               </a:tabLst>
-              <a:defRPr b="0" lang="en-US" sz="1400" strike="noStrike" u="none">
+              <a:defRPr lang="en-US" sz="1400" b="0" u="none" strike="noStrike">
                 <a:solidFill>
                   <a:srgbClr val="000000"/>
                 </a:solidFill>
@@ -4527,11 +4618,11 @@
               </a:lnSpc>
               <a:buNone/>
               <a:tabLst>
-                <a:tab algn="l" pos="0"/>
+                <a:tab pos="0" algn="l"/>
               </a:tabLst>
             </a:pPr>
             <a:r>
-              <a:rPr b="0" lang="en-US" sz="1400" strike="noStrike" u="none">
+              <a:rPr lang="en-US" sz="1400" b="0" u="none" strike="noStrike">
                 <a:solidFill>
                   <a:srgbClr val="000000"/>
                 </a:solidFill>
@@ -4541,14 +4632,6 @@
               </a:rPr>
               <a:t>&lt;footer&gt;</a:t>
             </a:r>
-            <a:endParaRPr b="0" lang="en-US" sz="1400" strike="noStrike" u="none">
-              <a:solidFill>
-                <a:srgbClr val="000000"/>
-              </a:solidFill>
-              <a:effectLst/>
-              <a:uFillTx/>
-              <a:latin typeface="Times New Roman"/>
-            </a:endParaRPr>
           </a:p>
         </p:txBody>
       </p:sp>
@@ -4576,7 +4659,7 @@
           </a:ln>
         </p:spPr>
         <p:txBody>
-          <a:bodyPr lIns="91440" rIns="91440" tIns="45720" bIns="45720" anchor="ctr">
+          <a:bodyPr lIns="91440" tIns="45720" rIns="91440" bIns="45720" anchor="ctr">
             <a:noAutofit/>
           </a:bodyPr>
           <a:lstStyle>
@@ -4586,9 +4669,9 @@
               </a:lnSpc>
               <a:buNone/>
               <a:tabLst>
-                <a:tab algn="l" pos="0"/>
+                <a:tab pos="0" algn="l"/>
               </a:tabLst>
-              <a:defRPr b="0" lang="en-US" sz="1200" strike="noStrike" u="none">
+              <a:defRPr lang="en-US" sz="1200" b="0" u="none" strike="noStrike">
                 <a:solidFill>
                   <a:schemeClr val="dk1">
                     <a:tint val="82000"/>
@@ -4607,11 +4690,11 @@
               </a:lnSpc>
               <a:buNone/>
               <a:tabLst>
-                <a:tab algn="l" pos="0"/>
+                <a:tab pos="0" algn="l"/>
               </a:tabLst>
             </a:pPr>
             <a:fld id="{11CB7EBE-3A69-44B7-8F2F-4859AF3A0528}" type="slidenum">
-              <a:rPr b="0" lang="en-US" sz="1200" strike="noStrike" u="none">
+              <a:rPr lang="en-US" sz="1200" b="0" u="none" strike="noStrike">
                 <a:solidFill>
                   <a:schemeClr val="dk1">
                     <a:tint val="82000"/>
@@ -4621,9 +4704,9 @@
                 <a:uFillTx/>
                 <a:latin typeface="Aptos"/>
               </a:rPr>
-              <a:t>&lt;number&gt;</a:t>
+              <a:t>‹#›</a:t>
             </a:fld>
-            <a:endParaRPr b="0" lang="en-US" sz="1200" strike="noStrike" u="none">
+            <a:endParaRPr lang="en-US" sz="1200" b="0" u="none" strike="noStrike">
               <a:solidFill>
                 <a:srgbClr val="000000"/>
               </a:solidFill>
@@ -4636,17 +4719,21 @@
       </p:sp>
     </p:spTree>
   </p:cSld>
+  <p:clrMapOvr>
+    <a:masterClrMapping/>
+  </p:clrMapOvr>
 </p:sldLayout>
 </file>
 
 <file path=ppt/slideLayouts/slideLayout8.xml><?xml version="1.0" encoding="utf-8"?>
-<p:sldLayout xmlns:a="http://schemas.openxmlformats.org/drawingml/2006/main" xmlns:p="http://schemas.openxmlformats.org/presentationml/2006/main" xmlns:r="http://schemas.openxmlformats.org/officeDocument/2006/relationships" xmlns:p14="http://schemas.microsoft.com/office/powerpoint/2010/main" xmlns:p15="http://schemas.microsoft.com/office/powerpoint/2012/main" xmlns:mc="http://schemas.openxmlformats.org/markup-compatibility/2006" type="blank" preserve="1">
+<p:sldLayout xmlns:a="http://schemas.openxmlformats.org/drawingml/2006/main" xmlns:r="http://schemas.openxmlformats.org/officeDocument/2006/relationships" xmlns:p="http://schemas.openxmlformats.org/presentationml/2006/main" type="blank" preserve="1">
   <p:cSld name="Section Header">
     <p:bg>
       <p:bgPr>
         <a:solidFill>
-          <a:srgbClr val="ffffff"/>
+          <a:srgbClr val="FFFFFF"/>
         </a:solidFill>
+        <a:effectLst/>
       </p:bgPr>
     </p:bg>
     <p:spTree>
@@ -4687,9 +4774,10 @@
           </a:ln>
         </p:spPr>
         <p:txBody>
-          <a:bodyPr lIns="91440" rIns="91440" tIns="45720" bIns="45720" anchor="b">
+          <a:bodyPr lIns="91440" tIns="45720" rIns="91440" bIns="45720" anchor="b">
             <a:noAutofit/>
           </a:bodyPr>
+          <a:lstStyle/>
           <a:p>
             <a:pPr indent="0" defTabSz="914400">
               <a:lnSpc>
@@ -4697,11 +4785,11 @@
               </a:lnSpc>
               <a:buNone/>
               <a:tabLst>
-                <a:tab algn="l" pos="0"/>
+                <a:tab pos="0" algn="l"/>
               </a:tabLst>
             </a:pPr>
             <a:r>
-              <a:rPr b="0" lang="en-US" sz="6000" strike="noStrike" u="none">
+              <a:rPr lang="en-US" sz="6000" b="0" u="none" strike="noStrike">
                 <a:solidFill>
                   <a:schemeClr val="dk1"/>
                 </a:solidFill>
@@ -4711,7 +4799,7 @@
               </a:rPr>
               <a:t>Click to edit Master title style</a:t>
             </a:r>
-            <a:endParaRPr b="0" lang="en-US" sz="6000" strike="noStrike" u="none">
+            <a:endParaRPr lang="en-US" sz="6000" b="0" u="none" strike="noStrike">
               <a:solidFill>
                 <a:srgbClr val="000000"/>
               </a:solidFill>
@@ -4746,9 +4834,10 @@
           </a:ln>
         </p:spPr>
         <p:txBody>
-          <a:bodyPr lIns="91440" rIns="91440" tIns="45720" bIns="45720" anchor="t">
+          <a:bodyPr lIns="91440" tIns="45720" rIns="91440" bIns="45720" anchor="t">
             <a:noAutofit/>
           </a:bodyPr>
+          <a:lstStyle/>
           <a:p>
             <a:pPr indent="0" defTabSz="914400">
               <a:lnSpc>
@@ -4759,11 +4848,11 @@
               </a:spcBef>
               <a:buNone/>
               <a:tabLst>
-                <a:tab algn="l" pos="0"/>
+                <a:tab pos="0" algn="l"/>
               </a:tabLst>
             </a:pPr>
             <a:r>
-              <a:rPr b="0" lang="en-US" sz="2400" strike="noStrike" u="none">
+              <a:rPr lang="en-US" sz="2400" b="0" u="none" strike="noStrike">
                 <a:solidFill>
                   <a:schemeClr val="dk1">
                     <a:tint val="82000"/>
@@ -4775,7 +4864,7 @@
               </a:rPr>
               <a:t>Click to edit Master text styles</a:t>
             </a:r>
-            <a:endParaRPr b="0" lang="en-US" sz="2400" strike="noStrike" u="none">
+            <a:endParaRPr lang="en-US" sz="2400" b="0" u="none" strike="noStrike">
               <a:solidFill>
                 <a:srgbClr val="000000"/>
               </a:solidFill>
@@ -4810,7 +4899,7 @@
           </a:ln>
         </p:spPr>
         <p:txBody>
-          <a:bodyPr lIns="91440" rIns="91440" tIns="45720" bIns="45720" anchor="ctr">
+          <a:bodyPr lIns="91440" tIns="45720" rIns="91440" bIns="45720" anchor="ctr">
             <a:noAutofit/>
           </a:bodyPr>
           <a:lstStyle>
@@ -4820,9 +4909,9 @@
               </a:lnSpc>
               <a:buNone/>
               <a:tabLst>
-                <a:tab algn="l" pos="0"/>
+                <a:tab pos="0" algn="l"/>
               </a:tabLst>
-              <a:defRPr b="0" lang="en-US" sz="1200" strike="noStrike" u="none">
+              <a:defRPr lang="en-US" sz="1200" b="0" u="none" strike="noStrike">
                 <a:solidFill>
                   <a:schemeClr val="dk1">
                     <a:tint val="82000"/>
@@ -4841,11 +4930,11 @@
               </a:lnSpc>
               <a:buNone/>
               <a:tabLst>
-                <a:tab algn="l" pos="0"/>
+                <a:tab pos="0" algn="l"/>
               </a:tabLst>
             </a:pPr>
             <a:r>
-              <a:rPr b="0" lang="en-US" sz="1200" strike="noStrike" u="none">
+              <a:rPr lang="en-US" sz="1200" b="0" u="none" strike="noStrike">
                 <a:solidFill>
                   <a:schemeClr val="dk1">
                     <a:tint val="82000"/>
@@ -4857,7 +4946,7 @@
               </a:rPr>
               <a:t>&lt;date/time&gt;</a:t>
             </a:r>
-            <a:endParaRPr b="0" lang="en-US" sz="1200" strike="noStrike" u="none">
+            <a:endParaRPr lang="en-US" sz="1200" b="0" u="none" strike="noStrike">
               <a:solidFill>
                 <a:srgbClr val="000000"/>
               </a:solidFill>
@@ -4892,7 +4981,7 @@
           </a:ln>
         </p:spPr>
         <p:txBody>
-          <a:bodyPr lIns="91440" rIns="91440" tIns="45720" bIns="45720" anchor="ctr">
+          <a:bodyPr lIns="91440" tIns="45720" rIns="91440" bIns="45720" anchor="ctr">
             <a:noAutofit/>
           </a:bodyPr>
           <a:lstStyle>
@@ -4902,9 +4991,9 @@
               </a:lnSpc>
               <a:buNone/>
               <a:tabLst>
-                <a:tab algn="l" pos="0"/>
+                <a:tab pos="0" algn="l"/>
               </a:tabLst>
-              <a:defRPr b="0" lang="en-US" sz="1400" strike="noStrike" u="none">
+              <a:defRPr lang="en-US" sz="1400" b="0" u="none" strike="noStrike">
                 <a:solidFill>
                   <a:srgbClr val="000000"/>
                 </a:solidFill>
@@ -4921,11 +5010,11 @@
               </a:lnSpc>
               <a:buNone/>
               <a:tabLst>
-                <a:tab algn="l" pos="0"/>
+                <a:tab pos="0" algn="l"/>
               </a:tabLst>
             </a:pPr>
             <a:r>
-              <a:rPr b="0" lang="en-US" sz="1400" strike="noStrike" u="none">
+              <a:rPr lang="en-US" sz="1400" b="0" u="none" strike="noStrike">
                 <a:solidFill>
                   <a:srgbClr val="000000"/>
                 </a:solidFill>
@@ -4935,14 +5024,6 @@
               </a:rPr>
               <a:t>&lt;footer&gt;</a:t>
             </a:r>
-            <a:endParaRPr b="0" lang="en-US" sz="1400" strike="noStrike" u="none">
-              <a:solidFill>
-                <a:srgbClr val="000000"/>
-              </a:solidFill>
-              <a:effectLst/>
-              <a:uFillTx/>
-              <a:latin typeface="Times New Roman"/>
-            </a:endParaRPr>
           </a:p>
         </p:txBody>
       </p:sp>
@@ -4970,7 +5051,7 @@
           </a:ln>
         </p:spPr>
         <p:txBody>
-          <a:bodyPr lIns="91440" rIns="91440" tIns="45720" bIns="45720" anchor="ctr">
+          <a:bodyPr lIns="91440" tIns="45720" rIns="91440" bIns="45720" anchor="ctr">
             <a:noAutofit/>
           </a:bodyPr>
           <a:lstStyle>
@@ -4980,9 +5061,9 @@
               </a:lnSpc>
               <a:buNone/>
               <a:tabLst>
-                <a:tab algn="l" pos="0"/>
+                <a:tab pos="0" algn="l"/>
               </a:tabLst>
-              <a:defRPr b="0" lang="en-US" sz="1200" strike="noStrike" u="none">
+              <a:defRPr lang="en-US" sz="1200" b="0" u="none" strike="noStrike">
                 <a:solidFill>
                   <a:schemeClr val="dk1">
                     <a:tint val="82000"/>
@@ -5001,11 +5082,11 @@
               </a:lnSpc>
               <a:buNone/>
               <a:tabLst>
-                <a:tab algn="l" pos="0"/>
+                <a:tab pos="0" algn="l"/>
               </a:tabLst>
             </a:pPr>
             <a:fld id="{85012FC1-FF60-44DB-93B6-186A01DE0CBE}" type="slidenum">
-              <a:rPr b="0" lang="en-US" sz="1200" strike="noStrike" u="none">
+              <a:rPr lang="en-US" sz="1200" b="0" u="none" strike="noStrike">
                 <a:solidFill>
                   <a:schemeClr val="dk1">
                     <a:tint val="82000"/>
@@ -5015,9 +5096,9 @@
                 <a:uFillTx/>
                 <a:latin typeface="Aptos"/>
               </a:rPr>
-              <a:t>&lt;number&gt;</a:t>
+              <a:t>‹#›</a:t>
             </a:fld>
-            <a:endParaRPr b="0" lang="en-US" sz="1200" strike="noStrike" u="none">
+            <a:endParaRPr lang="en-US" sz="1200" b="0" u="none" strike="noStrike">
               <a:solidFill>
                 <a:srgbClr val="000000"/>
               </a:solidFill>
@@ -5030,17 +5111,21 @@
       </p:sp>
     </p:spTree>
   </p:cSld>
+  <p:clrMapOvr>
+    <a:masterClrMapping/>
+  </p:clrMapOvr>
 </p:sldLayout>
 </file>
 
 <file path=ppt/slideLayouts/slideLayout9.xml><?xml version="1.0" encoding="utf-8"?>
-<p:sldLayout xmlns:a="http://schemas.openxmlformats.org/drawingml/2006/main" xmlns:p="http://schemas.openxmlformats.org/presentationml/2006/main" xmlns:r="http://schemas.openxmlformats.org/officeDocument/2006/relationships" xmlns:p14="http://schemas.microsoft.com/office/powerpoint/2010/main" xmlns:p15="http://schemas.microsoft.com/office/powerpoint/2012/main" xmlns:mc="http://schemas.openxmlformats.org/markup-compatibility/2006" type="twoObj" preserve="1">
+<p:sldLayout xmlns:a="http://schemas.openxmlformats.org/drawingml/2006/main" xmlns:r="http://schemas.openxmlformats.org/officeDocument/2006/relationships" xmlns:p="http://schemas.openxmlformats.org/presentationml/2006/main" type="twoObj" preserve="1">
   <p:cSld name="Two Content">
     <p:bg>
       <p:bgPr>
         <a:solidFill>
-          <a:srgbClr val="ffffff"/>
+          <a:srgbClr val="FFFFFF"/>
         </a:solidFill>
+        <a:effectLst/>
       </p:bgPr>
     </p:bg>
     <p:spTree>
@@ -5081,9 +5166,10 @@
           </a:ln>
         </p:spPr>
         <p:txBody>
-          <a:bodyPr lIns="91440" rIns="91440" tIns="45720" bIns="45720" anchor="ctr">
+          <a:bodyPr lIns="91440" tIns="45720" rIns="91440" bIns="45720" anchor="ctr">
             <a:noAutofit/>
           </a:bodyPr>
+          <a:lstStyle/>
           <a:p>
             <a:pPr indent="0" defTabSz="914400">
               <a:lnSpc>
@@ -5091,11 +5177,11 @@
               </a:lnSpc>
               <a:buNone/>
               <a:tabLst>
-                <a:tab algn="l" pos="0"/>
+                <a:tab pos="0" algn="l"/>
               </a:tabLst>
             </a:pPr>
             <a:r>
-              <a:rPr b="0" lang="en-US" sz="4400" strike="noStrike" u="none">
+              <a:rPr lang="en-US" sz="4400" b="0" u="none" strike="noStrike">
                 <a:solidFill>
                   <a:schemeClr val="dk1"/>
                 </a:solidFill>
@@ -5105,7 +5191,7 @@
               </a:rPr>
               <a:t>Click to edit Master title style</a:t>
             </a:r>
-            <a:endParaRPr b="0" lang="en-US" sz="4400" strike="noStrike" u="none">
+            <a:endParaRPr lang="en-US" sz="4400" b="0" u="none" strike="noStrike">
               <a:solidFill>
                 <a:srgbClr val="000000"/>
               </a:solidFill>
@@ -5140,9 +5226,10 @@
           </a:ln>
         </p:spPr>
         <p:txBody>
-          <a:bodyPr lIns="91440" rIns="91440" tIns="45720" bIns="45720" anchor="t">
+          <a:bodyPr lIns="91440" tIns="45720" rIns="91440" bIns="45720" anchor="t">
             <a:noAutofit/>
           </a:bodyPr>
+          <a:lstStyle/>
           <a:p>
             <a:pPr marL="228600" indent="-228600" defTabSz="914400">
               <a:lnSpc>
@@ -5158,7 +5245,7 @@
               <a:buChar char="•"/>
             </a:pPr>
             <a:r>
-              <a:rPr b="0" lang="en-US" sz="2800" strike="noStrike" u="none">
+              <a:rPr lang="en-US" sz="2800" b="0" u="none" strike="noStrike">
                 <a:solidFill>
                   <a:schemeClr val="dk1"/>
                 </a:solidFill>
@@ -5168,7 +5255,7 @@
               </a:rPr>
               <a:t>Click to edit Master text styles</a:t>
             </a:r>
-            <a:endParaRPr b="0" lang="en-US" sz="2800" strike="noStrike" u="none">
+            <a:endParaRPr lang="en-US" sz="2800" b="0" u="none" strike="noStrike">
               <a:solidFill>
                 <a:srgbClr val="000000"/>
               </a:solidFill>
@@ -5178,7 +5265,7 @@
             </a:endParaRPr>
           </a:p>
           <a:p>
-            <a:pPr lvl="1" marL="685800" indent="-228600" defTabSz="914400">
+            <a:pPr marL="685800" lvl="1" indent="-228600" defTabSz="914400">
               <a:lnSpc>
                 <a:spcPct val="90000"/>
               </a:lnSpc>
@@ -5192,7 +5279,7 @@
               <a:buChar char="•"/>
             </a:pPr>
             <a:r>
-              <a:rPr b="0" lang="en-US" sz="2400" strike="noStrike" u="none">
+              <a:rPr lang="en-US" sz="2400" b="0" u="none" strike="noStrike">
                 <a:solidFill>
                   <a:schemeClr val="dk1"/>
                 </a:solidFill>
@@ -5202,7 +5289,7 @@
               </a:rPr>
               <a:t>Second level</a:t>
             </a:r>
-            <a:endParaRPr b="0" lang="en-US" sz="2400" strike="noStrike" u="none">
+            <a:endParaRPr lang="en-US" sz="2400" b="0" u="none" strike="noStrike">
               <a:solidFill>
                 <a:srgbClr val="000000"/>
               </a:solidFill>
@@ -5212,7 +5299,7 @@
             </a:endParaRPr>
           </a:p>
           <a:p>
-            <a:pPr lvl="2" marL="1143000" indent="-228600" defTabSz="914400">
+            <a:pPr marL="1143000" lvl="2" indent="-228600" defTabSz="914400">
               <a:lnSpc>
                 <a:spcPct val="90000"/>
               </a:lnSpc>
@@ -5226,7 +5313,7 @@
               <a:buChar char="•"/>
             </a:pPr>
             <a:r>
-              <a:rPr b="0" lang="en-US" sz="2000" strike="noStrike" u="none">
+              <a:rPr lang="en-US" sz="2000" b="0" u="none" strike="noStrike">
                 <a:solidFill>
                   <a:schemeClr val="dk1"/>
                 </a:solidFill>
@@ -5236,7 +5323,7 @@
               </a:rPr>
               <a:t>Third level</a:t>
             </a:r>
-            <a:endParaRPr b="0" lang="en-US" sz="2000" strike="noStrike" u="none">
+            <a:endParaRPr lang="en-US" sz="2000" b="0" u="none" strike="noStrike">
               <a:solidFill>
                 <a:srgbClr val="000000"/>
               </a:solidFill>
@@ -5246,7 +5333,7 @@
             </a:endParaRPr>
           </a:p>
           <a:p>
-            <a:pPr lvl="3" marL="1600200" indent="-228600" defTabSz="914400">
+            <a:pPr marL="1600200" lvl="3" indent="-228600" defTabSz="914400">
               <a:lnSpc>
                 <a:spcPct val="90000"/>
               </a:lnSpc>
@@ -5260,7 +5347,7 @@
               <a:buChar char="•"/>
             </a:pPr>
             <a:r>
-              <a:rPr b="0" lang="en-US" sz="1800" strike="noStrike" u="none">
+              <a:rPr lang="en-US" sz="1800" b="0" u="none" strike="noStrike">
                 <a:solidFill>
                   <a:schemeClr val="dk1"/>
                 </a:solidFill>
@@ -5270,7 +5357,7 @@
               </a:rPr>
               <a:t>Fourth level</a:t>
             </a:r>
-            <a:endParaRPr b="0" lang="en-US" sz="1800" strike="noStrike" u="none">
+            <a:endParaRPr lang="en-US" sz="1800" b="0" u="none" strike="noStrike">
               <a:solidFill>
                 <a:srgbClr val="000000"/>
               </a:solidFill>
@@ -5280,7 +5367,7 @@
             </a:endParaRPr>
           </a:p>
           <a:p>
-            <a:pPr lvl="4" marL="2057400" indent="-228600" defTabSz="914400">
+            <a:pPr marL="2057400" lvl="4" indent="-228600" defTabSz="914400">
               <a:lnSpc>
                 <a:spcPct val="90000"/>
               </a:lnSpc>
@@ -5294,7 +5381,7 @@
               <a:buChar char="•"/>
             </a:pPr>
             <a:r>
-              <a:rPr b="0" lang="en-US" sz="1800" strike="noStrike" u="none">
+              <a:rPr lang="en-US" sz="1800" b="0" u="none" strike="noStrike">
                 <a:solidFill>
                   <a:schemeClr val="dk1"/>
                 </a:solidFill>
@@ -5304,7 +5391,7 @@
               </a:rPr>
               <a:t>Fifth level</a:t>
             </a:r>
-            <a:endParaRPr b="0" lang="en-US" sz="1800" strike="noStrike" u="none">
+            <a:endParaRPr lang="en-US" sz="1800" b="0" u="none" strike="noStrike">
               <a:solidFill>
                 <a:srgbClr val="000000"/>
               </a:solidFill>
@@ -5339,9 +5426,10 @@
           </a:ln>
         </p:spPr>
         <p:txBody>
-          <a:bodyPr lIns="91440" rIns="91440" tIns="45720" bIns="45720" anchor="t">
+          <a:bodyPr lIns="91440" tIns="45720" rIns="91440" bIns="45720" anchor="t">
             <a:noAutofit/>
           </a:bodyPr>
+          <a:lstStyle/>
           <a:p>
             <a:pPr marL="228600" indent="-228600" defTabSz="914400">
               <a:lnSpc>
@@ -5357,7 +5445,7 @@
               <a:buChar char="•"/>
             </a:pPr>
             <a:r>
-              <a:rPr b="0" lang="en-US" sz="2800" strike="noStrike" u="none">
+              <a:rPr lang="en-US" sz="2800" b="0" u="none" strike="noStrike">
                 <a:solidFill>
                   <a:schemeClr val="dk1"/>
                 </a:solidFill>
@@ -5367,7 +5455,7 @@
               </a:rPr>
               <a:t>Click to edit Master text styles</a:t>
             </a:r>
-            <a:endParaRPr b="0" lang="en-US" sz="2800" strike="noStrike" u="none">
+            <a:endParaRPr lang="en-US" sz="2800" b="0" u="none" strike="noStrike">
               <a:solidFill>
                 <a:srgbClr val="000000"/>
               </a:solidFill>
@@ -5377,7 +5465,7 @@
             </a:endParaRPr>
           </a:p>
           <a:p>
-            <a:pPr lvl="1" marL="685800" indent="-228600" defTabSz="914400">
+            <a:pPr marL="685800" lvl="1" indent="-228600" defTabSz="914400">
               <a:lnSpc>
                 <a:spcPct val="90000"/>
               </a:lnSpc>
@@ -5391,7 +5479,7 @@
               <a:buChar char="•"/>
             </a:pPr>
             <a:r>
-              <a:rPr b="0" lang="en-US" sz="2400" strike="noStrike" u="none">
+              <a:rPr lang="en-US" sz="2400" b="0" u="none" strike="noStrike">
                 <a:solidFill>
                   <a:schemeClr val="dk1"/>
                 </a:solidFill>
@@ -5401,7 +5489,7 @@
               </a:rPr>
               <a:t>Second level</a:t>
             </a:r>
-            <a:endParaRPr b="0" lang="en-US" sz="2400" strike="noStrike" u="none">
+            <a:endParaRPr lang="en-US" sz="2400" b="0" u="none" strike="noStrike">
               <a:solidFill>
                 <a:srgbClr val="000000"/>
               </a:solidFill>
@@ -5411,7 +5499,7 @@
             </a:endParaRPr>
           </a:p>
           <a:p>
-            <a:pPr lvl="2" marL="1143000" indent="-228600" defTabSz="914400">
+            <a:pPr marL="1143000" lvl="2" indent="-228600" defTabSz="914400">
               <a:lnSpc>
                 <a:spcPct val="90000"/>
               </a:lnSpc>
@@ -5425,7 +5513,7 @@
               <a:buChar char="•"/>
             </a:pPr>
             <a:r>
-              <a:rPr b="0" lang="en-US" sz="2000" strike="noStrike" u="none">
+              <a:rPr lang="en-US" sz="2000" b="0" u="none" strike="noStrike">
                 <a:solidFill>
                   <a:schemeClr val="dk1"/>
                 </a:solidFill>
@@ -5435,7 +5523,7 @@
               </a:rPr>
               <a:t>Third level</a:t>
             </a:r>
-            <a:endParaRPr b="0" lang="en-US" sz="2000" strike="noStrike" u="none">
+            <a:endParaRPr lang="en-US" sz="2000" b="0" u="none" strike="noStrike">
               <a:solidFill>
                 <a:srgbClr val="000000"/>
               </a:solidFill>
@@ -5445,7 +5533,7 @@
             </a:endParaRPr>
           </a:p>
           <a:p>
-            <a:pPr lvl="3" marL="1600200" indent="-228600" defTabSz="914400">
+            <a:pPr marL="1600200" lvl="3" indent="-228600" defTabSz="914400">
               <a:lnSpc>
                 <a:spcPct val="90000"/>
               </a:lnSpc>
@@ -5459,7 +5547,7 @@
               <a:buChar char="•"/>
             </a:pPr>
             <a:r>
-              <a:rPr b="0" lang="en-US" sz="1800" strike="noStrike" u="none">
+              <a:rPr lang="en-US" sz="1800" b="0" u="none" strike="noStrike">
                 <a:solidFill>
                   <a:schemeClr val="dk1"/>
                 </a:solidFill>
@@ -5469,7 +5557,7 @@
               </a:rPr>
               <a:t>Fourth level</a:t>
             </a:r>
-            <a:endParaRPr b="0" lang="en-US" sz="1800" strike="noStrike" u="none">
+            <a:endParaRPr lang="en-US" sz="1800" b="0" u="none" strike="noStrike">
               <a:solidFill>
                 <a:srgbClr val="000000"/>
               </a:solidFill>
@@ -5479,7 +5567,7 @@
             </a:endParaRPr>
           </a:p>
           <a:p>
-            <a:pPr lvl="4" marL="2057400" indent="-228600" defTabSz="914400">
+            <a:pPr marL="2057400" lvl="4" indent="-228600" defTabSz="914400">
               <a:lnSpc>
                 <a:spcPct val="90000"/>
               </a:lnSpc>
@@ -5493,7 +5581,7 @@
               <a:buChar char="•"/>
             </a:pPr>
             <a:r>
-              <a:rPr b="0" lang="en-US" sz="1800" strike="noStrike" u="none">
+              <a:rPr lang="en-US" sz="1800" b="0" u="none" strike="noStrike">
                 <a:solidFill>
                   <a:schemeClr val="dk1"/>
                 </a:solidFill>
@@ -5503,7 +5591,7 @@
               </a:rPr>
               <a:t>Fifth level</a:t>
             </a:r>
-            <a:endParaRPr b="0" lang="en-US" sz="1800" strike="noStrike" u="none">
+            <a:endParaRPr lang="en-US" sz="1800" b="0" u="none" strike="noStrike">
               <a:solidFill>
                 <a:srgbClr val="000000"/>
               </a:solidFill>
@@ -5538,7 +5626,7 @@
           </a:ln>
         </p:spPr>
         <p:txBody>
-          <a:bodyPr lIns="91440" rIns="91440" tIns="45720" bIns="45720" anchor="ctr">
+          <a:bodyPr lIns="91440" tIns="45720" rIns="91440" bIns="45720" anchor="ctr">
             <a:noAutofit/>
           </a:bodyPr>
           <a:lstStyle>
@@ -5548,9 +5636,9 @@
               </a:lnSpc>
               <a:buNone/>
               <a:tabLst>
-                <a:tab algn="l" pos="0"/>
+                <a:tab pos="0" algn="l"/>
               </a:tabLst>
-              <a:defRPr b="0" lang="en-US" sz="1200" strike="noStrike" u="none">
+              <a:defRPr lang="en-US" sz="1200" b="0" u="none" strike="noStrike">
                 <a:solidFill>
                   <a:schemeClr val="dk1">
                     <a:tint val="82000"/>
@@ -5569,11 +5657,11 @@
               </a:lnSpc>
               <a:buNone/>
               <a:tabLst>
-                <a:tab algn="l" pos="0"/>
+                <a:tab pos="0" algn="l"/>
               </a:tabLst>
             </a:pPr>
             <a:r>
-              <a:rPr b="0" lang="en-US" sz="1200" strike="noStrike" u="none">
+              <a:rPr lang="en-US" sz="1200" b="0" u="none" strike="noStrike">
                 <a:solidFill>
                   <a:schemeClr val="dk1">
                     <a:tint val="82000"/>
@@ -5585,7 +5673,7 @@
               </a:rPr>
               <a:t>&lt;date/time&gt;</a:t>
             </a:r>
-            <a:endParaRPr b="0" lang="en-US" sz="1200" strike="noStrike" u="none">
+            <a:endParaRPr lang="en-US" sz="1200" b="0" u="none" strike="noStrike">
               <a:solidFill>
                 <a:srgbClr val="000000"/>
               </a:solidFill>
@@ -5620,7 +5708,7 @@
           </a:ln>
         </p:spPr>
         <p:txBody>
-          <a:bodyPr lIns="91440" rIns="91440" tIns="45720" bIns="45720" anchor="ctr">
+          <a:bodyPr lIns="91440" tIns="45720" rIns="91440" bIns="45720" anchor="ctr">
             <a:noAutofit/>
           </a:bodyPr>
           <a:lstStyle>
@@ -5630,9 +5718,9 @@
               </a:lnSpc>
               <a:buNone/>
               <a:tabLst>
-                <a:tab algn="l" pos="0"/>
+                <a:tab pos="0" algn="l"/>
               </a:tabLst>
-              <a:defRPr b="0" lang="en-US" sz="1400" strike="noStrike" u="none">
+              <a:defRPr lang="en-US" sz="1400" b="0" u="none" strike="noStrike">
                 <a:solidFill>
                   <a:srgbClr val="000000"/>
                 </a:solidFill>
@@ -5649,11 +5737,11 @@
               </a:lnSpc>
               <a:buNone/>
               <a:tabLst>
-                <a:tab algn="l" pos="0"/>
+                <a:tab pos="0" algn="l"/>
               </a:tabLst>
             </a:pPr>
             <a:r>
-              <a:rPr b="0" lang="en-US" sz="1400" strike="noStrike" u="none">
+              <a:rPr lang="en-US" sz="1400" b="0" u="none" strike="noStrike">
                 <a:solidFill>
                   <a:srgbClr val="000000"/>
                 </a:solidFill>
@@ -5663,14 +5751,6 @@
               </a:rPr>
               <a:t>&lt;footer&gt;</a:t>
             </a:r>
-            <a:endParaRPr b="0" lang="en-US" sz="1400" strike="noStrike" u="none">
-              <a:solidFill>
-                <a:srgbClr val="000000"/>
-              </a:solidFill>
-              <a:effectLst/>
-              <a:uFillTx/>
-              <a:latin typeface="Times New Roman"/>
-            </a:endParaRPr>
           </a:p>
         </p:txBody>
       </p:sp>
@@ -5698,7 +5778,7 @@
           </a:ln>
         </p:spPr>
         <p:txBody>
-          <a:bodyPr lIns="91440" rIns="91440" tIns="45720" bIns="45720" anchor="ctr">
+          <a:bodyPr lIns="91440" tIns="45720" rIns="91440" bIns="45720" anchor="ctr">
             <a:noAutofit/>
           </a:bodyPr>
           <a:lstStyle>
@@ -5708,9 +5788,9 @@
               </a:lnSpc>
               <a:buNone/>
               <a:tabLst>
-                <a:tab algn="l" pos="0"/>
+                <a:tab pos="0" algn="l"/>
               </a:tabLst>
-              <a:defRPr b="0" lang="en-US" sz="1200" strike="noStrike" u="none">
+              <a:defRPr lang="en-US" sz="1200" b="0" u="none" strike="noStrike">
                 <a:solidFill>
                   <a:schemeClr val="dk1">
                     <a:tint val="82000"/>
@@ -5729,11 +5809,11 @@
               </a:lnSpc>
               <a:buNone/>
               <a:tabLst>
-                <a:tab algn="l" pos="0"/>
+                <a:tab pos="0" algn="l"/>
               </a:tabLst>
             </a:pPr>
             <a:fld id="{400E99D0-AB78-481C-A881-6E2C399B15E7}" type="slidenum">
-              <a:rPr b="0" lang="en-US" sz="1200" strike="noStrike" u="none">
+              <a:rPr lang="en-US" sz="1200" b="0" u="none" strike="noStrike">
                 <a:solidFill>
                   <a:schemeClr val="dk1">
                     <a:tint val="82000"/>
@@ -5743,9 +5823,9 @@
                 <a:uFillTx/>
                 <a:latin typeface="Aptos"/>
               </a:rPr>
-              <a:t>&lt;number&gt;</a:t>
+              <a:t>‹#›</a:t>
             </a:fld>
-            <a:endParaRPr b="0" lang="en-US" sz="1200" strike="noStrike" u="none">
+            <a:endParaRPr lang="en-US" sz="1200" b="0" u="none" strike="noStrike">
               <a:solidFill>
                 <a:srgbClr val="000000"/>
               </a:solidFill>
@@ -5758,12 +5838,20 @@
       </p:sp>
     </p:spTree>
   </p:cSld>
+  <p:clrMapOvr>
+    <a:masterClrMapping/>
+  </p:clrMapOvr>
 </p:sldLayout>
 </file>
 
 <file path=ppt/slideMasters/slideMaster1.xml><?xml version="1.0" encoding="utf-8"?>
-<p:sldMaster xmlns:a="http://schemas.openxmlformats.org/drawingml/2006/main" xmlns:p="http://schemas.openxmlformats.org/presentationml/2006/main" xmlns:r="http://schemas.openxmlformats.org/officeDocument/2006/relationships" xmlns:p14="http://schemas.microsoft.com/office/powerpoint/2010/main" xmlns:p15="http://schemas.microsoft.com/office/powerpoint/2012/main" xmlns:mc="http://schemas.openxmlformats.org/markup-compatibility/2006">
+<p:sldMaster xmlns:a="http://schemas.openxmlformats.org/drawingml/2006/main" xmlns:r="http://schemas.openxmlformats.org/officeDocument/2006/relationships" xmlns:p="http://schemas.openxmlformats.org/presentationml/2006/main">
   <p:cSld>
+    <p:bg>
+      <p:bgRef idx="1001">
+        <a:schemeClr val="bg1"/>
+      </p:bgRef>
+    </p:bg>
     <p:spTree>
       <p:nvGrpSpPr>
         <p:cNvPr id="1" name=""/>
@@ -5782,23 +5870,303 @@
   </p:cSld>
   <p:clrMap bg1="lt1" tx1="dk1" bg2="lt2" tx2="dk2" accent1="accent1" accent2="accent2" accent3="accent3" accent4="accent4" accent5="accent5" accent6="accent6" hlink="hlink" folHlink="folHlink"/>
   <p:sldLayoutIdLst>
-    <p:sldLayoutId id="2147483649" r:id="rId2"/>
-    <p:sldLayoutId id="2147483650" r:id="rId3"/>
-    <p:sldLayoutId id="2147483651" r:id="rId4"/>
-    <p:sldLayoutId id="2147483652" r:id="rId5"/>
-    <p:sldLayoutId id="2147483653" r:id="rId6"/>
-    <p:sldLayoutId id="2147483654" r:id="rId7"/>
-    <p:sldLayoutId id="2147483655" r:id="rId8"/>
-    <p:sldLayoutId id="2147483656" r:id="rId9"/>
-    <p:sldLayoutId id="2147483657" r:id="rId10"/>
-    <p:sldLayoutId id="2147483658" r:id="rId11"/>
-    <p:sldLayoutId id="2147483659" r:id="rId12"/>
+    <p:sldLayoutId id="2147483649" r:id="rId1"/>
+    <p:sldLayoutId id="2147483650" r:id="rId2"/>
+    <p:sldLayoutId id="2147483651" r:id="rId3"/>
+    <p:sldLayoutId id="2147483652" r:id="rId4"/>
+    <p:sldLayoutId id="2147483653" r:id="rId5"/>
+    <p:sldLayoutId id="2147483654" r:id="rId6"/>
+    <p:sldLayoutId id="2147483655" r:id="rId7"/>
+    <p:sldLayoutId id="2147483656" r:id="rId8"/>
+    <p:sldLayoutId id="2147483657" r:id="rId9"/>
+    <p:sldLayoutId id="2147483658" r:id="rId10"/>
+    <p:sldLayoutId id="2147483659" r:id="rId11"/>
   </p:sldLayoutIdLst>
+  <p:txStyles>
+    <p:titleStyle>
+      <a:lvl1pPr algn="l" defTabSz="914400" rtl="0" eaLnBrk="1" latinLnBrk="0" hangingPunct="1">
+        <a:lnSpc>
+          <a:spcPct val="90000"/>
+        </a:lnSpc>
+        <a:spcBef>
+          <a:spcPct val="0"/>
+        </a:spcBef>
+        <a:buNone/>
+        <a:defRPr sz="4400" kern="1200">
+          <a:solidFill>
+            <a:schemeClr val="tx1"/>
+          </a:solidFill>
+          <a:latin typeface="+mj-lt"/>
+          <a:ea typeface="+mj-ea"/>
+          <a:cs typeface="+mj-cs"/>
+        </a:defRPr>
+      </a:lvl1pPr>
+    </p:titleStyle>
+    <p:bodyStyle>
+      <a:lvl1pPr marL="228600" indent="-228600" algn="l" defTabSz="914400" rtl="0" eaLnBrk="1" latinLnBrk="0" hangingPunct="1">
+        <a:lnSpc>
+          <a:spcPct val="90000"/>
+        </a:lnSpc>
+        <a:spcBef>
+          <a:spcPts val="1000"/>
+        </a:spcBef>
+        <a:buFont typeface="Arial" panose="020B0604020202020204" pitchFamily="34" charset="0"/>
+        <a:buChar char="•"/>
+        <a:defRPr sz="2800" kern="1200">
+          <a:solidFill>
+            <a:schemeClr val="tx1"/>
+          </a:solidFill>
+          <a:latin typeface="+mn-lt"/>
+          <a:ea typeface="+mn-ea"/>
+          <a:cs typeface="+mn-cs"/>
+        </a:defRPr>
+      </a:lvl1pPr>
+      <a:lvl2pPr marL="685800" indent="-228600" algn="l" defTabSz="914400" rtl="0" eaLnBrk="1" latinLnBrk="0" hangingPunct="1">
+        <a:lnSpc>
+          <a:spcPct val="90000"/>
+        </a:lnSpc>
+        <a:spcBef>
+          <a:spcPts val="500"/>
+        </a:spcBef>
+        <a:buFont typeface="Arial" panose="020B0604020202020204" pitchFamily="34" charset="0"/>
+        <a:buChar char="•"/>
+        <a:defRPr sz="2400" kern="1200">
+          <a:solidFill>
+            <a:schemeClr val="tx1"/>
+          </a:solidFill>
+          <a:latin typeface="+mn-lt"/>
+          <a:ea typeface="+mn-ea"/>
+          <a:cs typeface="+mn-cs"/>
+        </a:defRPr>
+      </a:lvl2pPr>
+      <a:lvl3pPr marL="1143000" indent="-228600" algn="l" defTabSz="914400" rtl="0" eaLnBrk="1" latinLnBrk="0" hangingPunct="1">
+        <a:lnSpc>
+          <a:spcPct val="90000"/>
+        </a:lnSpc>
+        <a:spcBef>
+          <a:spcPts val="500"/>
+        </a:spcBef>
+        <a:buFont typeface="Arial" panose="020B0604020202020204" pitchFamily="34" charset="0"/>
+        <a:buChar char="•"/>
+        <a:defRPr sz="2000" kern="1200">
+          <a:solidFill>
+            <a:schemeClr val="tx1"/>
+          </a:solidFill>
+          <a:latin typeface="+mn-lt"/>
+          <a:ea typeface="+mn-ea"/>
+          <a:cs typeface="+mn-cs"/>
+        </a:defRPr>
+      </a:lvl3pPr>
+      <a:lvl4pPr marL="1600200" indent="-228600" algn="l" defTabSz="914400" rtl="0" eaLnBrk="1" latinLnBrk="0" hangingPunct="1">
+        <a:lnSpc>
+          <a:spcPct val="90000"/>
+        </a:lnSpc>
+        <a:spcBef>
+          <a:spcPts val="500"/>
+        </a:spcBef>
+        <a:buFont typeface="Arial" panose="020B0604020202020204" pitchFamily="34" charset="0"/>
+        <a:buChar char="•"/>
+        <a:defRPr sz="1800" kern="1200">
+          <a:solidFill>
+            <a:schemeClr val="tx1"/>
+          </a:solidFill>
+          <a:latin typeface="+mn-lt"/>
+          <a:ea typeface="+mn-ea"/>
+          <a:cs typeface="+mn-cs"/>
+        </a:defRPr>
+      </a:lvl4pPr>
+      <a:lvl5pPr marL="2057400" indent="-228600" algn="l" defTabSz="914400" rtl="0" eaLnBrk="1" latinLnBrk="0" hangingPunct="1">
+        <a:lnSpc>
+          <a:spcPct val="90000"/>
+        </a:lnSpc>
+        <a:spcBef>
+          <a:spcPts val="500"/>
+        </a:spcBef>
+        <a:buFont typeface="Arial" panose="020B0604020202020204" pitchFamily="34" charset="0"/>
+        <a:buChar char="•"/>
+        <a:defRPr sz="1800" kern="1200">
+          <a:solidFill>
+            <a:schemeClr val="tx1"/>
+          </a:solidFill>
+          <a:latin typeface="+mn-lt"/>
+          <a:ea typeface="+mn-ea"/>
+          <a:cs typeface="+mn-cs"/>
+        </a:defRPr>
+      </a:lvl5pPr>
+      <a:lvl6pPr marL="2514600" indent="-228600" algn="l" defTabSz="914400" rtl="0" eaLnBrk="1" latinLnBrk="0" hangingPunct="1">
+        <a:lnSpc>
+          <a:spcPct val="90000"/>
+        </a:lnSpc>
+        <a:spcBef>
+          <a:spcPts val="500"/>
+        </a:spcBef>
+        <a:buFont typeface="Arial" panose="020B0604020202020204" pitchFamily="34" charset="0"/>
+        <a:buChar char="•"/>
+        <a:defRPr sz="1800" kern="1200">
+          <a:solidFill>
+            <a:schemeClr val="tx1"/>
+          </a:solidFill>
+          <a:latin typeface="+mn-lt"/>
+          <a:ea typeface="+mn-ea"/>
+          <a:cs typeface="+mn-cs"/>
+        </a:defRPr>
+      </a:lvl6pPr>
+      <a:lvl7pPr marL="2971800" indent="-228600" algn="l" defTabSz="914400" rtl="0" eaLnBrk="1" latinLnBrk="0" hangingPunct="1">
+        <a:lnSpc>
+          <a:spcPct val="90000"/>
+        </a:lnSpc>
+        <a:spcBef>
+          <a:spcPts val="500"/>
+        </a:spcBef>
+        <a:buFont typeface="Arial" panose="020B0604020202020204" pitchFamily="34" charset="0"/>
+        <a:buChar char="•"/>
+        <a:defRPr sz="1800" kern="1200">
+          <a:solidFill>
+            <a:schemeClr val="tx1"/>
+          </a:solidFill>
+          <a:latin typeface="+mn-lt"/>
+          <a:ea typeface="+mn-ea"/>
+          <a:cs typeface="+mn-cs"/>
+        </a:defRPr>
+      </a:lvl7pPr>
+      <a:lvl8pPr marL="3429000" indent="-228600" algn="l" defTabSz="914400" rtl="0" eaLnBrk="1" latinLnBrk="0" hangingPunct="1">
+        <a:lnSpc>
+          <a:spcPct val="90000"/>
+        </a:lnSpc>
+        <a:spcBef>
+          <a:spcPts val="500"/>
+        </a:spcBef>
+        <a:buFont typeface="Arial" panose="020B0604020202020204" pitchFamily="34" charset="0"/>
+        <a:buChar char="•"/>
+        <a:defRPr sz="1800" kern="1200">
+          <a:solidFill>
+            <a:schemeClr val="tx1"/>
+          </a:solidFill>
+          <a:latin typeface="+mn-lt"/>
+          <a:ea typeface="+mn-ea"/>
+          <a:cs typeface="+mn-cs"/>
+        </a:defRPr>
+      </a:lvl8pPr>
+      <a:lvl9pPr marL="3886200" indent="-228600" algn="l" defTabSz="914400" rtl="0" eaLnBrk="1" latinLnBrk="0" hangingPunct="1">
+        <a:lnSpc>
+          <a:spcPct val="90000"/>
+        </a:lnSpc>
+        <a:spcBef>
+          <a:spcPts val="500"/>
+        </a:spcBef>
+        <a:buFont typeface="Arial" panose="020B0604020202020204" pitchFamily="34" charset="0"/>
+        <a:buChar char="•"/>
+        <a:defRPr sz="1800" kern="1200">
+          <a:solidFill>
+            <a:schemeClr val="tx1"/>
+          </a:solidFill>
+          <a:latin typeface="+mn-lt"/>
+          <a:ea typeface="+mn-ea"/>
+          <a:cs typeface="+mn-cs"/>
+        </a:defRPr>
+      </a:lvl9pPr>
+    </p:bodyStyle>
+    <p:otherStyle>
+      <a:defPPr>
+        <a:defRPr lang="en-US"/>
+      </a:defPPr>
+      <a:lvl1pPr marL="0" algn="l" defTabSz="914400" rtl="0" eaLnBrk="1" latinLnBrk="0" hangingPunct="1">
+        <a:defRPr sz="1800" kern="1200">
+          <a:solidFill>
+            <a:schemeClr val="tx1"/>
+          </a:solidFill>
+          <a:latin typeface="+mn-lt"/>
+          <a:ea typeface="+mn-ea"/>
+          <a:cs typeface="+mn-cs"/>
+        </a:defRPr>
+      </a:lvl1pPr>
+      <a:lvl2pPr marL="457200" algn="l" defTabSz="914400" rtl="0" eaLnBrk="1" latinLnBrk="0" hangingPunct="1">
+        <a:defRPr sz="1800" kern="1200">
+          <a:solidFill>
+            <a:schemeClr val="tx1"/>
+          </a:solidFill>
+          <a:latin typeface="+mn-lt"/>
+          <a:ea typeface="+mn-ea"/>
+          <a:cs typeface="+mn-cs"/>
+        </a:defRPr>
+      </a:lvl2pPr>
+      <a:lvl3pPr marL="914400" algn="l" defTabSz="914400" rtl="0" eaLnBrk="1" latinLnBrk="0" hangingPunct="1">
+        <a:defRPr sz="1800" kern="1200">
+          <a:solidFill>
+            <a:schemeClr val="tx1"/>
+          </a:solidFill>
+          <a:latin typeface="+mn-lt"/>
+          <a:ea typeface="+mn-ea"/>
+          <a:cs typeface="+mn-cs"/>
+        </a:defRPr>
+      </a:lvl3pPr>
+      <a:lvl4pPr marL="1371600" algn="l" defTabSz="914400" rtl="0" eaLnBrk="1" latinLnBrk="0" hangingPunct="1">
+        <a:defRPr sz="1800" kern="1200">
+          <a:solidFill>
+            <a:schemeClr val="tx1"/>
+          </a:solidFill>
+          <a:latin typeface="+mn-lt"/>
+          <a:ea typeface="+mn-ea"/>
+          <a:cs typeface="+mn-cs"/>
+        </a:defRPr>
+      </a:lvl4pPr>
+      <a:lvl5pPr marL="1828800" algn="l" defTabSz="914400" rtl="0" eaLnBrk="1" latinLnBrk="0" hangingPunct="1">
+        <a:defRPr sz="1800" kern="1200">
+          <a:solidFill>
+            <a:schemeClr val="tx1"/>
+          </a:solidFill>
+          <a:latin typeface="+mn-lt"/>
+          <a:ea typeface="+mn-ea"/>
+          <a:cs typeface="+mn-cs"/>
+        </a:defRPr>
+      </a:lvl5pPr>
+      <a:lvl6pPr marL="2286000" algn="l" defTabSz="914400" rtl="0" eaLnBrk="1" latinLnBrk="0" hangingPunct="1">
+        <a:defRPr sz="1800" kern="1200">
+          <a:solidFill>
+            <a:schemeClr val="tx1"/>
+          </a:solidFill>
+          <a:latin typeface="+mn-lt"/>
+          <a:ea typeface="+mn-ea"/>
+          <a:cs typeface="+mn-cs"/>
+        </a:defRPr>
+      </a:lvl6pPr>
+      <a:lvl7pPr marL="2743200" algn="l" defTabSz="914400" rtl="0" eaLnBrk="1" latinLnBrk="0" hangingPunct="1">
+        <a:defRPr sz="1800" kern="1200">
+          <a:solidFill>
+            <a:schemeClr val="tx1"/>
+          </a:solidFill>
+          <a:latin typeface="+mn-lt"/>
+          <a:ea typeface="+mn-ea"/>
+          <a:cs typeface="+mn-cs"/>
+        </a:defRPr>
+      </a:lvl7pPr>
+      <a:lvl8pPr marL="3200400" algn="l" defTabSz="914400" rtl="0" eaLnBrk="1" latinLnBrk="0" hangingPunct="1">
+        <a:defRPr sz="1800" kern="1200">
+          <a:solidFill>
+            <a:schemeClr val="tx1"/>
+          </a:solidFill>
+          <a:latin typeface="+mn-lt"/>
+          <a:ea typeface="+mn-ea"/>
+          <a:cs typeface="+mn-cs"/>
+        </a:defRPr>
+      </a:lvl8pPr>
+      <a:lvl9pPr marL="3657600" algn="l" defTabSz="914400" rtl="0" eaLnBrk="1" latinLnBrk="0" hangingPunct="1">
+        <a:defRPr sz="1800" kern="1200">
+          <a:solidFill>
+            <a:schemeClr val="tx1"/>
+          </a:solidFill>
+          <a:latin typeface="+mn-lt"/>
+          <a:ea typeface="+mn-ea"/>
+          <a:cs typeface="+mn-cs"/>
+        </a:defRPr>
+      </a:lvl9pPr>
+    </p:otherStyle>
+  </p:txStyles>
 </p:sldMaster>
 </file>
 
 <file path=ppt/slides/slide1.xml><?xml version="1.0" encoding="utf-8"?>
-<p:sld xmlns:a="http://schemas.openxmlformats.org/drawingml/2006/main" xmlns:p="http://schemas.openxmlformats.org/presentationml/2006/main" xmlns:r="http://schemas.openxmlformats.org/officeDocument/2006/relationships" xmlns:p14="http://schemas.microsoft.com/office/powerpoint/2010/main" xmlns:p15="http://schemas.microsoft.com/office/powerpoint/2012/main" xmlns:mc="http://schemas.openxmlformats.org/markup-compatibility/2006">
+<p:sld xmlns:a="http://schemas.openxmlformats.org/drawingml/2006/main" xmlns:r="http://schemas.openxmlformats.org/officeDocument/2006/relationships" xmlns:p="http://schemas.openxmlformats.org/presentationml/2006/main">
   <p:cSld>
     <p:spTree>
       <p:nvGrpSpPr>
@@ -5816,30 +6184,6 @@
       </p:grpSpPr>
       <p:pic>
         <p:nvPicPr>
-          <p:cNvPr id="57" name="Picture 38" descr=""/>
-          <p:cNvPicPr/>
-          <p:nvPr/>
-        </p:nvPicPr>
-        <p:blipFill>
-          <a:blip r:embed="rId1"/>
-          <a:stretch/>
-        </p:blipFill>
-        <p:spPr>
-          <a:xfrm>
-            <a:off x="134280" y="923760"/>
-            <a:ext cx="3581280" cy="5410080"/>
-          </a:xfrm>
-          <a:prstGeom prst="rect">
-            <a:avLst/>
-          </a:prstGeom>
-          <a:noFill/>
-          <a:ln w="0">
-            <a:noFill/>
-          </a:ln>
-        </p:spPr>
-      </p:pic>
-      <p:pic>
-        <p:nvPicPr>
           <p:cNvPr id="58" name="Picture 10" descr="A close up of a word&#10;&#10;Description automatically generated"/>
           <p:cNvPicPr/>
           <p:nvPr/>
@@ -5850,7 +6194,7 @@
         </p:blipFill>
         <p:spPr>
           <a:xfrm>
-            <a:off x="2575800" y="197640"/>
+            <a:off x="847234" y="5871555"/>
             <a:ext cx="4324320" cy="494640"/>
           </a:xfrm>
           <a:prstGeom prst="rect">
@@ -5870,8 +6214,8 @@
         </p:nvSpPr>
         <p:spPr>
           <a:xfrm>
-            <a:off x="7533360" y="854280"/>
-            <a:ext cx="3696840" cy="364680"/>
+            <a:off x="107655" y="411725"/>
+            <a:ext cx="3239774" cy="364680"/>
           </a:xfrm>
           <a:prstGeom prst="rect">
             <a:avLst/>
@@ -5882,15 +6226,22 @@
           </a:ln>
         </p:spPr>
         <p:style>
-          <a:lnRef idx="0"/>
-          <a:fillRef idx="0"/>
-          <a:effectRef idx="0"/>
+          <a:lnRef idx="0">
+            <a:scrgbClr r="0" g="0" b="0"/>
+          </a:lnRef>
+          <a:fillRef idx="0">
+            <a:scrgbClr r="0" g="0" b="0"/>
+          </a:fillRef>
+          <a:effectRef idx="0">
+            <a:scrgbClr r="0" g="0" b="0"/>
+          </a:effectRef>
           <a:fontRef idx="minor"/>
         </p:style>
         <p:txBody>
-          <a:bodyPr wrap="none" lIns="90000" rIns="90000" tIns="45000" bIns="45000" anchor="t">
+          <a:bodyPr wrap="square" lIns="90000" tIns="45000" rIns="90000" bIns="45000" anchor="t">
             <a:spAutoFit/>
           </a:bodyPr>
+          <a:lstStyle/>
           <a:p>
             <a:pPr defTabSz="914400">
               <a:lnSpc>
@@ -5898,7 +6249,7 @@
               </a:lnSpc>
             </a:pPr>
             <a:r>
-              <a:rPr b="0" lang="en-US" sz="1800" strike="noStrike" u="none">
+              <a:rPr lang="en-US" sz="1800" b="0" u="none" strike="noStrike" dirty="0">
                 <a:solidFill>
                   <a:schemeClr val="dk1"/>
                 </a:solidFill>
@@ -5908,7 +6259,7 @@
               </a:rPr>
               <a:t>Quick Search combining labels</a:t>
             </a:r>
-            <a:endParaRPr b="0" lang="en-US" sz="1800" strike="noStrike" u="none">
+            <a:endParaRPr lang="en-US" sz="1800" b="0" u="none" strike="noStrike" dirty="0">
               <a:solidFill>
                 <a:srgbClr val="000000"/>
               </a:solidFill>
@@ -5919,30 +6270,6 @@
           </a:p>
         </p:txBody>
       </p:sp>
-      <p:pic>
-        <p:nvPicPr>
-          <p:cNvPr id="60" name="Picture 17" descr=""/>
-          <p:cNvPicPr/>
-          <p:nvPr/>
-        </p:nvPicPr>
-        <p:blipFill>
-          <a:blip r:embed="rId3"/>
-          <a:stretch/>
-        </p:blipFill>
-        <p:spPr>
-          <a:xfrm>
-            <a:off x="7456680" y="1462320"/>
-            <a:ext cx="3457080" cy="3699360"/>
-          </a:xfrm>
-          <a:prstGeom prst="rect">
-            <a:avLst/>
-          </a:prstGeom>
-          <a:noFill/>
-          <a:ln w="0">
-            <a:noFill/>
-          </a:ln>
-        </p:spPr>
-      </p:pic>
       <p:sp>
         <p:nvSpPr>
           <p:cNvPr id="61" name="TextBox 20"/>
@@ -5951,8 +6278,8 @@
         </p:nvSpPr>
         <p:spPr>
           <a:xfrm>
-            <a:off x="3977280" y="3751200"/>
-            <a:ext cx="3297600" cy="1199520"/>
+            <a:off x="8468282" y="2764748"/>
+            <a:ext cx="3297600" cy="644877"/>
           </a:xfrm>
           <a:prstGeom prst="rect">
             <a:avLst/>
@@ -5963,15 +6290,22 @@
           </a:ln>
         </p:spPr>
         <p:style>
-          <a:lnRef idx="0"/>
-          <a:fillRef idx="0"/>
-          <a:effectRef idx="0"/>
+          <a:lnRef idx="0">
+            <a:scrgbClr r="0" g="0" b="0"/>
+          </a:lnRef>
+          <a:fillRef idx="0">
+            <a:scrgbClr r="0" g="0" b="0"/>
+          </a:fillRef>
+          <a:effectRef idx="0">
+            <a:scrgbClr r="0" g="0" b="0"/>
+          </a:effectRef>
           <a:fontRef idx="minor"/>
         </p:style>
         <p:txBody>
-          <a:bodyPr lIns="90000" rIns="90000" tIns="45000" bIns="45000" anchor="t">
+          <a:bodyPr lIns="90000" tIns="45000" rIns="90000" bIns="45000" anchor="t">
             <a:spAutoFit/>
           </a:bodyPr>
+          <a:lstStyle/>
           <a:p>
             <a:pPr defTabSz="914400">
               <a:lnSpc>
@@ -5979,7 +6313,7 @@
               </a:lnSpc>
             </a:pPr>
             <a:r>
-              <a:rPr b="0" lang="en-US" sz="1800" strike="noStrike" u="none">
+              <a:rPr lang="en-US" sz="1800" b="0" u="none" strike="noStrike" dirty="0">
                 <a:solidFill>
                   <a:schemeClr val="dk1"/>
                 </a:solidFill>
@@ -5987,56 +6321,10 @@
                 <a:uFillTx/>
                 <a:latin typeface="Aptos"/>
               </a:rPr>
-              <a:t>Search Options for Space, Type, Page Size, Default Space (setting, last accessed or global)</a:t>
-            </a:r>
-            <a:endParaRPr b="0" lang="en-US" sz="1800" strike="noStrike" u="none">
-              <a:solidFill>
-                <a:srgbClr val="000000"/>
-              </a:solidFill>
-              <a:effectLst/>
-              <a:uFillTx/>
-              <a:latin typeface="Arial"/>
-            </a:endParaRPr>
-          </a:p>
-        </p:txBody>
-      </p:sp>
-      <p:sp>
-        <p:nvSpPr>
-          <p:cNvPr id="62" name="TextBox 21"/>
-          <p:cNvSpPr/>
-          <p:nvPr/>
-        </p:nvSpPr>
-        <p:spPr>
-          <a:xfrm>
-            <a:off x="8229600" y="5257800"/>
-            <a:ext cx="2347560" cy="363960"/>
-          </a:xfrm>
-          <a:prstGeom prst="rect">
-            <a:avLst/>
-          </a:prstGeom>
-          <a:noFill/>
-          <a:ln w="0">
-            <a:noFill/>
-          </a:ln>
-        </p:spPr>
-        <p:style>
-          <a:lnRef idx="0"/>
-          <a:fillRef idx="0"/>
-          <a:effectRef idx="0"/>
-          <a:fontRef idx="minor"/>
-        </p:style>
-        <p:txBody>
-          <a:bodyPr wrap="none" lIns="90000" rIns="90000" tIns="45000" bIns="45000" anchor="t">
-            <a:spAutoFit/>
-          </a:bodyPr>
-          <a:p>
-            <a:pPr defTabSz="914400">
-              <a:lnSpc>
-                <a:spcPct val="100000"/>
-              </a:lnSpc>
-            </a:pPr>
-            <a:r>
-              <a:rPr b="0" lang="en-US" sz="1800" strike="noStrike" u="none">
+              <a:t>Search </a:t>
+            </a:r>
+            <a:r>
+              <a:rPr lang="en-US" sz="1800" b="1" u="none" strike="noStrike" dirty="0">
                 <a:solidFill>
                   <a:schemeClr val="dk1"/>
                 </a:solidFill>
@@ -6044,9 +6332,20 @@
                 <a:uFillTx/>
                 <a:latin typeface="Aptos"/>
               </a:rPr>
-              <a:t>Search from Popup</a:t>
-            </a:r>
-            <a:endParaRPr b="0" lang="en-US" sz="1800" strike="noStrike" u="none">
+              <a:t>Options</a:t>
+            </a:r>
+            <a:r>
+              <a:rPr lang="en-US" sz="1800" b="0" u="none" strike="noStrike" dirty="0">
+                <a:solidFill>
+                  <a:schemeClr val="dk1"/>
+                </a:solidFill>
+                <a:effectLst/>
+                <a:uFillTx/>
+                <a:latin typeface="Aptos"/>
+              </a:rPr>
+              <a:t> for Type, Result Limit, Default Space</a:t>
+            </a:r>
+            <a:endParaRPr lang="en-US" sz="1800" b="0" u="none" strike="noStrike" dirty="0">
               <a:solidFill>
                 <a:srgbClr val="000000"/>
               </a:solidFill>
@@ -6065,8 +6364,8 @@
         </p:nvSpPr>
         <p:spPr>
           <a:xfrm>
-            <a:off x="220680" y="225360"/>
-            <a:ext cx="2667240" cy="363960"/>
+            <a:off x="761000" y="5380146"/>
+            <a:ext cx="3949712" cy="367878"/>
           </a:xfrm>
           <a:prstGeom prst="rect">
             <a:avLst/>
@@ -6077,15 +6376,22 @@
           </a:ln>
         </p:spPr>
         <p:style>
-          <a:lnRef idx="0"/>
-          <a:fillRef idx="0"/>
-          <a:effectRef idx="0"/>
+          <a:lnRef idx="0">
+            <a:scrgbClr r="0" g="0" b="0"/>
+          </a:lnRef>
+          <a:fillRef idx="0">
+            <a:scrgbClr r="0" g="0" b="0"/>
+          </a:fillRef>
+          <a:effectRef idx="0">
+            <a:scrgbClr r="0" g="0" b="0"/>
+          </a:effectRef>
           <a:fontRef idx="minor"/>
         </p:style>
         <p:txBody>
-          <a:bodyPr wrap="none" lIns="90000" rIns="90000" tIns="45000" bIns="45000" anchor="t">
+          <a:bodyPr wrap="none" lIns="90000" tIns="45000" rIns="90000" bIns="45000" anchor="t">
             <a:spAutoFit/>
           </a:bodyPr>
+          <a:lstStyle/>
           <a:p>
             <a:pPr defTabSz="914400">
               <a:lnSpc>
@@ -6093,7 +6399,7 @@
               </a:lnSpc>
             </a:pPr>
             <a:r>
-              <a:rPr b="0" lang="en-US" sz="1800" strike="noStrike" u="none">
+              <a:rPr lang="en-US" sz="1800" b="0" u="none" strike="noStrike" dirty="0">
                 <a:solidFill>
                   <a:schemeClr val="dk1"/>
                 </a:solidFill>
@@ -6101,182 +6407,9 @@
                 <a:uFillTx/>
                 <a:latin typeface="Aptos"/>
               </a:rPr>
-              <a:t>Search from Omnibox</a:t>
-            </a:r>
-            <a:endParaRPr b="0" lang="en-US" sz="1800" strike="noStrike" u="none">
-              <a:solidFill>
-                <a:srgbClr val="000000"/>
-              </a:solidFill>
-              <a:effectLst/>
-              <a:uFillTx/>
-              <a:latin typeface="Arial"/>
-            </a:endParaRPr>
-          </a:p>
-        </p:txBody>
-      </p:sp>
-      <p:sp>
-        <p:nvSpPr>
-          <p:cNvPr id="64" name="TextBox 23"/>
-          <p:cNvSpPr/>
-          <p:nvPr/>
-        </p:nvSpPr>
-        <p:spPr>
-          <a:xfrm>
-            <a:off x="3886200" y="5257800"/>
-            <a:ext cx="3980160" cy="364320"/>
-          </a:xfrm>
-          <a:prstGeom prst="rect">
-            <a:avLst/>
-          </a:prstGeom>
-          <a:noFill/>
-          <a:ln w="0">
-            <a:noFill/>
-          </a:ln>
-        </p:spPr>
-        <p:style>
-          <a:lnRef idx="0"/>
-          <a:fillRef idx="0"/>
-          <a:effectRef idx="0"/>
-          <a:fontRef idx="minor"/>
-        </p:style>
-        <p:txBody>
-          <a:bodyPr wrap="none" lIns="90000" rIns="90000" tIns="45000" bIns="45000" anchor="t">
-            <a:spAutoFit/>
-          </a:bodyPr>
-          <a:p>
-            <a:pPr defTabSz="914400">
-              <a:lnSpc>
-                <a:spcPct val="100000"/>
-              </a:lnSpc>
-            </a:pPr>
-            <a:r>
-              <a:rPr b="0" lang="en-US" sz="1800" strike="noStrike" u="none">
-                <a:solidFill>
-                  <a:schemeClr val="dk1"/>
-                </a:solidFill>
-                <a:effectLst/>
-                <a:uFillTx/>
-                <a:latin typeface="Aptos"/>
-              </a:rPr>
-              <a:t>Numbered Headings </a:t>
-            </a:r>
-            <a:r>
-              <a:rPr b="0" lang="en-US" sz="1400" strike="noStrike" u="none">
-                <a:solidFill>
-                  <a:schemeClr val="dk1"/>
-                </a:solidFill>
-                <a:effectLst/>
-                <a:uFillTx/>
-                <a:latin typeface="Aptos"/>
-              </a:rPr>
-              <a:t>(context-menu)</a:t>
-            </a:r>
-            <a:endParaRPr b="0" lang="en-US" sz="1400" strike="noStrike" u="none">
-              <a:solidFill>
-                <a:srgbClr val="000000"/>
-              </a:solidFill>
-              <a:effectLst/>
-              <a:uFillTx/>
-              <a:latin typeface="Arial"/>
-            </a:endParaRPr>
-          </a:p>
-        </p:txBody>
-      </p:sp>
-      <p:cxnSp>
-        <p:nvCxnSpPr>
-          <p:cNvPr id="65" name="Straight Arrow Connector 25"/>
-          <p:cNvCxnSpPr>
-            <a:stCxn id="59" idx="2"/>
-          </p:cNvCxnSpPr>
-          <p:nvPr/>
-        </p:nvCxnSpPr>
-        <p:spPr>
-          <a:xfrm flipH="1">
-            <a:off x="8293680" y="1218960"/>
-            <a:ext cx="1088280" cy="830880"/>
-          </a:xfrm>
-          <a:prstGeom prst="straightConnector1">
-            <a:avLst/>
-          </a:prstGeom>
-          <a:ln w="0">
-            <a:solidFill>
-              <a:srgbClr val="156082"/>
-            </a:solidFill>
-            <a:tailEnd len="med" type="triangle" w="med"/>
-          </a:ln>
-        </p:spPr>
-      </p:cxnSp>
-      <p:pic>
-        <p:nvPicPr>
-          <p:cNvPr id="66" name="Picture 29" descr=""/>
-          <p:cNvPicPr/>
-          <p:nvPr/>
-        </p:nvPicPr>
-        <p:blipFill>
-          <a:blip r:embed="rId4"/>
-          <a:stretch/>
-        </p:blipFill>
-        <p:spPr>
-          <a:xfrm>
-            <a:off x="3886200" y="5801040"/>
-            <a:ext cx="5600880" cy="828000"/>
-          </a:xfrm>
-          <a:prstGeom prst="rect">
-            <a:avLst/>
-          </a:prstGeom>
-          <a:noFill/>
-          <a:ln w="0">
-            <a:noFill/>
-          </a:ln>
-        </p:spPr>
-      </p:pic>
-      <p:sp>
-        <p:nvSpPr>
-          <p:cNvPr id="67" name="TextBox 30"/>
-          <p:cNvSpPr/>
-          <p:nvPr/>
-        </p:nvSpPr>
-        <p:spPr>
-          <a:xfrm>
-            <a:off x="140760" y="6397200"/>
-            <a:ext cx="2757960" cy="363960"/>
-          </a:xfrm>
-          <a:prstGeom prst="rect">
-            <a:avLst/>
-          </a:prstGeom>
-          <a:noFill/>
-          <a:ln w="0">
-            <a:noFill/>
-          </a:ln>
-        </p:spPr>
-        <p:style>
-          <a:lnRef idx="0"/>
-          <a:fillRef idx="0"/>
-          <a:effectRef idx="0"/>
-          <a:fontRef idx="minor"/>
-        </p:style>
-        <p:txBody>
-          <a:bodyPr wrap="none" lIns="90000" rIns="90000" tIns="45000" bIns="45000" anchor="t">
-            <a:spAutoFit/>
-          </a:bodyPr>
-          <a:p>
-            <a:pPr defTabSz="914400">
-              <a:lnSpc>
-                <a:spcPct val="100000"/>
-              </a:lnSpc>
-            </a:pPr>
-            <a:r>
-              <a:rPr b="0" lang="en-US" sz="1800" strike="noStrike" u="none">
-                <a:solidFill>
-                  <a:schemeClr val="dk1"/>
-                </a:solidFill>
-                <a:effectLst/>
-                <a:uFillTx/>
-                <a:latin typeface="Aptos"/>
-              </a:rPr>
-              <a:t>Search in New window</a:t>
-            </a:r>
-            <a:endParaRPr b="0" lang="en-US" sz="1800" strike="noStrike" u="none">
+              <a:t>Search from Omnibox with keyword ‘c’</a:t>
+            </a:r>
+            <a:endParaRPr lang="en-US" sz="1800" b="0" u="none" strike="noStrike" dirty="0">
               <a:solidFill>
                 <a:srgbClr val="000000"/>
               </a:solidFill>
@@ -6295,8 +6428,8 @@
         </p:nvSpPr>
         <p:spPr>
           <a:xfrm>
-            <a:off x="4572000" y="914400"/>
-            <a:ext cx="2514240" cy="363960"/>
+            <a:off x="3347429" y="739069"/>
+            <a:ext cx="2137601" cy="367878"/>
           </a:xfrm>
           <a:prstGeom prst="rect">
             <a:avLst/>
@@ -6307,15 +6440,22 @@
           </a:ln>
         </p:spPr>
         <p:style>
-          <a:lnRef idx="0"/>
-          <a:fillRef idx="0"/>
-          <a:effectRef idx="0"/>
+          <a:lnRef idx="0">
+            <a:scrgbClr r="0" g="0" b="0"/>
+          </a:lnRef>
+          <a:fillRef idx="0">
+            <a:scrgbClr r="0" g="0" b="0"/>
+          </a:fillRef>
+          <a:effectRef idx="0">
+            <a:scrgbClr r="0" g="0" b="0"/>
+          </a:effectRef>
           <a:fontRef idx="minor"/>
         </p:style>
         <p:txBody>
-          <a:bodyPr lIns="90000" rIns="90000" tIns="45000" bIns="45000" anchor="t">
+          <a:bodyPr wrap="square" lIns="90000" tIns="45000" rIns="90000" bIns="45000" anchor="t">
             <a:spAutoFit/>
           </a:bodyPr>
+          <a:lstStyle/>
           <a:p>
             <a:pPr defTabSz="914400">
               <a:lnSpc>
@@ -6323,7 +6463,7 @@
               </a:lnSpc>
             </a:pPr>
             <a:r>
-              <a:rPr b="0" lang="en-US" sz="1800" strike="noStrike" u="none">
+              <a:rPr lang="en-US" sz="1800" b="0" u="none" strike="noStrike" dirty="0">
                 <a:solidFill>
                   <a:schemeClr val="dk1"/>
                 </a:solidFill>
@@ -6333,41 +6473,9 @@
               </a:rPr>
               <a:t>Support Pagination</a:t>
             </a:r>
-            <a:endParaRPr b="0" lang="en-US" sz="1800" strike="noStrike" u="none">
-              <a:solidFill>
-                <a:srgbClr val="000000"/>
-              </a:solidFill>
-              <a:effectLst/>
-              <a:uFillTx/>
-              <a:latin typeface="Arial"/>
-            </a:endParaRPr>
           </a:p>
         </p:txBody>
       </p:sp>
-      <p:cxnSp>
-        <p:nvCxnSpPr>
-          <p:cNvPr id="69" name="Straight Arrow Connector 33"/>
-          <p:cNvCxnSpPr>
-            <a:stCxn id="68" idx="1"/>
-          </p:cNvCxnSpPr>
-          <p:nvPr/>
-        </p:nvCxnSpPr>
-        <p:spPr>
-          <a:xfrm flipH="1">
-            <a:off x="1729800" y="1096200"/>
-            <a:ext cx="2842560" cy="2061000"/>
-          </a:xfrm>
-          <a:prstGeom prst="straightConnector1">
-            <a:avLst/>
-          </a:prstGeom>
-          <a:ln w="0">
-            <a:solidFill>
-              <a:srgbClr val="156082"/>
-            </a:solidFill>
-            <a:tailEnd len="med" type="triangle" w="med"/>
-          </a:ln>
-        </p:spPr>
-      </p:cxnSp>
       <p:sp>
         <p:nvSpPr>
           <p:cNvPr id="70" name="TextBox 5"/>
@@ -6376,8 +6484,8 @@
         </p:nvSpPr>
         <p:spPr>
           <a:xfrm>
-            <a:off x="9601200" y="5715000"/>
-            <a:ext cx="2459160" cy="516600"/>
+            <a:off x="565731" y="4532966"/>
+            <a:ext cx="5298639" cy="644877"/>
           </a:xfrm>
           <a:prstGeom prst="rect">
             <a:avLst/>
@@ -6388,15 +6496,22 @@
           </a:ln>
         </p:spPr>
         <p:style>
-          <a:lnRef idx="0"/>
-          <a:fillRef idx="0"/>
-          <a:effectRef idx="0"/>
+          <a:lnRef idx="0">
+            <a:scrgbClr r="0" g="0" b="0"/>
+          </a:lnRef>
+          <a:fillRef idx="0">
+            <a:scrgbClr r="0" g="0" b="0"/>
+          </a:fillRef>
+          <a:effectRef idx="0">
+            <a:scrgbClr r="0" g="0" b="0"/>
+          </a:effectRef>
           <a:fontRef idx="minor"/>
         </p:style>
         <p:txBody>
-          <a:bodyPr lIns="90000" rIns="90000" tIns="45000" bIns="45000" anchor="t">
+          <a:bodyPr wrap="square" lIns="90000" tIns="45000" rIns="90000" bIns="45000" anchor="t">
             <a:spAutoFit/>
           </a:bodyPr>
+          <a:lstStyle/>
           <a:p>
             <a:pPr defTabSz="914400">
               <a:lnSpc>
@@ -6404,7 +6519,7 @@
               </a:lnSpc>
             </a:pPr>
             <a:r>
-              <a:rPr b="1" lang="en-US" sz="1400" strike="noStrike" u="none">
+              <a:rPr lang="en-US" u="none" strike="noStrike" dirty="0">
                 <a:solidFill>
                   <a:schemeClr val="dk1"/>
                 </a:solidFill>
@@ -6412,10 +6527,32 @@
                 <a:uFillTx/>
                 <a:latin typeface="Aptos"/>
               </a:rPr>
+              <a:t>Open native </a:t>
+            </a:r>
+            <a:r>
+              <a:rPr lang="en-US" b="1" u="none" strike="noStrike" dirty="0">
+                <a:solidFill>
+                  <a:schemeClr val="dk1"/>
+                </a:solidFill>
+                <a:effectLst/>
+                <a:uFillTx/>
+                <a:latin typeface="Aptos"/>
+              </a:rPr>
+              <a:t>Confluence advanced Search with </a:t>
+            </a:r>
+            <a:r>
+              <a:rPr lang="en-US" b="1" u="none" strike="noStrike" dirty="0" err="1">
+                <a:solidFill>
+                  <a:schemeClr val="dk1"/>
+                </a:solidFill>
+                <a:effectLst/>
+                <a:uFillTx/>
+                <a:latin typeface="Aptos"/>
+              </a:rPr>
               <a:t>Ctrl</a:t>
             </a:r>
             <a:r>
-              <a:rPr b="0" lang="en-US" sz="1400" strike="noStrike" u="none">
+              <a:rPr lang="en-US" b="0" u="none" strike="noStrike" dirty="0" err="1">
                 <a:solidFill>
                   <a:schemeClr val="dk1"/>
                 </a:solidFill>
@@ -6423,9 +6560,304 @@
                 <a:uFillTx/>
                 <a:latin typeface="Aptos"/>
               </a:rPr>
-              <a:t>+ Submit to open advanced search</a:t>
-            </a:r>
-            <a:endParaRPr b="0" lang="en-US" sz="1400" strike="noStrike" u="none">
+              <a:t>+Submit</a:t>
+            </a:r>
+            <a:r>
+              <a:rPr lang="en-US" b="0" u="none" strike="noStrike" dirty="0">
+                <a:solidFill>
+                  <a:schemeClr val="dk1"/>
+                </a:solidFill>
+                <a:effectLst/>
+                <a:uFillTx/>
+                <a:latin typeface="Aptos"/>
+              </a:rPr>
+              <a:t> or default mode from omnibox</a:t>
+            </a:r>
+            <a:endParaRPr lang="en-US" b="0" u="none" strike="noStrike" dirty="0">
+              <a:solidFill>
+                <a:srgbClr val="000000"/>
+              </a:solidFill>
+              <a:effectLst/>
+              <a:uFillTx/>
+              <a:latin typeface="Arial"/>
+            </a:endParaRPr>
+          </a:p>
+        </p:txBody>
+      </p:sp>
+      <p:pic>
+        <p:nvPicPr>
+          <p:cNvPr id="3" name="Picture 2">
+            <a:extLst>
+              <a:ext uri="{FF2B5EF4-FFF2-40B4-BE49-F238E27FC236}">
+                <a16:creationId xmlns:a16="http://schemas.microsoft.com/office/drawing/2014/main" id="{7B31C742-68E2-A416-DDCC-B30411A19087}"/>
+              </a:ext>
+            </a:extLst>
+          </p:cNvPr>
+          <p:cNvPicPr>
+            <a:picLocks noChangeAspect="1"/>
+          </p:cNvPicPr>
+          <p:nvPr/>
+        </p:nvPicPr>
+        <p:blipFill>
+          <a:blip r:embed="rId3"/>
+          <a:stretch>
+            <a:fillRect/>
+          </a:stretch>
+        </p:blipFill>
+        <p:spPr>
+          <a:xfrm>
+            <a:off x="220680" y="1260825"/>
+            <a:ext cx="3601747" cy="3013897"/>
+          </a:xfrm>
+          <a:prstGeom prst="rect">
+            <a:avLst/>
+          </a:prstGeom>
+        </p:spPr>
+      </p:pic>
+      <p:cxnSp>
+        <p:nvCxnSpPr>
+          <p:cNvPr id="69" name="Straight Arrow Connector 33"/>
+          <p:cNvCxnSpPr>
+            <a:cxnSpLocks/>
+          </p:cNvCxnSpPr>
+          <p:nvPr/>
+        </p:nvCxnSpPr>
+        <p:spPr>
+          <a:xfrm flipH="1">
+            <a:off x="998667" y="942597"/>
+            <a:ext cx="2348762" cy="1095675"/>
+          </a:xfrm>
+          <a:prstGeom prst="straightConnector1">
+            <a:avLst/>
+          </a:prstGeom>
+          <a:ln w="0">
+            <a:solidFill>
+              <a:srgbClr val="156082"/>
+            </a:solidFill>
+            <a:tailEnd type="triangle" w="med" len="med"/>
+          </a:ln>
+        </p:spPr>
+      </p:cxnSp>
+      <p:cxnSp>
+        <p:nvCxnSpPr>
+          <p:cNvPr id="65" name="Straight Arrow Connector 25"/>
+          <p:cNvCxnSpPr>
+            <a:cxnSpLocks/>
+          </p:cNvCxnSpPr>
+          <p:nvPr/>
+        </p:nvCxnSpPr>
+        <p:spPr>
+          <a:xfrm>
+            <a:off x="761000" y="776405"/>
+            <a:ext cx="0" cy="843119"/>
+          </a:xfrm>
+          <a:prstGeom prst="straightConnector1">
+            <a:avLst/>
+          </a:prstGeom>
+          <a:ln w="0">
+            <a:solidFill>
+              <a:srgbClr val="156082"/>
+            </a:solidFill>
+            <a:tailEnd type="triangle" w="med" len="med"/>
+          </a:ln>
+        </p:spPr>
+      </p:cxnSp>
+      <p:sp>
+        <p:nvSpPr>
+          <p:cNvPr id="10" name="TextBox 31">
+            <a:extLst>
+              <a:ext uri="{FF2B5EF4-FFF2-40B4-BE49-F238E27FC236}">
+                <a16:creationId xmlns:a16="http://schemas.microsoft.com/office/drawing/2014/main" id="{1861310C-E604-6677-7DDE-670793593E9D}"/>
+              </a:ext>
+            </a:extLst>
+          </p:cNvPr>
+          <p:cNvSpPr/>
+          <p:nvPr/>
+        </p:nvSpPr>
+        <p:spPr>
+          <a:xfrm>
+            <a:off x="4416229" y="1617835"/>
+            <a:ext cx="3297600" cy="1198875"/>
+          </a:xfrm>
+          <a:prstGeom prst="rect">
+            <a:avLst/>
+          </a:prstGeom>
+          <a:noFill/>
+          <a:ln w="0">
+            <a:noFill/>
+          </a:ln>
+        </p:spPr>
+        <p:style>
+          <a:lnRef idx="0">
+            <a:scrgbClr r="0" g="0" b="0"/>
+          </a:lnRef>
+          <a:fillRef idx="0">
+            <a:scrgbClr r="0" g="0" b="0"/>
+          </a:fillRef>
+          <a:effectRef idx="0">
+            <a:scrgbClr r="0" g="0" b="0"/>
+          </a:effectRef>
+          <a:fontRef idx="minor"/>
+        </p:style>
+        <p:txBody>
+          <a:bodyPr wrap="square" lIns="90000" tIns="45000" rIns="90000" bIns="45000" anchor="t">
+            <a:spAutoFit/>
+          </a:bodyPr>
+          <a:lstStyle/>
+          <a:p>
+            <a:pPr defTabSz="914400">
+              <a:lnSpc>
+                <a:spcPct val="100000"/>
+              </a:lnSpc>
+            </a:pPr>
+            <a:r>
+              <a:rPr lang="en-US" sz="1800" b="0" u="none" strike="noStrike" dirty="0">
+                <a:solidFill>
+                  <a:schemeClr val="dk1"/>
+                </a:solidFill>
+                <a:effectLst/>
+                <a:uFillTx/>
+                <a:latin typeface="Aptos"/>
+              </a:rPr>
+              <a:t>Possibility to quick search in predefined spaces included ‘last accessed’ also with keyword overwrite</a:t>
+            </a:r>
+            <a:endParaRPr lang="en-US" sz="1800" b="0" u="none" strike="noStrike" dirty="0">
+              <a:solidFill>
+                <a:srgbClr val="000000"/>
+              </a:solidFill>
+              <a:effectLst/>
+              <a:uFillTx/>
+              <a:latin typeface="Arial"/>
+            </a:endParaRPr>
+          </a:p>
+        </p:txBody>
+      </p:sp>
+      <p:cxnSp>
+        <p:nvCxnSpPr>
+          <p:cNvPr id="13" name="Straight Arrow Connector 25">
+            <a:extLst>
+              <a:ext uri="{FF2B5EF4-FFF2-40B4-BE49-F238E27FC236}">
+                <a16:creationId xmlns:a16="http://schemas.microsoft.com/office/drawing/2014/main" id="{2909062C-D6E6-29D5-F2CB-3279E0461C42}"/>
+              </a:ext>
+            </a:extLst>
+          </p:cNvPr>
+          <p:cNvCxnSpPr>
+            <a:cxnSpLocks/>
+          </p:cNvCxnSpPr>
+          <p:nvPr/>
+        </p:nvCxnSpPr>
+        <p:spPr>
+          <a:xfrm flipH="1" flipV="1">
+            <a:off x="1616386" y="2136137"/>
+            <a:ext cx="2756269" cy="70064"/>
+          </a:xfrm>
+          <a:prstGeom prst="straightConnector1">
+            <a:avLst/>
+          </a:prstGeom>
+          <a:ln w="0">
+            <a:solidFill>
+              <a:srgbClr val="156082"/>
+            </a:solidFill>
+            <a:tailEnd type="triangle" w="med" len="med"/>
+          </a:ln>
+        </p:spPr>
+      </p:cxnSp>
+      <p:pic>
+        <p:nvPicPr>
+          <p:cNvPr id="6" name="Picture 5">
+            <a:extLst>
+              <a:ext uri="{FF2B5EF4-FFF2-40B4-BE49-F238E27FC236}">
+                <a16:creationId xmlns:a16="http://schemas.microsoft.com/office/drawing/2014/main" id="{DE1BB4E0-01A5-5F62-6979-B89FAD9455F4}"/>
+              </a:ext>
+            </a:extLst>
+          </p:cNvPr>
+          <p:cNvPicPr>
+            <a:picLocks noChangeAspect="1"/>
+          </p:cNvPicPr>
+          <p:nvPr/>
+        </p:nvPicPr>
+        <p:blipFill>
+          <a:blip r:embed="rId4" cstate="print">
+            <a:extLst>
+              <a:ext uri="{28A0092B-C50C-407E-A947-70E740481C1C}">
+                <a14:useLocalDpi xmlns:a14="http://schemas.microsoft.com/office/drawing/2010/main" val="0"/>
+              </a:ext>
+            </a:extLst>
+          </a:blip>
+          <a:stretch>
+            <a:fillRect/>
+          </a:stretch>
+        </p:blipFill>
+        <p:spPr>
+          <a:xfrm>
+            <a:off x="8498370" y="146884"/>
+            <a:ext cx="2739475" cy="2520000"/>
+          </a:xfrm>
+          <a:prstGeom prst="rect">
+            <a:avLst/>
+          </a:prstGeom>
+        </p:spPr>
+      </p:pic>
+      <p:sp>
+        <p:nvSpPr>
+          <p:cNvPr id="7" name="TextBox 5">
+            <a:extLst>
+              <a:ext uri="{FF2B5EF4-FFF2-40B4-BE49-F238E27FC236}">
+                <a16:creationId xmlns:a16="http://schemas.microsoft.com/office/drawing/2014/main" id="{9608598D-208E-00DD-E4F2-4D47EF0118B1}"/>
+              </a:ext>
+            </a:extLst>
+          </p:cNvPr>
+          <p:cNvSpPr/>
+          <p:nvPr/>
+        </p:nvSpPr>
+        <p:spPr>
+          <a:xfrm>
+            <a:off x="4146633" y="3106561"/>
+            <a:ext cx="3567196" cy="644877"/>
+          </a:xfrm>
+          <a:prstGeom prst="rect">
+            <a:avLst/>
+          </a:prstGeom>
+          <a:noFill/>
+          <a:ln w="0">
+            <a:noFill/>
+          </a:ln>
+        </p:spPr>
+        <p:style>
+          <a:lnRef idx="0">
+            <a:scrgbClr r="0" g="0" b="0"/>
+          </a:lnRef>
+          <a:fillRef idx="0">
+            <a:scrgbClr r="0" g="0" b="0"/>
+          </a:fillRef>
+          <a:effectRef idx="0">
+            <a:scrgbClr r="0" g="0" b="0"/>
+          </a:effectRef>
+          <a:fontRef idx="minor"/>
+        </p:style>
+        <p:txBody>
+          <a:bodyPr wrap="square" lIns="90000" tIns="45000" rIns="90000" bIns="45000" anchor="t">
+            <a:spAutoFit/>
+          </a:bodyPr>
+          <a:lstStyle/>
+          <a:p>
+            <a:pPr defTabSz="914400">
+              <a:lnSpc>
+                <a:spcPct val="100000"/>
+              </a:lnSpc>
+            </a:pPr>
+            <a:r>
+              <a:rPr lang="en-US" u="none" strike="noStrike" dirty="0">
+                <a:solidFill>
+                  <a:schemeClr val="dk1"/>
+                </a:solidFill>
+                <a:effectLst/>
+                <a:uFillTx/>
+                <a:latin typeface="Aptos"/>
+              </a:rPr>
+              <a:t>Possibility to overwrite settings with keywords</a:t>
+            </a:r>
+            <a:endParaRPr lang="en-US" b="0" u="none" strike="noStrike" dirty="0">
               <a:solidFill>
                 <a:srgbClr val="000000"/>
               </a:solidFill>
@@ -6438,14 +6870,20 @@
       </p:sp>
       <p:sp>
         <p:nvSpPr>
-          <p:cNvPr id="71" name="TextBox 6"/>
+          <p:cNvPr id="15" name="TextBox 5">
+            <a:extLst>
+              <a:ext uri="{FF2B5EF4-FFF2-40B4-BE49-F238E27FC236}">
+                <a16:creationId xmlns:a16="http://schemas.microsoft.com/office/drawing/2014/main" id="{A0D31A4E-963B-96E0-EC52-0585D05C02E1}"/>
+              </a:ext>
+            </a:extLst>
+          </p:cNvPr>
           <p:cNvSpPr/>
           <p:nvPr/>
         </p:nvSpPr>
         <p:spPr>
           <a:xfrm>
-            <a:off x="8898120" y="264960"/>
-            <a:ext cx="2531520" cy="363960"/>
+            <a:off x="7243805" y="3829469"/>
+            <a:ext cx="4377534" cy="367878"/>
           </a:xfrm>
           <a:prstGeom prst="rect">
             <a:avLst/>
@@ -6456,15 +6894,22 @@
           </a:ln>
         </p:spPr>
         <p:style>
-          <a:lnRef idx="0"/>
-          <a:fillRef idx="0"/>
-          <a:effectRef idx="0"/>
+          <a:lnRef idx="0">
+            <a:scrgbClr r="0" g="0" b="0"/>
+          </a:lnRef>
+          <a:fillRef idx="0">
+            <a:scrgbClr r="0" g="0" b="0"/>
+          </a:fillRef>
+          <a:effectRef idx="0">
+            <a:scrgbClr r="0" g="0" b="0"/>
+          </a:effectRef>
           <a:fontRef idx="minor"/>
         </p:style>
         <p:txBody>
-          <a:bodyPr lIns="90000" rIns="90000" tIns="45000" bIns="45000" anchor="t">
+          <a:bodyPr wrap="square" lIns="90000" tIns="45000" rIns="90000" bIns="45000" anchor="t">
             <a:spAutoFit/>
           </a:bodyPr>
+          <a:lstStyle/>
           <a:p>
             <a:pPr defTabSz="914400">
               <a:lnSpc>
@@ -6472,7 +6917,7 @@
               </a:lnSpc>
             </a:pPr>
             <a:r>
-              <a:rPr b="1" lang="en-US" sz="1800" strike="noStrike" u="none">
+              <a:rPr lang="en-US" b="1" u="none" strike="noStrike" dirty="0">
                 <a:solidFill>
                   <a:schemeClr val="dk1"/>
                 </a:solidFill>
@@ -6480,10 +6925,10 @@
                 <a:uFillTx/>
                 <a:latin typeface="Aptos"/>
               </a:rPr>
-              <a:t>Copy Link </a:t>
-            </a:r>
-            <a:r>
-              <a:rPr b="0" lang="en-US" sz="1800" strike="noStrike" u="none">
+              <a:t>Label Dictionary </a:t>
+            </a:r>
+            <a:r>
+              <a:rPr lang="en-US" u="none" strike="noStrike" dirty="0">
                 <a:solidFill>
                   <a:schemeClr val="dk1"/>
                 </a:solidFill>
@@ -6491,9 +6936,9 @@
                 <a:uFillTx/>
                 <a:latin typeface="Aptos"/>
               </a:rPr>
-              <a:t>feature</a:t>
-            </a:r>
-            <a:endParaRPr b="0" lang="en-US" sz="1800" strike="noStrike" u="none">
+              <a:t>for quick search by label</a:t>
+            </a:r>
+            <a:endParaRPr lang="en-US" b="0" u="none" strike="noStrike" dirty="0">
               <a:solidFill>
                 <a:srgbClr val="000000"/>
               </a:solidFill>
@@ -6506,114 +6951,1241 @@
       </p:sp>
       <p:pic>
         <p:nvPicPr>
-          <p:cNvPr id="72" name="Picture 9" descr=""/>
-          <p:cNvPicPr/>
+          <p:cNvPr id="21" name="Picture 20">
+            <a:extLst>
+              <a:ext uri="{FF2B5EF4-FFF2-40B4-BE49-F238E27FC236}">
+                <a16:creationId xmlns:a16="http://schemas.microsoft.com/office/drawing/2014/main" id="{C72313F2-9823-AEF7-215A-7EEFD6240238}"/>
+              </a:ext>
+            </a:extLst>
+          </p:cNvPr>
+          <p:cNvPicPr>
+            <a:picLocks noChangeAspect="1"/>
+          </p:cNvPicPr>
           <p:nvPr/>
         </p:nvPicPr>
         <p:blipFill>
           <a:blip r:embed="rId5"/>
-          <a:stretch/>
+          <a:stretch>
+            <a:fillRect/>
+          </a:stretch>
         </p:blipFill>
         <p:spPr>
           <a:xfrm>
-            <a:off x="7679520" y="288360"/>
-            <a:ext cx="1161360" cy="380160"/>
+            <a:off x="7975224" y="4197347"/>
+            <a:ext cx="2621047" cy="2520000"/>
+          </a:xfrm>
+          <a:prstGeom prst="rect">
+            <a:avLst/>
+          </a:prstGeom>
+        </p:spPr>
+      </p:pic>
+      <p:sp>
+        <p:nvSpPr>
+          <p:cNvPr id="22" name="Rectangle 21">
+            <a:extLst>
+              <a:ext uri="{FF2B5EF4-FFF2-40B4-BE49-F238E27FC236}">
+                <a16:creationId xmlns:a16="http://schemas.microsoft.com/office/drawing/2014/main" id="{2EC1EF59-D012-4760-AFFA-0AEAF7CF6115}"/>
+              </a:ext>
+            </a:extLst>
+          </p:cNvPr>
+          <p:cNvSpPr/>
+          <p:nvPr/>
+        </p:nvSpPr>
+        <p:spPr>
+          <a:xfrm>
+            <a:off x="7123051" y="3751438"/>
+            <a:ext cx="4619042" cy="2946605"/>
+          </a:xfrm>
+          <a:prstGeom prst="rect">
+            <a:avLst/>
+          </a:prstGeom>
+          <a:solidFill>
+            <a:schemeClr val="accent5">
+              <a:lumMod val="20000"/>
+              <a:lumOff val="80000"/>
+              <a:alpha val="20000"/>
+            </a:schemeClr>
+          </a:solidFill>
+        </p:spPr>
+        <p:style>
+          <a:lnRef idx="2">
+            <a:schemeClr val="accent1">
+              <a:shade val="15000"/>
+            </a:schemeClr>
+          </a:lnRef>
+          <a:fillRef idx="1">
+            <a:schemeClr val="accent1"/>
+          </a:fillRef>
+          <a:effectRef idx="0">
+            <a:schemeClr val="accent1"/>
+          </a:effectRef>
+          <a:fontRef idx="minor">
+            <a:schemeClr val="lt1"/>
+          </a:fontRef>
+        </p:style>
+        <p:txBody>
+          <a:bodyPr rtlCol="0" anchor="ctr"/>
+          <a:lstStyle/>
+          <a:p>
+            <a:pPr algn="ctr"/>
+            <a:endParaRPr lang="en-US"/>
+          </a:p>
+        </p:txBody>
+      </p:sp>
+      <p:sp>
+        <p:nvSpPr>
+          <p:cNvPr id="23" name="Rectangle 22">
+            <a:extLst>
+              <a:ext uri="{FF2B5EF4-FFF2-40B4-BE49-F238E27FC236}">
+                <a16:creationId xmlns:a16="http://schemas.microsoft.com/office/drawing/2014/main" id="{0AABD7A6-7349-1A6C-5137-79916E94FFD2}"/>
+              </a:ext>
+            </a:extLst>
+          </p:cNvPr>
+          <p:cNvSpPr/>
+          <p:nvPr/>
+        </p:nvSpPr>
+        <p:spPr>
+          <a:xfrm>
+            <a:off x="565731" y="5240165"/>
+            <a:ext cx="5051298" cy="1361322"/>
+          </a:xfrm>
+          <a:prstGeom prst="rect">
+            <a:avLst/>
+          </a:prstGeom>
+          <a:solidFill>
+            <a:schemeClr val="tx2">
+              <a:lumMod val="10000"/>
+              <a:lumOff val="90000"/>
+              <a:alpha val="20000"/>
+            </a:schemeClr>
+          </a:solidFill>
+        </p:spPr>
+        <p:style>
+          <a:lnRef idx="2">
+            <a:schemeClr val="accent1">
+              <a:shade val="15000"/>
+            </a:schemeClr>
+          </a:lnRef>
+          <a:fillRef idx="1">
+            <a:schemeClr val="accent1"/>
+          </a:fillRef>
+          <a:effectRef idx="0">
+            <a:schemeClr val="accent1"/>
+          </a:effectRef>
+          <a:fontRef idx="minor">
+            <a:schemeClr val="lt1"/>
+          </a:fontRef>
+        </p:style>
+        <p:txBody>
+          <a:bodyPr rtlCol="0" anchor="ctr"/>
+          <a:lstStyle/>
+          <a:p>
+            <a:pPr algn="ctr"/>
+            <a:endParaRPr lang="en-US"/>
+          </a:p>
+        </p:txBody>
+      </p:sp>
+    </p:spTree>
+  </p:cSld>
+  <p:clrMapOvr>
+    <a:masterClrMapping/>
+  </p:clrMapOvr>
+</p:sld>
+</file>
+
+<file path=ppt/slides/slide2.xml><?xml version="1.0" encoding="utf-8"?>
+<p:sld xmlns:a="http://schemas.openxmlformats.org/drawingml/2006/main" xmlns:r="http://schemas.openxmlformats.org/officeDocument/2006/relationships" xmlns:p="http://schemas.openxmlformats.org/presentationml/2006/main">
+  <p:cSld>
+    <p:spTree>
+      <p:nvGrpSpPr>
+        <p:cNvPr id="1" name=""/>
+        <p:cNvGrpSpPr/>
+        <p:nvPr/>
+      </p:nvGrpSpPr>
+      <p:grpSpPr>
+        <a:xfrm>
+          <a:off x="0" y="0"/>
+          <a:ext cx="0" cy="0"/>
+          <a:chOff x="0" y="0"/>
+          <a:chExt cx="0" cy="0"/>
+        </a:xfrm>
+      </p:grpSpPr>
+      <p:sp>
+        <p:nvSpPr>
+          <p:cNvPr id="21" name="Rectangle 20">
+            <a:extLst>
+              <a:ext uri="{FF2B5EF4-FFF2-40B4-BE49-F238E27FC236}">
+                <a16:creationId xmlns:a16="http://schemas.microsoft.com/office/drawing/2014/main" id="{D2E3113E-519B-D456-7247-42CC34EFF462}"/>
+              </a:ext>
+            </a:extLst>
+          </p:cNvPr>
+          <p:cNvSpPr/>
+          <p:nvPr/>
+        </p:nvSpPr>
+        <p:spPr>
+          <a:xfrm>
+            <a:off x="185334" y="245302"/>
+            <a:ext cx="3835591" cy="1509475"/>
+          </a:xfrm>
+          <a:prstGeom prst="rect">
+            <a:avLst/>
+          </a:prstGeom>
+          <a:solidFill>
+            <a:schemeClr val="accent6">
+              <a:lumMod val="20000"/>
+              <a:lumOff val="80000"/>
+              <a:alpha val="20000"/>
+            </a:schemeClr>
+          </a:solidFill>
+        </p:spPr>
+        <p:style>
+          <a:lnRef idx="2">
+            <a:schemeClr val="accent1">
+              <a:shade val="15000"/>
+            </a:schemeClr>
+          </a:lnRef>
+          <a:fillRef idx="1">
+            <a:schemeClr val="accent1"/>
+          </a:fillRef>
+          <a:effectRef idx="0">
+            <a:schemeClr val="accent1"/>
+          </a:effectRef>
+          <a:fontRef idx="minor">
+            <a:schemeClr val="lt1"/>
+          </a:fontRef>
+        </p:style>
+        <p:txBody>
+          <a:bodyPr rtlCol="0" anchor="ctr"/>
+          <a:lstStyle/>
+          <a:p>
+            <a:pPr algn="ctr"/>
+            <a:endParaRPr lang="en-US" dirty="0"/>
+          </a:p>
+        </p:txBody>
+      </p:sp>
+      <p:sp>
+        <p:nvSpPr>
+          <p:cNvPr id="6" name="Rectangle 5">
+            <a:extLst>
+              <a:ext uri="{FF2B5EF4-FFF2-40B4-BE49-F238E27FC236}">
+                <a16:creationId xmlns:a16="http://schemas.microsoft.com/office/drawing/2014/main" id="{318B07E6-E13A-8F82-A3E4-191C4063FB21}"/>
+              </a:ext>
+            </a:extLst>
+          </p:cNvPr>
+          <p:cNvSpPr/>
+          <p:nvPr/>
+        </p:nvSpPr>
+        <p:spPr>
+          <a:xfrm>
+            <a:off x="96677" y="4072504"/>
+            <a:ext cx="5566964" cy="2424973"/>
+          </a:xfrm>
+          <a:prstGeom prst="rect">
+            <a:avLst/>
+          </a:prstGeom>
+          <a:solidFill>
+            <a:srgbClr val="FFC000">
+              <a:alpha val="20000"/>
+            </a:srgbClr>
+          </a:solidFill>
+        </p:spPr>
+        <p:style>
+          <a:lnRef idx="2">
+            <a:schemeClr val="accent1">
+              <a:shade val="15000"/>
+            </a:schemeClr>
+          </a:lnRef>
+          <a:fillRef idx="1">
+            <a:schemeClr val="accent1"/>
+          </a:fillRef>
+          <a:effectRef idx="0">
+            <a:schemeClr val="accent1"/>
+          </a:effectRef>
+          <a:fontRef idx="minor">
+            <a:schemeClr val="lt1"/>
+          </a:fontRef>
+        </p:style>
+        <p:txBody>
+          <a:bodyPr rtlCol="0" anchor="ctr"/>
+          <a:lstStyle/>
+          <a:p>
+            <a:pPr algn="ctr"/>
+            <a:endParaRPr lang="en-US"/>
+          </a:p>
+        </p:txBody>
+      </p:sp>
+      <p:sp>
+        <p:nvSpPr>
+          <p:cNvPr id="3" name="TextBox 2">
+            <a:extLst>
+              <a:ext uri="{FF2B5EF4-FFF2-40B4-BE49-F238E27FC236}">
+                <a16:creationId xmlns:a16="http://schemas.microsoft.com/office/drawing/2014/main" id="{A164EA73-5790-8956-459F-F5E4152705FA}"/>
+              </a:ext>
+            </a:extLst>
+          </p:cNvPr>
+          <p:cNvSpPr txBox="1"/>
+          <p:nvPr/>
+        </p:nvSpPr>
+        <p:spPr>
+          <a:xfrm>
+            <a:off x="232965" y="451789"/>
+            <a:ext cx="3787960" cy="1200329"/>
           </a:xfrm>
           <a:prstGeom prst="rect">
             <a:avLst/>
           </a:prstGeom>
           <a:noFill/>
-          <a:ln w="0">
-            <a:noFill/>
-          </a:ln>
+        </p:spPr>
+        <p:txBody>
+          <a:bodyPr wrap="none" rtlCol="0">
+            <a:spAutoFit/>
+          </a:bodyPr>
+          <a:lstStyle/>
+          <a:p>
+            <a:r>
+              <a:rPr lang="en-US" b="1" dirty="0"/>
+              <a:t>Copy Link</a:t>
+            </a:r>
+          </a:p>
+          <a:p>
+            <a:pPr marL="285750" indent="-285750">
+              <a:buFont typeface="Arial" panose="020B0604020202020204" pitchFamily="34" charset="0"/>
+              <a:buChar char="•"/>
+            </a:pPr>
+            <a:r>
+              <a:rPr lang="en-US" dirty="0"/>
+              <a:t>Link using </a:t>
+            </a:r>
+            <a:r>
+              <a:rPr lang="en-US" dirty="0" err="1"/>
+              <a:t>PageId</a:t>
+            </a:r>
+            <a:r>
+              <a:rPr lang="en-US" dirty="0"/>
+              <a:t> </a:t>
+            </a:r>
+            <a:br>
+              <a:rPr lang="en-US" dirty="0"/>
+            </a:br>
+            <a:r>
+              <a:rPr lang="en-US" dirty="0"/>
+              <a:t>(robust to relocation or renaming)</a:t>
+            </a:r>
+          </a:p>
+          <a:p>
+            <a:pPr marL="285750" indent="-285750">
+              <a:buFont typeface="Arial" panose="020B0604020202020204" pitchFamily="34" charset="0"/>
+              <a:buChar char="•"/>
+            </a:pPr>
+            <a:r>
+              <a:rPr lang="en-US" dirty="0"/>
+              <a:t>Breadcrumb format</a:t>
+            </a:r>
+          </a:p>
+        </p:txBody>
+      </p:sp>
+      <p:sp>
+        <p:nvSpPr>
+          <p:cNvPr id="4" name="TextBox 3">
+            <a:extLst>
+              <a:ext uri="{FF2B5EF4-FFF2-40B4-BE49-F238E27FC236}">
+                <a16:creationId xmlns:a16="http://schemas.microsoft.com/office/drawing/2014/main" id="{2528E267-A6D3-6F75-E73B-A9A0110E28FB}"/>
+              </a:ext>
+            </a:extLst>
+          </p:cNvPr>
+          <p:cNvSpPr txBox="1"/>
+          <p:nvPr/>
+        </p:nvSpPr>
+        <p:spPr>
+          <a:xfrm>
+            <a:off x="185334" y="4103687"/>
+            <a:ext cx="4529573" cy="1477328"/>
+          </a:xfrm>
+          <a:prstGeom prst="rect">
+            <a:avLst/>
+          </a:prstGeom>
+          <a:noFill/>
+        </p:spPr>
+        <p:txBody>
+          <a:bodyPr wrap="none" rtlCol="0">
+            <a:spAutoFit/>
+          </a:bodyPr>
+          <a:lstStyle/>
+          <a:p>
+            <a:r>
+              <a:rPr lang="en-US" b="1" dirty="0"/>
+              <a:t>Table of Contents</a:t>
+            </a:r>
+          </a:p>
+          <a:p>
+            <a:pPr marL="285750" indent="-285750">
+              <a:buFont typeface="Arial" panose="020B0604020202020204" pitchFamily="34" charset="0"/>
+              <a:buChar char="•"/>
+            </a:pPr>
+            <a:r>
+              <a:rPr lang="en-US" dirty="0"/>
+              <a:t>Overlay with Left or Right default position</a:t>
+            </a:r>
+          </a:p>
+          <a:p>
+            <a:pPr marL="285750" indent="-285750">
+              <a:buFont typeface="Arial" panose="020B0604020202020204" pitchFamily="34" charset="0"/>
+              <a:buChar char="•"/>
+            </a:pPr>
+            <a:r>
+              <a:rPr lang="en-US" dirty="0"/>
+              <a:t>expandable levels</a:t>
+            </a:r>
+          </a:p>
+          <a:p>
+            <a:pPr marL="285750" indent="-285750">
+              <a:buFont typeface="Arial" panose="020B0604020202020204" pitchFamily="34" charset="0"/>
+              <a:buChar char="•"/>
+            </a:pPr>
+            <a:r>
+              <a:rPr lang="en-US" dirty="0"/>
+              <a:t>Jump to heading</a:t>
+            </a:r>
+          </a:p>
+          <a:p>
+            <a:pPr marL="285750" indent="-285750">
+              <a:buFont typeface="Arial" panose="020B0604020202020204" pitchFamily="34" charset="0"/>
+              <a:buChar char="•"/>
+            </a:pPr>
+            <a:r>
+              <a:rPr lang="en-US" dirty="0"/>
+              <a:t>Draggable</a:t>
+            </a:r>
+          </a:p>
+        </p:txBody>
+      </p:sp>
+      <p:sp>
+        <p:nvSpPr>
+          <p:cNvPr id="17" name="Rectangle 16">
+            <a:extLst>
+              <a:ext uri="{FF2B5EF4-FFF2-40B4-BE49-F238E27FC236}">
+                <a16:creationId xmlns:a16="http://schemas.microsoft.com/office/drawing/2014/main" id="{EB0E83D7-5CE1-05AB-2509-678C9A0B0FC5}"/>
+              </a:ext>
+            </a:extLst>
+          </p:cNvPr>
+          <p:cNvSpPr/>
+          <p:nvPr/>
+        </p:nvSpPr>
+        <p:spPr>
+          <a:xfrm>
+            <a:off x="4618489" y="202761"/>
+            <a:ext cx="7488347" cy="3817979"/>
+          </a:xfrm>
+          <a:prstGeom prst="rect">
+            <a:avLst/>
+          </a:prstGeom>
+          <a:solidFill>
+            <a:schemeClr val="accent1">
+              <a:lumMod val="20000"/>
+              <a:lumOff val="80000"/>
+              <a:alpha val="20000"/>
+            </a:schemeClr>
+          </a:solidFill>
+        </p:spPr>
+        <p:style>
+          <a:lnRef idx="2">
+            <a:schemeClr val="accent4">
+              <a:shade val="15000"/>
+            </a:schemeClr>
+          </a:lnRef>
+          <a:fillRef idx="1">
+            <a:schemeClr val="accent4"/>
+          </a:fillRef>
+          <a:effectRef idx="0">
+            <a:schemeClr val="accent4"/>
+          </a:effectRef>
+          <a:fontRef idx="minor">
+            <a:schemeClr val="lt1"/>
+          </a:fontRef>
+        </p:style>
+        <p:txBody>
+          <a:bodyPr rtlCol="0" anchor="ctr"/>
+          <a:lstStyle/>
+          <a:p>
+            <a:pPr algn="ctr"/>
+            <a:endParaRPr lang="en-US"/>
+          </a:p>
+        </p:txBody>
+      </p:sp>
+      <p:sp>
+        <p:nvSpPr>
+          <p:cNvPr id="2" name="TextBox 1">
+            <a:extLst>
+              <a:ext uri="{FF2B5EF4-FFF2-40B4-BE49-F238E27FC236}">
+                <a16:creationId xmlns:a16="http://schemas.microsoft.com/office/drawing/2014/main" id="{7714CD12-474C-0A0E-9238-23BE4C3F3A9F}"/>
+              </a:ext>
+            </a:extLst>
+          </p:cNvPr>
+          <p:cNvSpPr txBox="1"/>
+          <p:nvPr/>
+        </p:nvSpPr>
+        <p:spPr>
+          <a:xfrm>
+            <a:off x="7154074" y="202761"/>
+            <a:ext cx="3280065" cy="1477328"/>
+          </a:xfrm>
+          <a:prstGeom prst="rect">
+            <a:avLst/>
+          </a:prstGeom>
+          <a:noFill/>
+        </p:spPr>
+        <p:txBody>
+          <a:bodyPr wrap="none" rtlCol="0">
+            <a:spAutoFit/>
+          </a:bodyPr>
+          <a:lstStyle/>
+          <a:p>
+            <a:r>
+              <a:rPr lang="en-US" b="1" dirty="0"/>
+              <a:t>Snippet Management</a:t>
+            </a:r>
+          </a:p>
+          <a:p>
+            <a:pPr marL="285750" indent="-285750">
+              <a:buFont typeface="Arial" panose="020B0604020202020204" pitchFamily="34" charset="0"/>
+              <a:buChar char="•"/>
+            </a:pPr>
+            <a:r>
+              <a:rPr lang="en-US" dirty="0"/>
+              <a:t>Local Handling of Templates</a:t>
+            </a:r>
+          </a:p>
+          <a:p>
+            <a:pPr marL="285750" indent="-285750">
+              <a:buFont typeface="Arial" panose="020B0604020202020204" pitchFamily="34" charset="0"/>
+              <a:buChar char="•"/>
+            </a:pPr>
+            <a:r>
+              <a:rPr lang="en-US" dirty="0"/>
+              <a:t>Variable expansion</a:t>
+            </a:r>
+          </a:p>
+          <a:p>
+            <a:pPr marL="285750" indent="-285750">
+              <a:buFont typeface="Arial" panose="020B0604020202020204" pitchFamily="34" charset="0"/>
+              <a:buChar char="•"/>
+            </a:pPr>
+            <a:r>
+              <a:rPr lang="en-US" dirty="0"/>
+              <a:t>Export/Import for sharing</a:t>
+            </a:r>
+          </a:p>
+          <a:p>
+            <a:pPr marL="285750" indent="-285750">
+              <a:buFont typeface="Arial" panose="020B0604020202020204" pitchFamily="34" charset="0"/>
+              <a:buChar char="•"/>
+            </a:pPr>
+            <a:r>
+              <a:rPr lang="en-US" dirty="0"/>
+              <a:t>Source or Rich Editor</a:t>
+            </a:r>
+          </a:p>
+        </p:txBody>
+      </p:sp>
+      <p:pic>
+        <p:nvPicPr>
+          <p:cNvPr id="7" name="Picture 6">
+            <a:extLst>
+              <a:ext uri="{FF2B5EF4-FFF2-40B4-BE49-F238E27FC236}">
+                <a16:creationId xmlns:a16="http://schemas.microsoft.com/office/drawing/2014/main" id="{148B3FC1-A1CC-60EB-5E78-2B908ECA0A66}"/>
+              </a:ext>
+            </a:extLst>
+          </p:cNvPr>
+          <p:cNvPicPr>
+            <a:picLocks noChangeAspect="1"/>
+          </p:cNvPicPr>
+          <p:nvPr/>
+        </p:nvPicPr>
+        <p:blipFill>
+          <a:blip r:embed="rId2"/>
+          <a:stretch>
+            <a:fillRect/>
+          </a:stretch>
+        </p:blipFill>
+        <p:spPr>
+          <a:xfrm>
+            <a:off x="7623134" y="1807992"/>
+            <a:ext cx="2156071" cy="1777108"/>
+          </a:xfrm>
+          <a:prstGeom prst="rect">
+            <a:avLst/>
+          </a:prstGeom>
+        </p:spPr>
+      </p:pic>
+      <p:sp>
+        <p:nvSpPr>
+          <p:cNvPr id="8" name="TextBox 7">
+            <a:extLst>
+              <a:ext uri="{FF2B5EF4-FFF2-40B4-BE49-F238E27FC236}">
+                <a16:creationId xmlns:a16="http://schemas.microsoft.com/office/drawing/2014/main" id="{DE09C830-CFC3-4DE0-BFAB-8A0ECEAFEE54}"/>
+              </a:ext>
+            </a:extLst>
+          </p:cNvPr>
+          <p:cNvSpPr txBox="1"/>
+          <p:nvPr/>
+        </p:nvSpPr>
+        <p:spPr>
+          <a:xfrm>
+            <a:off x="7488317" y="3582198"/>
+            <a:ext cx="2151551" cy="261610"/>
+          </a:xfrm>
+          <a:prstGeom prst="rect">
+            <a:avLst/>
+          </a:prstGeom>
+          <a:noFill/>
+        </p:spPr>
+        <p:txBody>
+          <a:bodyPr wrap="none" rtlCol="0">
+            <a:spAutoFit/>
+          </a:bodyPr>
+          <a:lstStyle/>
+          <a:p>
+            <a:r>
+              <a:rPr lang="en-US" sz="1100" dirty="0"/>
+              <a:t>Snippet Selector for Quick Insert</a:t>
+            </a:r>
+          </a:p>
+        </p:txBody>
+      </p:sp>
+      <p:pic>
+        <p:nvPicPr>
+          <p:cNvPr id="10" name="Picture 9">
+            <a:extLst>
+              <a:ext uri="{FF2B5EF4-FFF2-40B4-BE49-F238E27FC236}">
+                <a16:creationId xmlns:a16="http://schemas.microsoft.com/office/drawing/2014/main" id="{69C28695-6E87-B5C2-55FC-1448BD333FB4}"/>
+              </a:ext>
+            </a:extLst>
+          </p:cNvPr>
+          <p:cNvPicPr>
+            <a:picLocks noChangeAspect="1"/>
+          </p:cNvPicPr>
+          <p:nvPr/>
+        </p:nvPicPr>
+        <p:blipFill>
+          <a:blip r:embed="rId3"/>
+          <a:stretch>
+            <a:fillRect/>
+          </a:stretch>
+        </p:blipFill>
+        <p:spPr>
+          <a:xfrm>
+            <a:off x="10272108" y="1807992"/>
+            <a:ext cx="1526402" cy="731478"/>
+          </a:xfrm>
+          <a:prstGeom prst="rect">
+            <a:avLst/>
+          </a:prstGeom>
+        </p:spPr>
+      </p:pic>
+      <p:sp>
+        <p:nvSpPr>
+          <p:cNvPr id="11" name="TextBox 10">
+            <a:extLst>
+              <a:ext uri="{FF2B5EF4-FFF2-40B4-BE49-F238E27FC236}">
+                <a16:creationId xmlns:a16="http://schemas.microsoft.com/office/drawing/2014/main" id="{C3AD95A7-9121-54EE-946B-968BB1A220CC}"/>
+              </a:ext>
+            </a:extLst>
+          </p:cNvPr>
+          <p:cNvSpPr txBox="1"/>
+          <p:nvPr/>
+        </p:nvSpPr>
+        <p:spPr>
+          <a:xfrm>
+            <a:off x="10220274" y="2539470"/>
+            <a:ext cx="1350050" cy="261610"/>
+          </a:xfrm>
+          <a:prstGeom prst="rect">
+            <a:avLst/>
+          </a:prstGeom>
+          <a:noFill/>
+        </p:spPr>
+        <p:txBody>
+          <a:bodyPr wrap="none" rtlCol="0">
+            <a:spAutoFit/>
+          </a:bodyPr>
+          <a:lstStyle/>
+          <a:p>
+            <a:r>
+              <a:rPr lang="en-US" sz="1100" dirty="0"/>
+              <a:t>Variable Expansion</a:t>
+            </a:r>
+          </a:p>
+        </p:txBody>
+      </p:sp>
+      <p:sp>
+        <p:nvSpPr>
+          <p:cNvPr id="14" name="TextBox 13">
+            <a:extLst>
+              <a:ext uri="{FF2B5EF4-FFF2-40B4-BE49-F238E27FC236}">
+                <a16:creationId xmlns:a16="http://schemas.microsoft.com/office/drawing/2014/main" id="{CF7BA5FF-9FBA-4EA3-65B0-CECDC67BD386}"/>
+              </a:ext>
+            </a:extLst>
+          </p:cNvPr>
+          <p:cNvSpPr txBox="1"/>
+          <p:nvPr/>
+        </p:nvSpPr>
+        <p:spPr>
+          <a:xfrm>
+            <a:off x="5057545" y="3451393"/>
+            <a:ext cx="1212191" cy="261610"/>
+          </a:xfrm>
+          <a:prstGeom prst="rect">
+            <a:avLst/>
+          </a:prstGeom>
+          <a:noFill/>
+        </p:spPr>
+        <p:txBody>
+          <a:bodyPr wrap="none" rtlCol="0">
+            <a:spAutoFit/>
+          </a:bodyPr>
+          <a:lstStyle/>
+          <a:p>
+            <a:r>
+              <a:rPr lang="en-US" sz="1100" dirty="0"/>
+              <a:t>Snippet Manager</a:t>
+            </a:r>
+          </a:p>
+        </p:txBody>
+      </p:sp>
+      <p:pic>
+        <p:nvPicPr>
+          <p:cNvPr id="16" name="Picture 15">
+            <a:extLst>
+              <a:ext uri="{FF2B5EF4-FFF2-40B4-BE49-F238E27FC236}">
+                <a16:creationId xmlns:a16="http://schemas.microsoft.com/office/drawing/2014/main" id="{9D658550-351C-E95B-A0F6-8595EB8F98EB}"/>
+              </a:ext>
+            </a:extLst>
+          </p:cNvPr>
+          <p:cNvPicPr>
+            <a:picLocks noChangeAspect="1"/>
+          </p:cNvPicPr>
+          <p:nvPr/>
+        </p:nvPicPr>
+        <p:blipFill>
+          <a:blip r:embed="rId4"/>
+          <a:stretch>
+            <a:fillRect/>
+          </a:stretch>
+        </p:blipFill>
+        <p:spPr>
+          <a:xfrm>
+            <a:off x="2589458" y="4868671"/>
+            <a:ext cx="2889398" cy="1409772"/>
+          </a:xfrm>
+          <a:prstGeom prst="rect">
+            <a:avLst/>
+          </a:prstGeom>
         </p:spPr>
       </p:pic>
       <p:pic>
         <p:nvPicPr>
-          <p:cNvPr id="73" name="Picture 2" descr=""/>
-          <p:cNvPicPr/>
+          <p:cNvPr id="12" name="Picture 11">
+            <a:extLst>
+              <a:ext uri="{FF2B5EF4-FFF2-40B4-BE49-F238E27FC236}">
+                <a16:creationId xmlns:a16="http://schemas.microsoft.com/office/drawing/2014/main" id="{ED3FD586-6717-4B17-AECE-645C6A381035}"/>
+              </a:ext>
+            </a:extLst>
+          </p:cNvPr>
+          <p:cNvPicPr>
+            <a:picLocks noChangeAspect="1"/>
+          </p:cNvPicPr>
           <p:nvPr/>
         </p:nvPicPr>
         <p:blipFill>
-          <a:blip r:embed="rId6"/>
-          <a:stretch/>
+          <a:blip r:embed="rId5"/>
+          <a:stretch>
+            <a:fillRect/>
+          </a:stretch>
         </p:blipFill>
         <p:spPr>
           <a:xfrm>
-            <a:off x="4213800" y="1578240"/>
-            <a:ext cx="2329560" cy="2063160"/>
-          </a:xfrm>
-          <a:prstGeom prst="rect">
-            <a:avLst/>
-          </a:prstGeom>
-          <a:noFill/>
-          <a:ln w="0">
+            <a:off x="4826443" y="479648"/>
+            <a:ext cx="1935713" cy="2880000"/>
+          </a:xfrm>
+          <a:prstGeom prst="rect">
+            <a:avLst/>
+          </a:prstGeom>
+        </p:spPr>
+      </p:pic>
+      <p:grpSp>
+        <p:nvGrpSpPr>
+          <p:cNvPr id="30" name="Group 29">
+            <a:extLst>
+              <a:ext uri="{FF2B5EF4-FFF2-40B4-BE49-F238E27FC236}">
+                <a16:creationId xmlns:a16="http://schemas.microsoft.com/office/drawing/2014/main" id="{C17FED27-6CB8-6770-D307-5722982B0383}"/>
+              </a:ext>
+            </a:extLst>
+          </p:cNvPr>
+          <p:cNvGrpSpPr/>
+          <p:nvPr/>
+        </p:nvGrpSpPr>
+        <p:grpSpPr>
+          <a:xfrm>
+            <a:off x="6269736" y="4297627"/>
+            <a:ext cx="5566964" cy="2117251"/>
+            <a:chOff x="6439702" y="4575286"/>
+            <a:chExt cx="5566964" cy="2117251"/>
+          </a:xfrm>
+        </p:grpSpPr>
+        <p:sp>
+          <p:nvSpPr>
+            <p:cNvPr id="64" name="TextBox 23"/>
+            <p:cNvSpPr/>
+            <p:nvPr/>
+          </p:nvSpPr>
+          <p:spPr>
+            <a:xfrm>
+              <a:off x="6662722" y="4727451"/>
+              <a:ext cx="4416250" cy="583321"/>
+            </a:xfrm>
+            <a:prstGeom prst="rect">
+              <a:avLst/>
+            </a:prstGeom>
             <a:noFill/>
-          </a:ln>
+            <a:ln w="0">
+              <a:noFill/>
+            </a:ln>
+          </p:spPr>
+          <p:style>
+            <a:lnRef idx="0">
+              <a:scrgbClr r="0" g="0" b="0"/>
+            </a:lnRef>
+            <a:fillRef idx="0">
+              <a:scrgbClr r="0" g="0" b="0"/>
+            </a:fillRef>
+            <a:effectRef idx="0">
+              <a:scrgbClr r="0" g="0" b="0"/>
+            </a:effectRef>
+            <a:fontRef idx="minor"/>
+          </p:style>
+          <p:txBody>
+            <a:bodyPr wrap="none" lIns="90000" tIns="45000" rIns="90000" bIns="45000" anchor="t">
+              <a:spAutoFit/>
+            </a:bodyPr>
+            <a:lstStyle/>
+            <a:p>
+              <a:pPr defTabSz="914400">
+                <a:lnSpc>
+                  <a:spcPct val="100000"/>
+                </a:lnSpc>
+              </a:pPr>
+              <a:r>
+                <a:rPr lang="en-US" sz="1800" b="1" u="none" strike="noStrike" dirty="0">
+                  <a:solidFill>
+                    <a:schemeClr val="dk1"/>
+                  </a:solidFill>
+                  <a:effectLst/>
+                  <a:uFillTx/>
+                  <a:latin typeface="Aptos"/>
+                </a:rPr>
+                <a:t>Numbered Headings </a:t>
+              </a:r>
+            </a:p>
+            <a:p>
+              <a:pPr marL="285750" indent="-285750" defTabSz="914400">
+                <a:lnSpc>
+                  <a:spcPct val="100000"/>
+                </a:lnSpc>
+                <a:buFont typeface="Arial" panose="020B0604020202020204" pitchFamily="34" charset="0"/>
+                <a:buChar char="•"/>
+              </a:pPr>
+              <a:r>
+                <a:rPr lang="en-US" sz="1400" dirty="0">
+                  <a:solidFill>
+                    <a:schemeClr val="dk1"/>
+                  </a:solidFill>
+                  <a:latin typeface="Aptos"/>
+                </a:rPr>
+                <a:t>Add/Remove Heading Numbering via context menu</a:t>
+              </a:r>
+              <a:endParaRPr lang="en-US" sz="1400" b="0" u="none" strike="noStrike" dirty="0">
+                <a:solidFill>
+                  <a:srgbClr val="000000"/>
+                </a:solidFill>
+                <a:effectLst/>
+                <a:uFillTx/>
+                <a:latin typeface="Arial"/>
+              </a:endParaRPr>
+            </a:p>
+          </p:txBody>
+        </p:sp>
+        <p:pic>
+          <p:nvPicPr>
+            <p:cNvPr id="23" name="Picture 22">
+              <a:extLst>
+                <a:ext uri="{FF2B5EF4-FFF2-40B4-BE49-F238E27FC236}">
+                  <a16:creationId xmlns:a16="http://schemas.microsoft.com/office/drawing/2014/main" id="{735FA5D7-F4BA-0E8E-4957-836192B282BE}"/>
+                </a:ext>
+              </a:extLst>
+            </p:cNvPr>
+            <p:cNvPicPr>
+              <a:picLocks noChangeAspect="1"/>
+            </p:cNvPicPr>
+            <p:nvPr/>
+          </p:nvPicPr>
+          <p:blipFill>
+            <a:blip r:embed="rId6"/>
+            <a:stretch>
+              <a:fillRect/>
+            </a:stretch>
+          </p:blipFill>
+          <p:spPr>
+            <a:xfrm>
+              <a:off x="7669282" y="5284990"/>
+              <a:ext cx="796966" cy="1165285"/>
+            </a:xfrm>
+            <a:prstGeom prst="rect">
+              <a:avLst/>
+            </a:prstGeom>
+          </p:spPr>
+        </p:pic>
+        <p:pic>
+          <p:nvPicPr>
+            <p:cNvPr id="25" name="Picture 24">
+              <a:extLst>
+                <a:ext uri="{FF2B5EF4-FFF2-40B4-BE49-F238E27FC236}">
+                  <a16:creationId xmlns:a16="http://schemas.microsoft.com/office/drawing/2014/main" id="{42DC743F-3811-9151-9BDE-1C44B9AD7072}"/>
+                </a:ext>
+              </a:extLst>
+            </p:cNvPr>
+            <p:cNvPicPr>
+              <a:picLocks noChangeAspect="1"/>
+            </p:cNvPicPr>
+            <p:nvPr/>
+          </p:nvPicPr>
+          <p:blipFill>
+            <a:blip r:embed="rId7"/>
+            <a:stretch>
+              <a:fillRect/>
+            </a:stretch>
+          </p:blipFill>
+          <p:spPr>
+            <a:xfrm>
+              <a:off x="6541637" y="5283875"/>
+              <a:ext cx="612437" cy="1166400"/>
+            </a:xfrm>
+            <a:prstGeom prst="rect">
+              <a:avLst/>
+            </a:prstGeom>
+          </p:spPr>
+        </p:pic>
+        <p:pic>
+          <p:nvPicPr>
+            <p:cNvPr id="27" name="Picture 26">
+              <a:extLst>
+                <a:ext uri="{FF2B5EF4-FFF2-40B4-BE49-F238E27FC236}">
+                  <a16:creationId xmlns:a16="http://schemas.microsoft.com/office/drawing/2014/main" id="{D16421D1-1A3B-1EAD-0250-8F365CD4B105}"/>
+                </a:ext>
+              </a:extLst>
+            </p:cNvPr>
+            <p:cNvPicPr>
+              <a:picLocks noChangeAspect="1"/>
+            </p:cNvPicPr>
+            <p:nvPr/>
+          </p:nvPicPr>
+          <p:blipFill>
+            <a:blip r:embed="rId8"/>
+            <a:stretch>
+              <a:fillRect/>
+            </a:stretch>
+          </p:blipFill>
+          <p:spPr>
+            <a:xfrm>
+              <a:off x="8557511" y="5385917"/>
+              <a:ext cx="3325525" cy="720000"/>
+            </a:xfrm>
+            <a:prstGeom prst="rect">
+              <a:avLst/>
+            </a:prstGeom>
+          </p:spPr>
+        </p:pic>
+        <p:sp>
+          <p:nvSpPr>
+            <p:cNvPr id="28" name="Arrow: Left-Right 27">
+              <a:extLst>
+                <a:ext uri="{FF2B5EF4-FFF2-40B4-BE49-F238E27FC236}">
+                  <a16:creationId xmlns:a16="http://schemas.microsoft.com/office/drawing/2014/main" id="{3488592F-EFFB-BB53-47A7-CF5A30D6000A}"/>
+                </a:ext>
+              </a:extLst>
+            </p:cNvPr>
+            <p:cNvSpPr/>
+            <p:nvPr/>
+          </p:nvSpPr>
+          <p:spPr>
+            <a:xfrm>
+              <a:off x="7213039" y="5794946"/>
+              <a:ext cx="364980" cy="176932"/>
+            </a:xfrm>
+            <a:prstGeom prst="leftRightArrow">
+              <a:avLst/>
+            </a:prstGeom>
+          </p:spPr>
+          <p:style>
+            <a:lnRef idx="2">
+              <a:schemeClr val="accent1">
+                <a:shade val="15000"/>
+              </a:schemeClr>
+            </a:lnRef>
+            <a:fillRef idx="1">
+              <a:schemeClr val="accent1"/>
+            </a:fillRef>
+            <a:effectRef idx="0">
+              <a:schemeClr val="accent1"/>
+            </a:effectRef>
+            <a:fontRef idx="minor">
+              <a:schemeClr val="lt1"/>
+            </a:fontRef>
+          </p:style>
+          <p:txBody>
+            <a:bodyPr rtlCol="0" anchor="ctr"/>
+            <a:lstStyle/>
+            <a:p>
+              <a:pPr algn="ctr"/>
+              <a:endParaRPr lang="en-US"/>
+            </a:p>
+          </p:txBody>
+        </p:sp>
+        <p:sp>
+          <p:nvSpPr>
+            <p:cNvPr id="29" name="Rectangle 28">
+              <a:extLst>
+                <a:ext uri="{FF2B5EF4-FFF2-40B4-BE49-F238E27FC236}">
+                  <a16:creationId xmlns:a16="http://schemas.microsoft.com/office/drawing/2014/main" id="{F15B745B-A6F8-9DC1-E181-3B0000AB1831}"/>
+                </a:ext>
+              </a:extLst>
+            </p:cNvPr>
+            <p:cNvSpPr/>
+            <p:nvPr/>
+          </p:nvSpPr>
+          <p:spPr>
+            <a:xfrm>
+              <a:off x="6439702" y="4575286"/>
+              <a:ext cx="5566964" cy="2117251"/>
+            </a:xfrm>
+            <a:prstGeom prst="rect">
+              <a:avLst/>
+            </a:prstGeom>
+            <a:solidFill>
+              <a:schemeClr val="accent5">
+                <a:lumMod val="20000"/>
+                <a:lumOff val="80000"/>
+                <a:alpha val="20000"/>
+              </a:schemeClr>
+            </a:solidFill>
+          </p:spPr>
+          <p:style>
+            <a:lnRef idx="2">
+              <a:schemeClr val="accent1">
+                <a:shade val="15000"/>
+              </a:schemeClr>
+            </a:lnRef>
+            <a:fillRef idx="1">
+              <a:schemeClr val="accent1"/>
+            </a:fillRef>
+            <a:effectRef idx="0">
+              <a:schemeClr val="accent1"/>
+            </a:effectRef>
+            <a:fontRef idx="minor">
+              <a:schemeClr val="lt1"/>
+            </a:fontRef>
+          </p:style>
+          <p:txBody>
+            <a:bodyPr rtlCol="0" anchor="ctr"/>
+            <a:lstStyle/>
+            <a:p>
+              <a:pPr algn="ctr"/>
+              <a:endParaRPr lang="en-US" dirty="0"/>
+            </a:p>
+          </p:txBody>
+        </p:sp>
+      </p:grpSp>
+    </p:spTree>
+    <p:extLst>
+      <p:ext uri="{BB962C8B-B14F-4D97-AF65-F5344CB8AC3E}">
+        <p14:creationId xmlns:p14="http://schemas.microsoft.com/office/powerpoint/2010/main" val="991128920"/>
+      </p:ext>
+    </p:extLst>
+  </p:cSld>
+  <p:clrMapOvr>
+    <a:masterClrMapping/>
+  </p:clrMapOvr>
+</p:sld>
+</file>
+
+<file path=ppt/slides/slide3.xml><?xml version="1.0" encoding="utf-8"?>
+<p:sld xmlns:a="http://schemas.openxmlformats.org/drawingml/2006/main" xmlns:r="http://schemas.openxmlformats.org/officeDocument/2006/relationships" xmlns:p="http://schemas.openxmlformats.org/presentationml/2006/main">
+  <p:cSld>
+    <p:spTree>
+      <p:nvGrpSpPr>
+        <p:cNvPr id="1" name=""/>
+        <p:cNvGrpSpPr/>
+        <p:nvPr/>
+      </p:nvGrpSpPr>
+      <p:grpSpPr>
+        <a:xfrm>
+          <a:off x="0" y="0"/>
+          <a:ext cx="0" cy="0"/>
+          <a:chOff x="0" y="0"/>
+          <a:chExt cx="0" cy="0"/>
+        </a:xfrm>
+      </p:grpSpPr>
+    </p:spTree>
+    <p:extLst>
+      <p:ext uri="{BB962C8B-B14F-4D97-AF65-F5344CB8AC3E}">
+        <p14:creationId xmlns:p14="http://schemas.microsoft.com/office/powerpoint/2010/main" val="2545999307"/>
+      </p:ext>
+    </p:extLst>
+  </p:cSld>
+  <p:clrMapOvr>
+    <a:masterClrMapping/>
+  </p:clrMapOvr>
+</p:sld>
+</file>
+
+<file path=ppt/slides/slide4.xml><?xml version="1.0" encoding="utf-8"?>
+<p:sld xmlns:a="http://schemas.openxmlformats.org/drawingml/2006/main" xmlns:r="http://schemas.openxmlformats.org/officeDocument/2006/relationships" xmlns:p="http://schemas.openxmlformats.org/presentationml/2006/main">
+  <p:cSld>
+    <p:spTree>
+      <p:nvGrpSpPr>
+        <p:cNvPr id="1" name=""/>
+        <p:cNvGrpSpPr/>
+        <p:nvPr/>
+      </p:nvGrpSpPr>
+      <p:grpSpPr>
+        <a:xfrm>
+          <a:off x="0" y="0"/>
+          <a:ext cx="0" cy="0"/>
+          <a:chOff x="0" y="0"/>
+          <a:chExt cx="0" cy="0"/>
+        </a:xfrm>
+      </p:grpSpPr>
+      <p:pic>
+        <p:nvPicPr>
+          <p:cNvPr id="22" name="Picture 21">
+            <a:extLst>
+              <a:ext uri="{FF2B5EF4-FFF2-40B4-BE49-F238E27FC236}">
+                <a16:creationId xmlns:a16="http://schemas.microsoft.com/office/drawing/2014/main" id="{4002C416-F9BE-7DE0-0F4F-23622E1136BB}"/>
+              </a:ext>
+            </a:extLst>
+          </p:cNvPr>
+          <p:cNvPicPr>
+            <a:picLocks noChangeAspect="1"/>
+          </p:cNvPicPr>
+          <p:nvPr/>
+        </p:nvPicPr>
+        <p:blipFill>
+          <a:blip r:embed="rId2"/>
+          <a:stretch>
+            <a:fillRect/>
+          </a:stretch>
+        </p:blipFill>
+        <p:spPr>
+          <a:xfrm>
+            <a:off x="238955" y="1941643"/>
+            <a:ext cx="5818775" cy="3240000"/>
+          </a:xfrm>
+          <a:prstGeom prst="rect">
+            <a:avLst/>
+          </a:prstGeom>
+        </p:spPr>
+      </p:pic>
+      <p:pic>
+        <p:nvPicPr>
+          <p:cNvPr id="28" name="Picture 27">
+            <a:extLst>
+              <a:ext uri="{FF2B5EF4-FFF2-40B4-BE49-F238E27FC236}">
+                <a16:creationId xmlns:a16="http://schemas.microsoft.com/office/drawing/2014/main" id="{8E8414C8-ED5E-13D2-BF83-38DCC1F33745}"/>
+              </a:ext>
+            </a:extLst>
+          </p:cNvPr>
+          <p:cNvPicPr>
+            <a:picLocks noChangeAspect="1"/>
+          </p:cNvPicPr>
+          <p:nvPr/>
+        </p:nvPicPr>
+        <p:blipFill>
+          <a:blip r:embed="rId3"/>
+          <a:stretch>
+            <a:fillRect/>
+          </a:stretch>
+        </p:blipFill>
+        <p:spPr>
+          <a:xfrm>
+            <a:off x="5990977" y="1941643"/>
+            <a:ext cx="6155062" cy="3240000"/>
+          </a:xfrm>
+          <a:prstGeom prst="rect">
+            <a:avLst/>
+          </a:prstGeom>
         </p:spPr>
       </p:pic>
     </p:spTree>
+    <p:extLst>
+      <p:ext uri="{BB962C8B-B14F-4D97-AF65-F5344CB8AC3E}">
+        <p14:creationId xmlns:p14="http://schemas.microsoft.com/office/powerpoint/2010/main" val="2479272644"/>
+      </p:ext>
+    </p:extLst>
   </p:cSld>
-  <mc:AlternateContent>
-    <mc:Choice Requires="p14">
-      <p:transition spd="slow" p14:dur="2000"/>
-    </mc:Choice>
-    <mc:Fallback>
-      <p:transition spd="slow"/>
-    </mc:Fallback>
-  </mc:AlternateContent>
+  <p:clrMapOvr>
+    <a:masterClrMapping/>
+  </p:clrMapOvr>
 </p:sld>
 </file>
 
 <file path=ppt/theme/theme1.xml><?xml version="1.0" encoding="utf-8"?>
-<a:theme xmlns:a="http://schemas.openxmlformats.org/drawingml/2006/main" xmlns:r="http://schemas.openxmlformats.org/officeDocument/2006/relationships" name="Office Theme">
+<a:theme xmlns:a="http://schemas.openxmlformats.org/drawingml/2006/main" name="Office Theme">
   <a:themeElements>
     <a:clrScheme name="Office">
       <a:dk1>
         <a:srgbClr val="000000"/>
       </a:dk1>
       <a:lt1>
-        <a:srgbClr val="ffffff"/>
+        <a:srgbClr val="FFFFFF"/>
       </a:lt1>
       <a:dk2>
-        <a:srgbClr val="0e2841"/>
+        <a:srgbClr val="0E2841"/>
       </a:dk2>
       <a:lt2>
-        <a:srgbClr val="e8e8e8"/>
+        <a:srgbClr val="E8E8E8"/>
       </a:lt2>
       <a:accent1>
         <a:srgbClr val="156082"/>
       </a:accent1>
       <a:accent2>
-        <a:srgbClr val="e97132"/>
+        <a:srgbClr val="E97132"/>
       </a:accent2>
       <a:accent3>
-        <a:srgbClr val="196b24"/>
+        <a:srgbClr val="196B24"/>
       </a:accent3>
       <a:accent4>
-        <a:srgbClr val="0f9ed5"/>
+        <a:srgbClr val="0F9ED5"/>
       </a:accent4>
       <a:accent5>
-        <a:srgbClr val="a02b93"/>
+        <a:srgbClr val="A02B93"/>
       </a:accent5>
       <a:accent6>
-        <a:srgbClr val="4ea72e"/>
+        <a:srgbClr val="4EA72E"/>
       </a:accent6>
       <a:hlink>
         <a:srgbClr val="467886"/>
       </a:hlink>
       <a:folHlink>
-        <a:srgbClr val="96607d"/>
+        <a:srgbClr val="96607D"/>
       </a:folHlink>
     </a:clrScheme>
     <a:fontScheme name="Office">
       <a:majorFont>
-        <a:latin typeface="Aptos Display" panose="02110004020202020204" pitchFamily="0" charset="1"/>
+        <a:latin typeface="Aptos Display" panose="02110004020202020204"/>
         <a:ea typeface=""/>
         <a:cs typeface=""/>
       </a:majorFont>
       <a:minorFont>
-        <a:latin typeface="Aptos" panose="02110004020202020204" pitchFamily="0" charset="1"/>
+        <a:latin typeface="Aptos" panose="02110004020202020204"/>
         <a:ea typeface=""/>
         <a:cs typeface=""/>
       </a:minorFont>
@@ -6645,7 +8217,7 @@
             </a:gs>
           </a:gsLst>
           <a:lin ang="5400000" scaled="0"/>
-          <a:tileRect l="0" t="0" r="0" b="0"/>
+          <a:tileRect/>
         </a:gradFill>
         <a:gradFill>
           <a:gsLst>
@@ -6669,7 +8241,7 @@
             </a:gs>
           </a:gsLst>
           <a:lin ang="5400000" scaled="0"/>
-          <a:tileRect l="0" t="0" r="0" b="0"/>
+          <a:tileRect/>
         </a:gradFill>
       </a:fillStyleLst>
       <a:lnStyleLst>
@@ -6729,10 +8301,12 @@
             </a:gs>
           </a:gsLst>
           <a:lin ang="5400000" scaled="0"/>
-          <a:tileRect l="0" t="0" r="0" b="0"/>
+          <a:tileRect/>
         </a:gradFill>
       </a:bgFillStyleLst>
     </a:fmtScheme>
   </a:themeElements>
+  <a:objectDefaults/>
+  <a:extraClrSchemeLst/>
 </a:theme>
 </file>